--- a/docs/deployment_guide/images/cisco-meraki-vmx-cloud-wan-architecture-diagram.pptx
+++ b/docs/deployment_guide/images/cisco-meraki-vmx-cloud-wan-architecture-diagram.pptx
@@ -202,7 +202,7 @@
           <a:p>
             <a:fld id="{499EAC2B-071D-4C46-954C-557DEBE66F11}" type="datetimeFigureOut">
               <a:rPr lang="en-US" smtClean="0"/>
-              <a:t>8/3/2022</a:t>
+              <a:t>8/15/2022</a:t>
             </a:fld>
             <a:endParaRPr lang="en-US"/>
           </a:p>
@@ -1816,7 +1816,7 @@
           <a:p>
             <a:fld id="{3BB93909-EA8F-3C45-AE41-4D30DE09FBC8}" type="datetimeFigureOut">
               <a:rPr lang="en-US" smtClean="0"/>
-              <a:t>8/3/2022</a:t>
+              <a:t>8/15/2022</a:t>
             </a:fld>
             <a:endParaRPr lang="en-US"/>
           </a:p>
@@ -2024,7 +2024,7 @@
           <a:p>
             <a:fld id="{3BB93909-EA8F-3C45-AE41-4D30DE09FBC8}" type="datetimeFigureOut">
               <a:rPr lang="en-US" smtClean="0"/>
-              <a:t>8/3/2022</a:t>
+              <a:t>8/15/2022</a:t>
             </a:fld>
             <a:endParaRPr lang="en-US"/>
           </a:p>
@@ -3176,7 +3176,7 @@
           <a:p>
             <a:fld id="{3BB93909-EA8F-3C45-AE41-4D30DE09FBC8}" type="datetimeFigureOut">
               <a:rPr lang="en-US" smtClean="0"/>
-              <a:t>8/3/2022</a:t>
+              <a:t>8/15/2022</a:t>
             </a:fld>
             <a:endParaRPr lang="en-US"/>
           </a:p>
@@ -3289,7 +3289,7 @@
           <a:p>
             <a:fld id="{3BB93909-EA8F-3C45-AE41-4D30DE09FBC8}" type="datetimeFigureOut">
               <a:rPr lang="en-US" smtClean="0"/>
-              <a:t>8/3/2022</a:t>
+              <a:t>8/15/2022</a:t>
             </a:fld>
             <a:endParaRPr lang="en-US"/>
           </a:p>
@@ -3600,7 +3600,7 @@
           <a:p>
             <a:fld id="{3BB93909-EA8F-3C45-AE41-4D30DE09FBC8}" type="datetimeFigureOut">
               <a:rPr lang="en-US" smtClean="0"/>
-              <a:t>8/3/2022</a:t>
+              <a:t>8/15/2022</a:t>
             </a:fld>
             <a:endParaRPr lang="en-US"/>
           </a:p>
@@ -3888,7 +3888,7 @@
           <a:p>
             <a:fld id="{3BB93909-EA8F-3C45-AE41-4D30DE09FBC8}" type="datetimeFigureOut">
               <a:rPr lang="en-US" smtClean="0"/>
-              <a:t>8/3/2022</a:t>
+              <a:t>8/15/2022</a:t>
             </a:fld>
             <a:endParaRPr lang="en-US"/>
           </a:p>
@@ -4129,7 +4129,7 @@
           <a:p>
             <a:fld id="{3BB93909-EA8F-3C45-AE41-4D30DE09FBC8}" type="datetimeFigureOut">
               <a:rPr lang="en-US" smtClean="0"/>
-              <a:t>8/3/2022</a:t>
+              <a:t>8/15/2022</a:t>
             </a:fld>
             <a:endParaRPr lang="en-US"/>
           </a:p>
@@ -4561,8 +4561,8 @@
         </p:nvSpPr>
         <p:spPr>
           <a:xfrm>
-            <a:off x="1537398" y="442127"/>
-            <a:ext cx="10329705" cy="5787851"/>
+            <a:off x="1537398" y="492779"/>
+            <a:ext cx="10329705" cy="5737199"/>
           </a:xfrm>
           <a:prstGeom prst="rect">
             <a:avLst/>
@@ -4643,7 +4643,7 @@
         </p:blipFill>
         <p:spPr>
           <a:xfrm>
-            <a:off x="1537398" y="442127"/>
+            <a:off x="1537398" y="492779"/>
             <a:ext cx="381000" cy="381000"/>
           </a:xfrm>
           <a:prstGeom prst="rect">
@@ -4666,7 +4666,7 @@
         <p:spPr>
           <a:xfrm>
             <a:off x="2258210" y="854114"/>
-            <a:ext cx="2946277" cy="5190947"/>
+            <a:ext cx="2946277" cy="4766917"/>
           </a:xfrm>
           <a:prstGeom prst="rect">
             <a:avLst/>
@@ -4772,7 +4772,7 @@
         <p:spPr>
           <a:xfrm>
             <a:off x="7134543" y="854113"/>
-            <a:ext cx="2892078" cy="5190948"/>
+            <a:ext cx="2892078" cy="4766914"/>
           </a:xfrm>
           <a:prstGeom prst="rect">
             <a:avLst/>
@@ -4971,10 +4971,10 @@
       </p:pic>
       <p:sp>
         <p:nvSpPr>
-          <p:cNvPr id="94" name="Rectangle 93">
-            <a:extLst>
-              <a:ext uri="{FF2B5EF4-FFF2-40B4-BE49-F238E27FC236}">
-                <a16:creationId xmlns:a16="http://schemas.microsoft.com/office/drawing/2014/main" id="{67832CB2-12BF-4F44-B791-06010BDA885C}"/>
+          <p:cNvPr id="107" name="Rectangle 106">
+            <a:extLst>
+              <a:ext uri="{FF2B5EF4-FFF2-40B4-BE49-F238E27FC236}">
+                <a16:creationId xmlns:a16="http://schemas.microsoft.com/office/drawing/2014/main" id="{AA18AF80-A3D0-483C-A331-F4042634D04E}"/>
               </a:ext>
             </a:extLst>
           </p:cNvPr>
@@ -4983,8 +4983,2133 @@
         </p:nvSpPr>
         <p:spPr>
           <a:xfrm>
-            <a:off x="2462145" y="4481443"/>
-            <a:ext cx="2533228" cy="1413511"/>
+            <a:off x="2725605" y="1879193"/>
+            <a:ext cx="2037325" cy="1110297"/>
+          </a:xfrm>
+          <a:prstGeom prst="rect">
+            <a:avLst/>
+          </a:prstGeom>
+          <a:noFill/>
+          <a:ln w="12700">
+            <a:solidFill>
+              <a:srgbClr val="5B9CD5"/>
+            </a:solidFill>
+            <a:prstDash val="dash"/>
+          </a:ln>
+        </p:spPr>
+        <p:style>
+          <a:lnRef idx="2">
+            <a:schemeClr val="accent1">
+              <a:shade val="50000"/>
+            </a:schemeClr>
+          </a:lnRef>
+          <a:fillRef idx="1">
+            <a:schemeClr val="accent1"/>
+          </a:fillRef>
+          <a:effectRef idx="0">
+            <a:schemeClr val="accent1"/>
+          </a:effectRef>
+          <a:fontRef idx="minor">
+            <a:schemeClr val="lt1"/>
+          </a:fontRef>
+        </p:style>
+        <p:txBody>
+          <a:bodyPr tIns="91440"/>
+          <a:lstStyle/>
+          <a:p>
+            <a:pPr algn="ctr" eaLnBrk="1" fontAlgn="auto" hangingPunct="1">
+              <a:spcBef>
+                <a:spcPts val="0"/>
+              </a:spcBef>
+              <a:spcAft>
+                <a:spcPts val="0"/>
+              </a:spcAft>
+              <a:defRPr/>
+            </a:pPr>
+            <a:r>
+              <a:rPr lang="en-US" sz="1200" dirty="0">
+                <a:solidFill>
+                  <a:srgbClr val="5B9CD5"/>
+                </a:solidFill>
+                <a:latin typeface="Arial" panose="020B0604020202020204" pitchFamily="34" charset="0"/>
+                <a:cs typeface="Arial" panose="020B0604020202020204" pitchFamily="34" charset="0"/>
+              </a:rPr>
+              <a:t>Availability Zone</a:t>
+            </a:r>
+          </a:p>
+        </p:txBody>
+      </p:sp>
+      <p:sp>
+        <p:nvSpPr>
+          <p:cNvPr id="113" name="TextBox 15">
+            <a:extLst>
+              <a:ext uri="{FF2B5EF4-FFF2-40B4-BE49-F238E27FC236}">
+                <a16:creationId xmlns:a16="http://schemas.microsoft.com/office/drawing/2014/main" id="{3A8264A5-1E39-4FF3-8BA7-A722D31D0352}"/>
+              </a:ext>
+            </a:extLst>
+          </p:cNvPr>
+          <p:cNvSpPr txBox="1">
+            <a:spLocks noChangeArrowheads="1"/>
+          </p:cNvSpPr>
+          <p:nvPr/>
+        </p:nvSpPr>
+        <p:spPr bwMode="auto">
+          <a:xfrm>
+            <a:off x="5449006" y="2224585"/>
+            <a:ext cx="1462462" cy="276999"/>
+          </a:xfrm>
+          <a:prstGeom prst="rect">
+            <a:avLst/>
+          </a:prstGeom>
+          <a:noFill/>
+          <a:ln>
+            <a:noFill/>
+          </a:ln>
+          <a:extLst>
+            <a:ext uri="{909E8E84-426E-40DD-AFC4-6F175D3DCCD1}">
+              <a14:hiddenFill xmlns:a14="http://schemas.microsoft.com/office/drawing/2010/main">
+                <a:solidFill>
+                  <a:srgbClr val="FFFFFF"/>
+                </a:solidFill>
+              </a14:hiddenFill>
+            </a:ext>
+            <a:ext uri="{91240B29-F687-4F45-9708-019B960494DF}">
+              <a14:hiddenLine xmlns:a14="http://schemas.microsoft.com/office/drawing/2010/main" w="9525">
+                <a:solidFill>
+                  <a:srgbClr val="000000"/>
+                </a:solidFill>
+                <a:miter lim="800000"/>
+                <a:headEnd/>
+                <a:tailEnd/>
+              </a14:hiddenLine>
+            </a:ext>
+          </a:extLst>
+        </p:spPr>
+        <p:txBody>
+          <a:bodyPr wrap="square">
+            <a:spAutoFit/>
+          </a:bodyPr>
+          <a:lstStyle>
+            <a:lvl1pPr>
+              <a:defRPr>
+                <a:solidFill>
+                  <a:schemeClr val="tx1"/>
+                </a:solidFill>
+                <a:latin typeface="Calibri" panose="020F0502020204030204" pitchFamily="34" charset="0"/>
+              </a:defRPr>
+            </a:lvl1pPr>
+            <a:lvl2pPr marL="742950" indent="-285750">
+              <a:defRPr>
+                <a:solidFill>
+                  <a:schemeClr val="tx1"/>
+                </a:solidFill>
+                <a:latin typeface="Calibri" panose="020F0502020204030204" pitchFamily="34" charset="0"/>
+              </a:defRPr>
+            </a:lvl2pPr>
+            <a:lvl3pPr marL="1143000" indent="-228600">
+              <a:defRPr>
+                <a:solidFill>
+                  <a:schemeClr val="tx1"/>
+                </a:solidFill>
+                <a:latin typeface="Calibri" panose="020F0502020204030204" pitchFamily="34" charset="0"/>
+              </a:defRPr>
+            </a:lvl3pPr>
+            <a:lvl4pPr marL="1600200" indent="-228600">
+              <a:defRPr>
+                <a:solidFill>
+                  <a:schemeClr val="tx1"/>
+                </a:solidFill>
+                <a:latin typeface="Calibri" panose="020F0502020204030204" pitchFamily="34" charset="0"/>
+              </a:defRPr>
+            </a:lvl4pPr>
+            <a:lvl5pPr marL="2057400" indent="-228600">
+              <a:defRPr>
+                <a:solidFill>
+                  <a:schemeClr val="tx1"/>
+                </a:solidFill>
+                <a:latin typeface="Calibri" panose="020F0502020204030204" pitchFamily="34" charset="0"/>
+              </a:defRPr>
+            </a:lvl5pPr>
+            <a:lvl6pPr marL="2514600" indent="-228600" eaLnBrk="0" fontAlgn="base" hangingPunct="0">
+              <a:spcBef>
+                <a:spcPct val="0"/>
+              </a:spcBef>
+              <a:spcAft>
+                <a:spcPct val="0"/>
+              </a:spcAft>
+              <a:defRPr>
+                <a:solidFill>
+                  <a:schemeClr val="tx1"/>
+                </a:solidFill>
+                <a:latin typeface="Calibri" panose="020F0502020204030204" pitchFamily="34" charset="0"/>
+              </a:defRPr>
+            </a:lvl6pPr>
+            <a:lvl7pPr marL="2971800" indent="-228600" eaLnBrk="0" fontAlgn="base" hangingPunct="0">
+              <a:spcBef>
+                <a:spcPct val="0"/>
+              </a:spcBef>
+              <a:spcAft>
+                <a:spcPct val="0"/>
+              </a:spcAft>
+              <a:defRPr>
+                <a:solidFill>
+                  <a:schemeClr val="tx1"/>
+                </a:solidFill>
+                <a:latin typeface="Calibri" panose="020F0502020204030204" pitchFamily="34" charset="0"/>
+              </a:defRPr>
+            </a:lvl7pPr>
+            <a:lvl8pPr marL="3429000" indent="-228600" eaLnBrk="0" fontAlgn="base" hangingPunct="0">
+              <a:spcBef>
+                <a:spcPct val="0"/>
+              </a:spcBef>
+              <a:spcAft>
+                <a:spcPct val="0"/>
+              </a:spcAft>
+              <a:defRPr>
+                <a:solidFill>
+                  <a:schemeClr val="tx1"/>
+                </a:solidFill>
+                <a:latin typeface="Calibri" panose="020F0502020204030204" pitchFamily="34" charset="0"/>
+              </a:defRPr>
+            </a:lvl8pPr>
+            <a:lvl9pPr marL="3886200" indent="-228600" eaLnBrk="0" fontAlgn="base" hangingPunct="0">
+              <a:spcBef>
+                <a:spcPct val="0"/>
+              </a:spcBef>
+              <a:spcAft>
+                <a:spcPct val="0"/>
+              </a:spcAft>
+              <a:defRPr>
+                <a:solidFill>
+                  <a:schemeClr val="tx1"/>
+                </a:solidFill>
+                <a:latin typeface="Calibri" panose="020F0502020204030204" pitchFamily="34" charset="0"/>
+              </a:defRPr>
+            </a:lvl9pPr>
+          </a:lstStyle>
+          <a:p>
+            <a:pPr algn="ctr" eaLnBrk="1" hangingPunct="1"/>
+            <a:r>
+              <a:rPr lang="en-US" altLang="en-US" sz="1200" dirty="0">
+                <a:latin typeface="Arial" panose="020B0604020202020204" pitchFamily="34" charset="0"/>
+                <a:ea typeface="Amazon Ember" panose="020B0603020204020204" pitchFamily="34" charset="0"/>
+                <a:cs typeface="Arial" panose="020B0604020202020204" pitchFamily="34" charset="0"/>
+              </a:rPr>
+              <a:t>SD-WAN segment</a:t>
+            </a:r>
+          </a:p>
+        </p:txBody>
+      </p:sp>
+      <p:pic>
+        <p:nvPicPr>
+          <p:cNvPr id="114" name="Graphic 6">
+            <a:extLst>
+              <a:ext uri="{FF2B5EF4-FFF2-40B4-BE49-F238E27FC236}">
+                <a16:creationId xmlns:a16="http://schemas.microsoft.com/office/drawing/2014/main" id="{D8C29C14-CFD9-4BCA-AA17-2674533DEFAC}"/>
+              </a:ext>
+            </a:extLst>
+          </p:cNvPr>
+          <p:cNvPicPr>
+            <a:picLocks noChangeAspect="1" noChangeArrowheads="1"/>
+          </p:cNvPicPr>
+          <p:nvPr/>
+        </p:nvPicPr>
+        <p:blipFill>
+          <a:blip r:embed="rId9">
+            <a:extLst>
+              <a:ext uri="{96DAC541-7B7A-43D3-8B79-37D633B846F1}">
+                <asvg:svgBlip xmlns:asvg="http://schemas.microsoft.com/office/drawing/2016/SVG/main" r:embed="rId10"/>
+              </a:ext>
+            </a:extLst>
+          </a:blip>
+          <a:srcRect/>
+          <a:stretch/>
+        </p:blipFill>
+        <p:spPr bwMode="auto">
+          <a:xfrm>
+            <a:off x="5969596" y="1783140"/>
+            <a:ext cx="457200" cy="417219"/>
+          </a:xfrm>
+          <a:prstGeom prst="rect">
+            <a:avLst/>
+          </a:prstGeom>
+          <a:noFill/>
+          <a:ln>
+            <a:noFill/>
+          </a:ln>
+          <a:extLst>
+            <a:ext uri="{909E8E84-426E-40DD-AFC4-6F175D3DCCD1}">
+              <a14:hiddenFill xmlns:a14="http://schemas.microsoft.com/office/drawing/2010/main">
+                <a:solidFill>
+                  <a:srgbClr val="FFFFFF"/>
+                </a:solidFill>
+              </a14:hiddenFill>
+            </a:ext>
+            <a:ext uri="{91240B29-F687-4F45-9708-019B960494DF}">
+              <a14:hiddenLine xmlns:a14="http://schemas.microsoft.com/office/drawing/2010/main" w="9525">
+                <a:solidFill>
+                  <a:srgbClr val="000000"/>
+                </a:solidFill>
+                <a:miter lim="800000"/>
+                <a:headEnd/>
+                <a:tailEnd/>
+              </a14:hiddenLine>
+            </a:ext>
+          </a:extLst>
+        </p:spPr>
+      </p:pic>
+      <p:sp>
+        <p:nvSpPr>
+          <p:cNvPr id="119" name="TextBox 16">
+            <a:extLst>
+              <a:ext uri="{FF2B5EF4-FFF2-40B4-BE49-F238E27FC236}">
+                <a16:creationId xmlns:a16="http://schemas.microsoft.com/office/drawing/2014/main" id="{99D75873-B656-48A2-A4A8-44F3CDA85B3D}"/>
+              </a:ext>
+            </a:extLst>
+          </p:cNvPr>
+          <p:cNvSpPr txBox="1">
+            <a:spLocks noChangeArrowheads="1"/>
+          </p:cNvSpPr>
+          <p:nvPr/>
+        </p:nvSpPr>
+        <p:spPr bwMode="auto">
+          <a:xfrm>
+            <a:off x="5342573" y="3283730"/>
+            <a:ext cx="1675493" cy="276999"/>
+          </a:xfrm>
+          <a:prstGeom prst="rect">
+            <a:avLst/>
+          </a:prstGeom>
+          <a:noFill/>
+          <a:ln>
+            <a:noFill/>
+          </a:ln>
+          <a:extLst>
+            <a:ext uri="{909E8E84-426E-40DD-AFC4-6F175D3DCCD1}">
+              <a14:hiddenFill xmlns:a14="http://schemas.microsoft.com/office/drawing/2010/main">
+                <a:solidFill>
+                  <a:srgbClr val="FFFFFF"/>
+                </a:solidFill>
+              </a14:hiddenFill>
+            </a:ext>
+            <a:ext uri="{91240B29-F687-4F45-9708-019B960494DF}">
+              <a14:hiddenLine xmlns:a14="http://schemas.microsoft.com/office/drawing/2010/main" w="9525">
+                <a:solidFill>
+                  <a:srgbClr val="000000"/>
+                </a:solidFill>
+                <a:miter lim="800000"/>
+                <a:headEnd/>
+                <a:tailEnd/>
+              </a14:hiddenLine>
+            </a:ext>
+          </a:extLst>
+        </p:spPr>
+        <p:txBody>
+          <a:bodyPr wrap="square">
+            <a:spAutoFit/>
+          </a:bodyPr>
+          <a:lstStyle>
+            <a:lvl1pPr>
+              <a:defRPr>
+                <a:solidFill>
+                  <a:schemeClr val="tx1"/>
+                </a:solidFill>
+                <a:latin typeface="Calibri" panose="020F0502020204030204" pitchFamily="34" charset="0"/>
+              </a:defRPr>
+            </a:lvl1pPr>
+            <a:lvl2pPr marL="742950" indent="-285750">
+              <a:defRPr>
+                <a:solidFill>
+                  <a:schemeClr val="tx1"/>
+                </a:solidFill>
+                <a:latin typeface="Calibri" panose="020F0502020204030204" pitchFamily="34" charset="0"/>
+              </a:defRPr>
+            </a:lvl2pPr>
+            <a:lvl3pPr marL="1143000" indent="-228600">
+              <a:defRPr>
+                <a:solidFill>
+                  <a:schemeClr val="tx1"/>
+                </a:solidFill>
+                <a:latin typeface="Calibri" panose="020F0502020204030204" pitchFamily="34" charset="0"/>
+              </a:defRPr>
+            </a:lvl3pPr>
+            <a:lvl4pPr marL="1600200" indent="-228600">
+              <a:defRPr>
+                <a:solidFill>
+                  <a:schemeClr val="tx1"/>
+                </a:solidFill>
+                <a:latin typeface="Calibri" panose="020F0502020204030204" pitchFamily="34" charset="0"/>
+              </a:defRPr>
+            </a:lvl4pPr>
+            <a:lvl5pPr marL="2057400" indent="-228600">
+              <a:defRPr>
+                <a:solidFill>
+                  <a:schemeClr val="tx1"/>
+                </a:solidFill>
+                <a:latin typeface="Calibri" panose="020F0502020204030204" pitchFamily="34" charset="0"/>
+              </a:defRPr>
+            </a:lvl5pPr>
+            <a:lvl6pPr marL="2514600" indent="-228600" eaLnBrk="0" fontAlgn="base" hangingPunct="0">
+              <a:spcBef>
+                <a:spcPct val="0"/>
+              </a:spcBef>
+              <a:spcAft>
+                <a:spcPct val="0"/>
+              </a:spcAft>
+              <a:defRPr>
+                <a:solidFill>
+                  <a:schemeClr val="tx1"/>
+                </a:solidFill>
+                <a:latin typeface="Calibri" panose="020F0502020204030204" pitchFamily="34" charset="0"/>
+              </a:defRPr>
+            </a:lvl6pPr>
+            <a:lvl7pPr marL="2971800" indent="-228600" eaLnBrk="0" fontAlgn="base" hangingPunct="0">
+              <a:spcBef>
+                <a:spcPct val="0"/>
+              </a:spcBef>
+              <a:spcAft>
+                <a:spcPct val="0"/>
+              </a:spcAft>
+              <a:defRPr>
+                <a:solidFill>
+                  <a:schemeClr val="tx1"/>
+                </a:solidFill>
+                <a:latin typeface="Calibri" panose="020F0502020204030204" pitchFamily="34" charset="0"/>
+              </a:defRPr>
+            </a:lvl7pPr>
+            <a:lvl8pPr marL="3429000" indent="-228600" eaLnBrk="0" fontAlgn="base" hangingPunct="0">
+              <a:spcBef>
+                <a:spcPct val="0"/>
+              </a:spcBef>
+              <a:spcAft>
+                <a:spcPct val="0"/>
+              </a:spcAft>
+              <a:defRPr>
+                <a:solidFill>
+                  <a:schemeClr val="tx1"/>
+                </a:solidFill>
+                <a:latin typeface="Calibri" panose="020F0502020204030204" pitchFamily="34" charset="0"/>
+              </a:defRPr>
+            </a:lvl8pPr>
+            <a:lvl9pPr marL="3886200" indent="-228600" eaLnBrk="0" fontAlgn="base" hangingPunct="0">
+              <a:spcBef>
+                <a:spcPct val="0"/>
+              </a:spcBef>
+              <a:spcAft>
+                <a:spcPct val="0"/>
+              </a:spcAft>
+              <a:defRPr>
+                <a:solidFill>
+                  <a:schemeClr val="tx1"/>
+                </a:solidFill>
+                <a:latin typeface="Calibri" panose="020F0502020204030204" pitchFamily="34" charset="0"/>
+              </a:defRPr>
+            </a:lvl9pPr>
+          </a:lstStyle>
+          <a:p>
+            <a:pPr algn="ctr" eaLnBrk="1" hangingPunct="1"/>
+            <a:r>
+              <a:rPr lang="en-US" sz="1200" dirty="0">
+                <a:latin typeface="Arial" panose="020B0604020202020204" pitchFamily="34" charset="0"/>
+                <a:cs typeface="Arial" panose="020B0604020202020204" pitchFamily="34" charset="0"/>
+              </a:rPr>
+              <a:t>Core network edge</a:t>
+            </a:r>
+            <a:endParaRPr lang="en-US" altLang="en-US" sz="1200" dirty="0">
+              <a:latin typeface="Arial" panose="020B0604020202020204" pitchFamily="34" charset="0"/>
+              <a:ea typeface="Amazon Ember" panose="020B0603020204020204" pitchFamily="34" charset="0"/>
+              <a:cs typeface="Arial" panose="020B0604020202020204" pitchFamily="34" charset="0"/>
+            </a:endParaRPr>
+          </a:p>
+        </p:txBody>
+      </p:sp>
+      <p:pic>
+        <p:nvPicPr>
+          <p:cNvPr id="120" name="Graphic 14">
+            <a:extLst>
+              <a:ext uri="{FF2B5EF4-FFF2-40B4-BE49-F238E27FC236}">
+                <a16:creationId xmlns:a16="http://schemas.microsoft.com/office/drawing/2014/main" id="{8F00E202-17BE-431E-9653-0D6E4B0235CC}"/>
+              </a:ext>
+            </a:extLst>
+          </p:cNvPr>
+          <p:cNvPicPr>
+            <a:picLocks noChangeAspect="1" noChangeArrowheads="1"/>
+          </p:cNvPicPr>
+          <p:nvPr/>
+        </p:nvPicPr>
+        <p:blipFill>
+          <a:blip r:embed="rId11">
+            <a:extLst>
+              <a:ext uri="{96DAC541-7B7A-43D3-8B79-37D633B846F1}">
+                <asvg:svgBlip xmlns:asvg="http://schemas.microsoft.com/office/drawing/2016/SVG/main" r:embed="rId12"/>
+              </a:ext>
+            </a:extLst>
+          </a:blip>
+          <a:srcRect/>
+          <a:stretch/>
+        </p:blipFill>
+        <p:spPr bwMode="auto">
+          <a:xfrm>
+            <a:off x="5969596" y="2813871"/>
+            <a:ext cx="457200" cy="457200"/>
+          </a:xfrm>
+          <a:prstGeom prst="rect">
+            <a:avLst/>
+          </a:prstGeom>
+          <a:noFill/>
+          <a:ln>
+            <a:noFill/>
+          </a:ln>
+          <a:extLst>
+            <a:ext uri="{909E8E84-426E-40DD-AFC4-6F175D3DCCD1}">
+              <a14:hiddenFill xmlns:a14="http://schemas.microsoft.com/office/drawing/2010/main">
+                <a:solidFill>
+                  <a:srgbClr val="FFFFFF"/>
+                </a:solidFill>
+              </a14:hiddenFill>
+            </a:ext>
+            <a:ext uri="{91240B29-F687-4F45-9708-019B960494DF}">
+              <a14:hiddenLine xmlns:a14="http://schemas.microsoft.com/office/drawing/2010/main" w="9525">
+                <a:solidFill>
+                  <a:srgbClr val="000000"/>
+                </a:solidFill>
+                <a:miter lim="800000"/>
+                <a:headEnd/>
+                <a:tailEnd/>
+              </a14:hiddenLine>
+            </a:ext>
+          </a:extLst>
+        </p:spPr>
+      </p:pic>
+      <p:sp>
+        <p:nvSpPr>
+          <p:cNvPr id="123" name="Rectangle 122">
+            <a:extLst>
+              <a:ext uri="{FF2B5EF4-FFF2-40B4-BE49-F238E27FC236}">
+                <a16:creationId xmlns:a16="http://schemas.microsoft.com/office/drawing/2014/main" id="{FDE30BD0-41FD-4FDF-9AD1-1AB62C81307F}"/>
+              </a:ext>
+            </a:extLst>
+          </p:cNvPr>
+          <p:cNvSpPr/>
+          <p:nvPr/>
+        </p:nvSpPr>
+        <p:spPr>
+          <a:xfrm>
+            <a:off x="2725605" y="3093365"/>
+            <a:ext cx="2037325" cy="1106424"/>
+          </a:xfrm>
+          <a:prstGeom prst="rect">
+            <a:avLst/>
+          </a:prstGeom>
+          <a:noFill/>
+          <a:ln w="12700">
+            <a:solidFill>
+              <a:srgbClr val="5B9CD5"/>
+            </a:solidFill>
+            <a:prstDash val="dash"/>
+          </a:ln>
+        </p:spPr>
+        <p:style>
+          <a:lnRef idx="2">
+            <a:schemeClr val="accent1">
+              <a:shade val="50000"/>
+            </a:schemeClr>
+          </a:lnRef>
+          <a:fillRef idx="1">
+            <a:schemeClr val="accent1"/>
+          </a:fillRef>
+          <a:effectRef idx="0">
+            <a:schemeClr val="accent1"/>
+          </a:effectRef>
+          <a:fontRef idx="minor">
+            <a:schemeClr val="lt1"/>
+          </a:fontRef>
+        </p:style>
+        <p:txBody>
+          <a:bodyPr tIns="91440"/>
+          <a:lstStyle/>
+          <a:p>
+            <a:pPr algn="ctr" eaLnBrk="1" fontAlgn="auto" hangingPunct="1">
+              <a:spcBef>
+                <a:spcPts val="0"/>
+              </a:spcBef>
+              <a:spcAft>
+                <a:spcPts val="0"/>
+              </a:spcAft>
+              <a:defRPr/>
+            </a:pPr>
+            <a:r>
+              <a:rPr lang="en-US" sz="1200" dirty="0">
+                <a:solidFill>
+                  <a:srgbClr val="5B9CD5"/>
+                </a:solidFill>
+                <a:latin typeface="Arial" panose="020B0604020202020204" pitchFamily="34" charset="0"/>
+                <a:cs typeface="Arial" panose="020B0604020202020204" pitchFamily="34" charset="0"/>
+              </a:rPr>
+              <a:t>Availability Zone</a:t>
+            </a:r>
+          </a:p>
+        </p:txBody>
+      </p:sp>
+      <p:pic>
+        <p:nvPicPr>
+          <p:cNvPr id="124" name="Graphic 60">
+            <a:extLst>
+              <a:ext uri="{FF2B5EF4-FFF2-40B4-BE49-F238E27FC236}">
+                <a16:creationId xmlns:a16="http://schemas.microsoft.com/office/drawing/2014/main" id="{3718850A-C327-4535-B78E-741464D5A21C}"/>
+              </a:ext>
+            </a:extLst>
+          </p:cNvPr>
+          <p:cNvPicPr>
+            <a:picLocks noChangeAspect="1" noChangeArrowheads="1"/>
+          </p:cNvPicPr>
+          <p:nvPr/>
+        </p:nvPicPr>
+        <p:blipFill>
+          <a:blip r:embed="rId13">
+            <a:extLst>
+              <a:ext uri="{28A0092B-C50C-407E-A947-70E740481C1C}">
+                <a14:useLocalDpi xmlns:a14="http://schemas.microsoft.com/office/drawing/2010/main" val="0"/>
+              </a:ext>
+            </a:extLst>
+          </a:blip>
+          <a:srcRect/>
+          <a:stretch>
+            <a:fillRect/>
+          </a:stretch>
+        </p:blipFill>
+        <p:spPr bwMode="auto">
+          <a:xfrm>
+            <a:off x="3553695" y="2220139"/>
+            <a:ext cx="457200" cy="457200"/>
+          </a:xfrm>
+          <a:prstGeom prst="rect">
+            <a:avLst/>
+          </a:prstGeom>
+          <a:noFill/>
+          <a:ln>
+            <a:noFill/>
+          </a:ln>
+          <a:extLst>
+            <a:ext uri="{909E8E84-426E-40DD-AFC4-6F175D3DCCD1}">
+              <a14:hiddenFill xmlns:a14="http://schemas.microsoft.com/office/drawing/2010/main">
+                <a:solidFill>
+                  <a:srgbClr val="FFFFFF"/>
+                </a:solidFill>
+              </a14:hiddenFill>
+            </a:ext>
+            <a:ext uri="{91240B29-F687-4F45-9708-019B960494DF}">
+              <a14:hiddenLine xmlns:a14="http://schemas.microsoft.com/office/drawing/2010/main" w="9525">
+                <a:solidFill>
+                  <a:srgbClr val="000000"/>
+                </a:solidFill>
+                <a:miter lim="800000"/>
+                <a:headEnd/>
+                <a:tailEnd/>
+              </a14:hiddenLine>
+            </a:ext>
+          </a:extLst>
+        </p:spPr>
+      </p:pic>
+      <p:pic>
+        <p:nvPicPr>
+          <p:cNvPr id="125" name="Graphic 60">
+            <a:extLst>
+              <a:ext uri="{FF2B5EF4-FFF2-40B4-BE49-F238E27FC236}">
+                <a16:creationId xmlns:a16="http://schemas.microsoft.com/office/drawing/2014/main" id="{EF9694B2-DDC3-45BD-87CF-199A5EAD0A58}"/>
+              </a:ext>
+            </a:extLst>
+          </p:cNvPr>
+          <p:cNvPicPr>
+            <a:picLocks noChangeAspect="1" noChangeArrowheads="1"/>
+          </p:cNvPicPr>
+          <p:nvPr/>
+        </p:nvPicPr>
+        <p:blipFill>
+          <a:blip r:embed="rId13">
+            <a:extLst>
+              <a:ext uri="{28A0092B-C50C-407E-A947-70E740481C1C}">
+                <a14:useLocalDpi xmlns:a14="http://schemas.microsoft.com/office/drawing/2010/main" val="0"/>
+              </a:ext>
+            </a:extLst>
+          </a:blip>
+          <a:srcRect/>
+          <a:stretch>
+            <a:fillRect/>
+          </a:stretch>
+        </p:blipFill>
+        <p:spPr bwMode="auto">
+          <a:xfrm>
+            <a:off x="3553695" y="3456486"/>
+            <a:ext cx="457200" cy="457200"/>
+          </a:xfrm>
+          <a:prstGeom prst="rect">
+            <a:avLst/>
+          </a:prstGeom>
+          <a:noFill/>
+          <a:ln>
+            <a:noFill/>
+          </a:ln>
+          <a:extLst>
+            <a:ext uri="{909E8E84-426E-40DD-AFC4-6F175D3DCCD1}">
+              <a14:hiddenFill xmlns:a14="http://schemas.microsoft.com/office/drawing/2010/main">
+                <a:solidFill>
+                  <a:srgbClr val="FFFFFF"/>
+                </a:solidFill>
+              </a14:hiddenFill>
+            </a:ext>
+            <a:ext uri="{91240B29-F687-4F45-9708-019B960494DF}">
+              <a14:hiddenLine xmlns:a14="http://schemas.microsoft.com/office/drawing/2010/main" w="9525">
+                <a:solidFill>
+                  <a:srgbClr val="000000"/>
+                </a:solidFill>
+                <a:miter lim="800000"/>
+                <a:headEnd/>
+                <a:tailEnd/>
+              </a14:hiddenLine>
+            </a:ext>
+          </a:extLst>
+        </p:spPr>
+      </p:pic>
+      <p:sp>
+        <p:nvSpPr>
+          <p:cNvPr id="130" name="TextBox 20">
+            <a:extLst>
+              <a:ext uri="{FF2B5EF4-FFF2-40B4-BE49-F238E27FC236}">
+                <a16:creationId xmlns:a16="http://schemas.microsoft.com/office/drawing/2014/main" id="{F484C7C6-F902-4EAF-85F5-984D6059663A}"/>
+              </a:ext>
+            </a:extLst>
+          </p:cNvPr>
+          <p:cNvSpPr txBox="1">
+            <a:spLocks noChangeArrowheads="1"/>
+          </p:cNvSpPr>
+          <p:nvPr/>
+        </p:nvSpPr>
+        <p:spPr bwMode="auto">
+          <a:xfrm>
+            <a:off x="3018218" y="2677339"/>
+            <a:ext cx="1528154" cy="276999"/>
+          </a:xfrm>
+          <a:prstGeom prst="rect">
+            <a:avLst/>
+          </a:prstGeom>
+          <a:noFill/>
+          <a:ln>
+            <a:noFill/>
+          </a:ln>
+          <a:extLst>
+            <a:ext uri="{909E8E84-426E-40DD-AFC4-6F175D3DCCD1}">
+              <a14:hiddenFill xmlns:a14="http://schemas.microsoft.com/office/drawing/2010/main">
+                <a:solidFill>
+                  <a:srgbClr val="FFFFFF"/>
+                </a:solidFill>
+              </a14:hiddenFill>
+            </a:ext>
+            <a:ext uri="{91240B29-F687-4F45-9708-019B960494DF}">
+              <a14:hiddenLine xmlns:a14="http://schemas.microsoft.com/office/drawing/2010/main" w="9525">
+                <a:solidFill>
+                  <a:srgbClr val="000000"/>
+                </a:solidFill>
+                <a:miter lim="800000"/>
+                <a:headEnd/>
+                <a:tailEnd/>
+              </a14:hiddenLine>
+            </a:ext>
+          </a:extLst>
+        </p:spPr>
+        <p:txBody>
+          <a:bodyPr wrap="square">
+            <a:spAutoFit/>
+          </a:bodyPr>
+          <a:lstStyle>
+            <a:lvl1pPr>
+              <a:defRPr>
+                <a:solidFill>
+                  <a:schemeClr val="tx1"/>
+                </a:solidFill>
+                <a:latin typeface="Calibri" panose="020F0502020204030204" pitchFamily="34" charset="0"/>
+              </a:defRPr>
+            </a:lvl1pPr>
+            <a:lvl2pPr marL="742950" indent="-285750">
+              <a:defRPr>
+                <a:solidFill>
+                  <a:schemeClr val="tx1"/>
+                </a:solidFill>
+                <a:latin typeface="Calibri" panose="020F0502020204030204" pitchFamily="34" charset="0"/>
+              </a:defRPr>
+            </a:lvl2pPr>
+            <a:lvl3pPr marL="1143000" indent="-228600">
+              <a:defRPr>
+                <a:solidFill>
+                  <a:schemeClr val="tx1"/>
+                </a:solidFill>
+                <a:latin typeface="Calibri" panose="020F0502020204030204" pitchFamily="34" charset="0"/>
+              </a:defRPr>
+            </a:lvl3pPr>
+            <a:lvl4pPr marL="1600200" indent="-228600">
+              <a:defRPr>
+                <a:solidFill>
+                  <a:schemeClr val="tx1"/>
+                </a:solidFill>
+                <a:latin typeface="Calibri" panose="020F0502020204030204" pitchFamily="34" charset="0"/>
+              </a:defRPr>
+            </a:lvl4pPr>
+            <a:lvl5pPr marL="2057400" indent="-228600">
+              <a:defRPr>
+                <a:solidFill>
+                  <a:schemeClr val="tx1"/>
+                </a:solidFill>
+                <a:latin typeface="Calibri" panose="020F0502020204030204" pitchFamily="34" charset="0"/>
+              </a:defRPr>
+            </a:lvl5pPr>
+            <a:lvl6pPr marL="2514600" indent="-228600" eaLnBrk="0" fontAlgn="base" hangingPunct="0">
+              <a:spcBef>
+                <a:spcPct val="0"/>
+              </a:spcBef>
+              <a:spcAft>
+                <a:spcPct val="0"/>
+              </a:spcAft>
+              <a:defRPr>
+                <a:solidFill>
+                  <a:schemeClr val="tx1"/>
+                </a:solidFill>
+                <a:latin typeface="Calibri" panose="020F0502020204030204" pitchFamily="34" charset="0"/>
+              </a:defRPr>
+            </a:lvl6pPr>
+            <a:lvl7pPr marL="2971800" indent="-228600" eaLnBrk="0" fontAlgn="base" hangingPunct="0">
+              <a:spcBef>
+                <a:spcPct val="0"/>
+              </a:spcBef>
+              <a:spcAft>
+                <a:spcPct val="0"/>
+              </a:spcAft>
+              <a:defRPr>
+                <a:solidFill>
+                  <a:schemeClr val="tx1"/>
+                </a:solidFill>
+                <a:latin typeface="Calibri" panose="020F0502020204030204" pitchFamily="34" charset="0"/>
+              </a:defRPr>
+            </a:lvl7pPr>
+            <a:lvl8pPr marL="3429000" indent="-228600" eaLnBrk="0" fontAlgn="base" hangingPunct="0">
+              <a:spcBef>
+                <a:spcPct val="0"/>
+              </a:spcBef>
+              <a:spcAft>
+                <a:spcPct val="0"/>
+              </a:spcAft>
+              <a:defRPr>
+                <a:solidFill>
+                  <a:schemeClr val="tx1"/>
+                </a:solidFill>
+                <a:latin typeface="Calibri" panose="020F0502020204030204" pitchFamily="34" charset="0"/>
+              </a:defRPr>
+            </a:lvl8pPr>
+            <a:lvl9pPr marL="3886200" indent="-228600" eaLnBrk="0" fontAlgn="base" hangingPunct="0">
+              <a:spcBef>
+                <a:spcPct val="0"/>
+              </a:spcBef>
+              <a:spcAft>
+                <a:spcPct val="0"/>
+              </a:spcAft>
+              <a:defRPr>
+                <a:solidFill>
+                  <a:schemeClr val="tx1"/>
+                </a:solidFill>
+                <a:latin typeface="Calibri" panose="020F0502020204030204" pitchFamily="34" charset="0"/>
+              </a:defRPr>
+            </a:lvl9pPr>
+          </a:lstStyle>
+          <a:p>
+            <a:pPr algn="ctr" eaLnBrk="1" hangingPunct="1"/>
+            <a:r>
+              <a:rPr lang="en-US" altLang="en-US" sz="1200" dirty="0">
+                <a:latin typeface="Arial" panose="020B0604020202020204" pitchFamily="34" charset="0"/>
+                <a:ea typeface="Amazon Ember" panose="020B0603020204020204" pitchFamily="34" charset="0"/>
+                <a:cs typeface="Arial" panose="020B0604020202020204" pitchFamily="34" charset="0"/>
+              </a:rPr>
+              <a:t>Meraki vMX</a:t>
+            </a:r>
+          </a:p>
+        </p:txBody>
+      </p:sp>
+      <p:sp>
+        <p:nvSpPr>
+          <p:cNvPr id="131" name="TextBox 20">
+            <a:extLst>
+              <a:ext uri="{FF2B5EF4-FFF2-40B4-BE49-F238E27FC236}">
+                <a16:creationId xmlns:a16="http://schemas.microsoft.com/office/drawing/2014/main" id="{03031F4B-E132-4549-A496-9562AB38B05E}"/>
+              </a:ext>
+            </a:extLst>
+          </p:cNvPr>
+          <p:cNvSpPr txBox="1">
+            <a:spLocks noChangeArrowheads="1"/>
+          </p:cNvSpPr>
+          <p:nvPr/>
+        </p:nvSpPr>
+        <p:spPr bwMode="auto">
+          <a:xfrm>
+            <a:off x="3018218" y="3874055"/>
+            <a:ext cx="1528154" cy="276999"/>
+          </a:xfrm>
+          <a:prstGeom prst="rect">
+            <a:avLst/>
+          </a:prstGeom>
+          <a:noFill/>
+          <a:ln>
+            <a:noFill/>
+          </a:ln>
+          <a:extLst>
+            <a:ext uri="{909E8E84-426E-40DD-AFC4-6F175D3DCCD1}">
+              <a14:hiddenFill xmlns:a14="http://schemas.microsoft.com/office/drawing/2010/main">
+                <a:solidFill>
+                  <a:srgbClr val="FFFFFF"/>
+                </a:solidFill>
+              </a14:hiddenFill>
+            </a:ext>
+            <a:ext uri="{91240B29-F687-4F45-9708-019B960494DF}">
+              <a14:hiddenLine xmlns:a14="http://schemas.microsoft.com/office/drawing/2010/main" w="9525">
+                <a:solidFill>
+                  <a:srgbClr val="000000"/>
+                </a:solidFill>
+                <a:miter lim="800000"/>
+                <a:headEnd/>
+                <a:tailEnd/>
+              </a14:hiddenLine>
+            </a:ext>
+          </a:extLst>
+        </p:spPr>
+        <p:txBody>
+          <a:bodyPr wrap="square">
+            <a:spAutoFit/>
+          </a:bodyPr>
+          <a:lstStyle>
+            <a:lvl1pPr>
+              <a:defRPr>
+                <a:solidFill>
+                  <a:schemeClr val="tx1"/>
+                </a:solidFill>
+                <a:latin typeface="Calibri" panose="020F0502020204030204" pitchFamily="34" charset="0"/>
+              </a:defRPr>
+            </a:lvl1pPr>
+            <a:lvl2pPr marL="742950" indent="-285750">
+              <a:defRPr>
+                <a:solidFill>
+                  <a:schemeClr val="tx1"/>
+                </a:solidFill>
+                <a:latin typeface="Calibri" panose="020F0502020204030204" pitchFamily="34" charset="0"/>
+              </a:defRPr>
+            </a:lvl2pPr>
+            <a:lvl3pPr marL="1143000" indent="-228600">
+              <a:defRPr>
+                <a:solidFill>
+                  <a:schemeClr val="tx1"/>
+                </a:solidFill>
+                <a:latin typeface="Calibri" panose="020F0502020204030204" pitchFamily="34" charset="0"/>
+              </a:defRPr>
+            </a:lvl3pPr>
+            <a:lvl4pPr marL="1600200" indent="-228600">
+              <a:defRPr>
+                <a:solidFill>
+                  <a:schemeClr val="tx1"/>
+                </a:solidFill>
+                <a:latin typeface="Calibri" panose="020F0502020204030204" pitchFamily="34" charset="0"/>
+              </a:defRPr>
+            </a:lvl4pPr>
+            <a:lvl5pPr marL="2057400" indent="-228600">
+              <a:defRPr>
+                <a:solidFill>
+                  <a:schemeClr val="tx1"/>
+                </a:solidFill>
+                <a:latin typeface="Calibri" panose="020F0502020204030204" pitchFamily="34" charset="0"/>
+              </a:defRPr>
+            </a:lvl5pPr>
+            <a:lvl6pPr marL="2514600" indent="-228600" eaLnBrk="0" fontAlgn="base" hangingPunct="0">
+              <a:spcBef>
+                <a:spcPct val="0"/>
+              </a:spcBef>
+              <a:spcAft>
+                <a:spcPct val="0"/>
+              </a:spcAft>
+              <a:defRPr>
+                <a:solidFill>
+                  <a:schemeClr val="tx1"/>
+                </a:solidFill>
+                <a:latin typeface="Calibri" panose="020F0502020204030204" pitchFamily="34" charset="0"/>
+              </a:defRPr>
+            </a:lvl6pPr>
+            <a:lvl7pPr marL="2971800" indent="-228600" eaLnBrk="0" fontAlgn="base" hangingPunct="0">
+              <a:spcBef>
+                <a:spcPct val="0"/>
+              </a:spcBef>
+              <a:spcAft>
+                <a:spcPct val="0"/>
+              </a:spcAft>
+              <a:defRPr>
+                <a:solidFill>
+                  <a:schemeClr val="tx1"/>
+                </a:solidFill>
+                <a:latin typeface="Calibri" panose="020F0502020204030204" pitchFamily="34" charset="0"/>
+              </a:defRPr>
+            </a:lvl7pPr>
+            <a:lvl8pPr marL="3429000" indent="-228600" eaLnBrk="0" fontAlgn="base" hangingPunct="0">
+              <a:spcBef>
+                <a:spcPct val="0"/>
+              </a:spcBef>
+              <a:spcAft>
+                <a:spcPct val="0"/>
+              </a:spcAft>
+              <a:defRPr>
+                <a:solidFill>
+                  <a:schemeClr val="tx1"/>
+                </a:solidFill>
+                <a:latin typeface="Calibri" panose="020F0502020204030204" pitchFamily="34" charset="0"/>
+              </a:defRPr>
+            </a:lvl8pPr>
+            <a:lvl9pPr marL="3886200" indent="-228600" eaLnBrk="0" fontAlgn="base" hangingPunct="0">
+              <a:spcBef>
+                <a:spcPct val="0"/>
+              </a:spcBef>
+              <a:spcAft>
+                <a:spcPct val="0"/>
+              </a:spcAft>
+              <a:defRPr>
+                <a:solidFill>
+                  <a:schemeClr val="tx1"/>
+                </a:solidFill>
+                <a:latin typeface="Calibri" panose="020F0502020204030204" pitchFamily="34" charset="0"/>
+              </a:defRPr>
+            </a:lvl9pPr>
+          </a:lstStyle>
+          <a:p>
+            <a:pPr algn="ctr" eaLnBrk="1" hangingPunct="1"/>
+            <a:r>
+              <a:rPr lang="en-US" altLang="en-US" sz="1200" dirty="0">
+                <a:latin typeface="Arial" panose="020B0604020202020204" pitchFamily="34" charset="0"/>
+                <a:ea typeface="Amazon Ember" panose="020B0603020204020204" pitchFamily="34" charset="0"/>
+                <a:cs typeface="Arial" panose="020B0604020202020204" pitchFamily="34" charset="0"/>
+              </a:rPr>
+              <a:t>Meraki vMX</a:t>
+            </a:r>
+          </a:p>
+        </p:txBody>
+      </p:sp>
+      <p:sp>
+        <p:nvSpPr>
+          <p:cNvPr id="156" name="TextBox 15">
+            <a:extLst>
+              <a:ext uri="{FF2B5EF4-FFF2-40B4-BE49-F238E27FC236}">
+                <a16:creationId xmlns:a16="http://schemas.microsoft.com/office/drawing/2014/main" id="{CD9CDE4E-9F10-4A27-BBCB-063123438AAB}"/>
+              </a:ext>
+            </a:extLst>
+          </p:cNvPr>
+          <p:cNvSpPr txBox="1">
+            <a:spLocks noChangeArrowheads="1"/>
+          </p:cNvSpPr>
+          <p:nvPr/>
+        </p:nvSpPr>
+        <p:spPr bwMode="auto">
+          <a:xfrm>
+            <a:off x="5420123" y="5144582"/>
+            <a:ext cx="1520229" cy="276999"/>
+          </a:xfrm>
+          <a:prstGeom prst="rect">
+            <a:avLst/>
+          </a:prstGeom>
+          <a:noFill/>
+          <a:ln>
+            <a:noFill/>
+          </a:ln>
+          <a:extLst>
+            <a:ext uri="{909E8E84-426E-40DD-AFC4-6F175D3DCCD1}">
+              <a14:hiddenFill xmlns:a14="http://schemas.microsoft.com/office/drawing/2010/main">
+                <a:solidFill>
+                  <a:srgbClr val="FFFFFF"/>
+                </a:solidFill>
+              </a14:hiddenFill>
+            </a:ext>
+            <a:ext uri="{91240B29-F687-4F45-9708-019B960494DF}">
+              <a14:hiddenLine xmlns:a14="http://schemas.microsoft.com/office/drawing/2010/main" w="9525">
+                <a:solidFill>
+                  <a:srgbClr val="000000"/>
+                </a:solidFill>
+                <a:miter lim="800000"/>
+                <a:headEnd/>
+                <a:tailEnd/>
+              </a14:hiddenLine>
+            </a:ext>
+          </a:extLst>
+        </p:spPr>
+        <p:txBody>
+          <a:bodyPr wrap="square">
+            <a:spAutoFit/>
+          </a:bodyPr>
+          <a:lstStyle>
+            <a:lvl1pPr>
+              <a:defRPr>
+                <a:solidFill>
+                  <a:schemeClr val="tx1"/>
+                </a:solidFill>
+                <a:latin typeface="Calibri" panose="020F0502020204030204" pitchFamily="34" charset="0"/>
+              </a:defRPr>
+            </a:lvl1pPr>
+            <a:lvl2pPr marL="742950" indent="-285750">
+              <a:defRPr>
+                <a:solidFill>
+                  <a:schemeClr val="tx1"/>
+                </a:solidFill>
+                <a:latin typeface="Calibri" panose="020F0502020204030204" pitchFamily="34" charset="0"/>
+              </a:defRPr>
+            </a:lvl2pPr>
+            <a:lvl3pPr marL="1143000" indent="-228600">
+              <a:defRPr>
+                <a:solidFill>
+                  <a:schemeClr val="tx1"/>
+                </a:solidFill>
+                <a:latin typeface="Calibri" panose="020F0502020204030204" pitchFamily="34" charset="0"/>
+              </a:defRPr>
+            </a:lvl3pPr>
+            <a:lvl4pPr marL="1600200" indent="-228600">
+              <a:defRPr>
+                <a:solidFill>
+                  <a:schemeClr val="tx1"/>
+                </a:solidFill>
+                <a:latin typeface="Calibri" panose="020F0502020204030204" pitchFamily="34" charset="0"/>
+              </a:defRPr>
+            </a:lvl4pPr>
+            <a:lvl5pPr marL="2057400" indent="-228600">
+              <a:defRPr>
+                <a:solidFill>
+                  <a:schemeClr val="tx1"/>
+                </a:solidFill>
+                <a:latin typeface="Calibri" panose="020F0502020204030204" pitchFamily="34" charset="0"/>
+              </a:defRPr>
+            </a:lvl5pPr>
+            <a:lvl6pPr marL="2514600" indent="-228600" eaLnBrk="0" fontAlgn="base" hangingPunct="0">
+              <a:spcBef>
+                <a:spcPct val="0"/>
+              </a:spcBef>
+              <a:spcAft>
+                <a:spcPct val="0"/>
+              </a:spcAft>
+              <a:defRPr>
+                <a:solidFill>
+                  <a:schemeClr val="tx1"/>
+                </a:solidFill>
+                <a:latin typeface="Calibri" panose="020F0502020204030204" pitchFamily="34" charset="0"/>
+              </a:defRPr>
+            </a:lvl6pPr>
+            <a:lvl7pPr marL="2971800" indent="-228600" eaLnBrk="0" fontAlgn="base" hangingPunct="0">
+              <a:spcBef>
+                <a:spcPct val="0"/>
+              </a:spcBef>
+              <a:spcAft>
+                <a:spcPct val="0"/>
+              </a:spcAft>
+              <a:defRPr>
+                <a:solidFill>
+                  <a:schemeClr val="tx1"/>
+                </a:solidFill>
+                <a:latin typeface="Calibri" panose="020F0502020204030204" pitchFamily="34" charset="0"/>
+              </a:defRPr>
+            </a:lvl7pPr>
+            <a:lvl8pPr marL="3429000" indent="-228600" eaLnBrk="0" fontAlgn="base" hangingPunct="0">
+              <a:spcBef>
+                <a:spcPct val="0"/>
+              </a:spcBef>
+              <a:spcAft>
+                <a:spcPct val="0"/>
+              </a:spcAft>
+              <a:defRPr>
+                <a:solidFill>
+                  <a:schemeClr val="tx1"/>
+                </a:solidFill>
+                <a:latin typeface="Calibri" panose="020F0502020204030204" pitchFamily="34" charset="0"/>
+              </a:defRPr>
+            </a:lvl8pPr>
+            <a:lvl9pPr marL="3886200" indent="-228600" eaLnBrk="0" fontAlgn="base" hangingPunct="0">
+              <a:spcBef>
+                <a:spcPct val="0"/>
+              </a:spcBef>
+              <a:spcAft>
+                <a:spcPct val="0"/>
+              </a:spcAft>
+              <a:defRPr>
+                <a:solidFill>
+                  <a:schemeClr val="tx1"/>
+                </a:solidFill>
+                <a:latin typeface="Calibri" panose="020F0502020204030204" pitchFamily="34" charset="0"/>
+              </a:defRPr>
+            </a:lvl9pPr>
+          </a:lstStyle>
+          <a:p>
+            <a:pPr algn="ctr" eaLnBrk="1" hangingPunct="1"/>
+            <a:r>
+              <a:rPr lang="en-US" altLang="en-US" sz="1200" dirty="0">
+                <a:latin typeface="Arial" panose="020B0604020202020204" pitchFamily="34" charset="0"/>
+                <a:ea typeface="Amazon Ember" panose="020B0603020204020204" pitchFamily="34" charset="0"/>
+                <a:cs typeface="Arial" panose="020B0604020202020204" pitchFamily="34" charset="0"/>
+              </a:rPr>
+              <a:t>Workload segment</a:t>
+            </a:r>
+          </a:p>
+        </p:txBody>
+      </p:sp>
+      <p:pic>
+        <p:nvPicPr>
+          <p:cNvPr id="157" name="Graphic 6">
+            <a:extLst>
+              <a:ext uri="{FF2B5EF4-FFF2-40B4-BE49-F238E27FC236}">
+                <a16:creationId xmlns:a16="http://schemas.microsoft.com/office/drawing/2014/main" id="{8D4CB6D2-CE2B-46DF-94BC-AACA51F5AF62}"/>
+              </a:ext>
+            </a:extLst>
+          </p:cNvPr>
+          <p:cNvPicPr>
+            <a:picLocks noChangeAspect="1" noChangeArrowheads="1"/>
+          </p:cNvPicPr>
+          <p:nvPr/>
+        </p:nvPicPr>
+        <p:blipFill>
+          <a:blip r:embed="rId9">
+            <a:extLst>
+              <a:ext uri="{96DAC541-7B7A-43D3-8B79-37D633B846F1}">
+                <asvg:svgBlip xmlns:asvg="http://schemas.microsoft.com/office/drawing/2016/SVG/main" r:embed="rId10"/>
+              </a:ext>
+            </a:extLst>
+          </a:blip>
+          <a:srcRect/>
+          <a:stretch/>
+        </p:blipFill>
+        <p:spPr bwMode="auto">
+          <a:xfrm>
+            <a:off x="5969596" y="4731374"/>
+            <a:ext cx="457200" cy="417219"/>
+          </a:xfrm>
+          <a:prstGeom prst="rect">
+            <a:avLst/>
+          </a:prstGeom>
+          <a:noFill/>
+          <a:ln>
+            <a:noFill/>
+          </a:ln>
+          <a:extLst>
+            <a:ext uri="{909E8E84-426E-40DD-AFC4-6F175D3DCCD1}">
+              <a14:hiddenFill xmlns:a14="http://schemas.microsoft.com/office/drawing/2010/main">
+                <a:solidFill>
+                  <a:srgbClr val="FFFFFF"/>
+                </a:solidFill>
+              </a14:hiddenFill>
+            </a:ext>
+            <a:ext uri="{91240B29-F687-4F45-9708-019B960494DF}">
+              <a14:hiddenLine xmlns:a14="http://schemas.microsoft.com/office/drawing/2010/main" w="9525">
+                <a:solidFill>
+                  <a:srgbClr val="000000"/>
+                </a:solidFill>
+                <a:miter lim="800000"/>
+                <a:headEnd/>
+                <a:tailEnd/>
+              </a14:hiddenLine>
+            </a:ext>
+          </a:extLst>
+        </p:spPr>
+      </p:pic>
+      <p:pic>
+        <p:nvPicPr>
+          <p:cNvPr id="158" name="Graphic 19">
+            <a:extLst>
+              <a:ext uri="{FF2B5EF4-FFF2-40B4-BE49-F238E27FC236}">
+                <a16:creationId xmlns:a16="http://schemas.microsoft.com/office/drawing/2014/main" id="{652EC221-93E1-47DA-96D7-16B801E2D902}"/>
+              </a:ext>
+            </a:extLst>
+          </p:cNvPr>
+          <p:cNvPicPr>
+            <a:picLocks noChangeAspect="1" noChangeArrowheads="1"/>
+          </p:cNvPicPr>
+          <p:nvPr/>
+        </p:nvPicPr>
+        <p:blipFill>
+          <a:blip r:embed="rId14">
+            <a:extLst>
+              <a:ext uri="{96DAC541-7B7A-43D3-8B79-37D633B846F1}">
+                <asvg:svgBlip xmlns:asvg="http://schemas.microsoft.com/office/drawing/2016/SVG/main" r:embed="rId15"/>
+              </a:ext>
+            </a:extLst>
+          </a:blip>
+          <a:srcRect/>
+          <a:stretch/>
+        </p:blipFill>
+        <p:spPr bwMode="auto">
+          <a:xfrm>
+            <a:off x="10513186" y="2205246"/>
+            <a:ext cx="762000" cy="762000"/>
+          </a:xfrm>
+          <a:prstGeom prst="rect">
+            <a:avLst/>
+          </a:prstGeom>
+          <a:noFill/>
+          <a:ln>
+            <a:noFill/>
+          </a:ln>
+          <a:extLst>
+            <a:ext uri="{909E8E84-426E-40DD-AFC4-6F175D3DCCD1}">
+              <a14:hiddenFill xmlns:a14="http://schemas.microsoft.com/office/drawing/2010/main">
+                <a:solidFill>
+                  <a:srgbClr val="FFFFFF"/>
+                </a:solidFill>
+              </a14:hiddenFill>
+            </a:ext>
+            <a:ext uri="{91240B29-F687-4F45-9708-019B960494DF}">
+              <a14:hiddenLine xmlns:a14="http://schemas.microsoft.com/office/drawing/2010/main" w="9525">
+                <a:solidFill>
+                  <a:srgbClr val="000000"/>
+                </a:solidFill>
+                <a:miter lim="800000"/>
+                <a:headEnd/>
+                <a:tailEnd/>
+              </a14:hiddenLine>
+            </a:ext>
+          </a:extLst>
+        </p:spPr>
+      </p:pic>
+      <p:sp>
+        <p:nvSpPr>
+          <p:cNvPr id="159" name="TextBox 11">
+            <a:extLst>
+              <a:ext uri="{FF2B5EF4-FFF2-40B4-BE49-F238E27FC236}">
+                <a16:creationId xmlns:a16="http://schemas.microsoft.com/office/drawing/2014/main" id="{532DEAB5-8665-49B5-9AC4-6893718DAC19}"/>
+              </a:ext>
+            </a:extLst>
+          </p:cNvPr>
+          <p:cNvSpPr txBox="1">
+            <a:spLocks noChangeArrowheads="1"/>
+          </p:cNvSpPr>
+          <p:nvPr/>
+        </p:nvSpPr>
+        <p:spPr bwMode="auto">
+          <a:xfrm>
+            <a:off x="9752706" y="3017458"/>
+            <a:ext cx="2292350" cy="276999"/>
+          </a:xfrm>
+          <a:prstGeom prst="rect">
+            <a:avLst/>
+          </a:prstGeom>
+          <a:noFill/>
+          <a:ln>
+            <a:noFill/>
+          </a:ln>
+          <a:extLst>
+            <a:ext uri="{909E8E84-426E-40DD-AFC4-6F175D3DCCD1}">
+              <a14:hiddenFill xmlns:a14="http://schemas.microsoft.com/office/drawing/2010/main">
+                <a:solidFill>
+                  <a:srgbClr val="FFFFFF"/>
+                </a:solidFill>
+              </a14:hiddenFill>
+            </a:ext>
+            <a:ext uri="{91240B29-F687-4F45-9708-019B960494DF}">
+              <a14:hiddenLine xmlns:a14="http://schemas.microsoft.com/office/drawing/2010/main" w="9525">
+                <a:solidFill>
+                  <a:srgbClr val="000000"/>
+                </a:solidFill>
+                <a:miter lim="800000"/>
+                <a:headEnd/>
+                <a:tailEnd/>
+              </a14:hiddenLine>
+            </a:ext>
+          </a:extLst>
+        </p:spPr>
+        <p:txBody>
+          <a:bodyPr>
+            <a:spAutoFit/>
+          </a:bodyPr>
+          <a:lstStyle>
+            <a:lvl1pPr>
+              <a:defRPr>
+                <a:solidFill>
+                  <a:schemeClr val="tx1"/>
+                </a:solidFill>
+                <a:latin typeface="Calibri" panose="020F0502020204030204" pitchFamily="34" charset="0"/>
+              </a:defRPr>
+            </a:lvl1pPr>
+            <a:lvl2pPr marL="742950" indent="-285750">
+              <a:defRPr>
+                <a:solidFill>
+                  <a:schemeClr val="tx1"/>
+                </a:solidFill>
+                <a:latin typeface="Calibri" panose="020F0502020204030204" pitchFamily="34" charset="0"/>
+              </a:defRPr>
+            </a:lvl2pPr>
+            <a:lvl3pPr marL="1143000" indent="-228600">
+              <a:defRPr>
+                <a:solidFill>
+                  <a:schemeClr val="tx1"/>
+                </a:solidFill>
+                <a:latin typeface="Calibri" panose="020F0502020204030204" pitchFamily="34" charset="0"/>
+              </a:defRPr>
+            </a:lvl3pPr>
+            <a:lvl4pPr marL="1600200" indent="-228600">
+              <a:defRPr>
+                <a:solidFill>
+                  <a:schemeClr val="tx1"/>
+                </a:solidFill>
+                <a:latin typeface="Calibri" panose="020F0502020204030204" pitchFamily="34" charset="0"/>
+              </a:defRPr>
+            </a:lvl4pPr>
+            <a:lvl5pPr marL="2057400" indent="-228600">
+              <a:defRPr>
+                <a:solidFill>
+                  <a:schemeClr val="tx1"/>
+                </a:solidFill>
+                <a:latin typeface="Calibri" panose="020F0502020204030204" pitchFamily="34" charset="0"/>
+              </a:defRPr>
+            </a:lvl5pPr>
+            <a:lvl6pPr marL="2514600" indent="-228600" eaLnBrk="0" fontAlgn="base" hangingPunct="0">
+              <a:spcBef>
+                <a:spcPct val="0"/>
+              </a:spcBef>
+              <a:spcAft>
+                <a:spcPct val="0"/>
+              </a:spcAft>
+              <a:defRPr>
+                <a:solidFill>
+                  <a:schemeClr val="tx1"/>
+                </a:solidFill>
+                <a:latin typeface="Calibri" panose="020F0502020204030204" pitchFamily="34" charset="0"/>
+              </a:defRPr>
+            </a:lvl6pPr>
+            <a:lvl7pPr marL="2971800" indent="-228600" eaLnBrk="0" fontAlgn="base" hangingPunct="0">
+              <a:spcBef>
+                <a:spcPct val="0"/>
+              </a:spcBef>
+              <a:spcAft>
+                <a:spcPct val="0"/>
+              </a:spcAft>
+              <a:defRPr>
+                <a:solidFill>
+                  <a:schemeClr val="tx1"/>
+                </a:solidFill>
+                <a:latin typeface="Calibri" panose="020F0502020204030204" pitchFamily="34" charset="0"/>
+              </a:defRPr>
+            </a:lvl7pPr>
+            <a:lvl8pPr marL="3429000" indent="-228600" eaLnBrk="0" fontAlgn="base" hangingPunct="0">
+              <a:spcBef>
+                <a:spcPct val="0"/>
+              </a:spcBef>
+              <a:spcAft>
+                <a:spcPct val="0"/>
+              </a:spcAft>
+              <a:defRPr>
+                <a:solidFill>
+                  <a:schemeClr val="tx1"/>
+                </a:solidFill>
+                <a:latin typeface="Calibri" panose="020F0502020204030204" pitchFamily="34" charset="0"/>
+              </a:defRPr>
+            </a:lvl8pPr>
+            <a:lvl9pPr marL="3886200" indent="-228600" eaLnBrk="0" fontAlgn="base" hangingPunct="0">
+              <a:spcBef>
+                <a:spcPct val="0"/>
+              </a:spcBef>
+              <a:spcAft>
+                <a:spcPct val="0"/>
+              </a:spcAft>
+              <a:defRPr>
+                <a:solidFill>
+                  <a:schemeClr val="tx1"/>
+                </a:solidFill>
+                <a:latin typeface="Calibri" panose="020F0502020204030204" pitchFamily="34" charset="0"/>
+              </a:defRPr>
+            </a:lvl9pPr>
+          </a:lstStyle>
+          <a:p>
+            <a:pPr algn="ctr" eaLnBrk="1" hangingPunct="1"/>
+            <a:r>
+              <a:rPr lang="en-US" altLang="en-US" sz="1200" dirty="0">
+                <a:latin typeface="Arial" panose="020B0604020202020204" pitchFamily="34" charset="0"/>
+                <a:ea typeface="Amazon Ember" panose="020B0603020204020204" pitchFamily="34" charset="0"/>
+                <a:cs typeface="Arial" panose="020B0604020202020204" pitchFamily="34" charset="0"/>
+              </a:rPr>
+              <a:t>Amazon EventBridge</a:t>
+            </a:r>
+          </a:p>
+        </p:txBody>
+      </p:sp>
+      <p:pic>
+        <p:nvPicPr>
+          <p:cNvPr id="160" name="Graphic 17">
+            <a:extLst>
+              <a:ext uri="{FF2B5EF4-FFF2-40B4-BE49-F238E27FC236}">
+                <a16:creationId xmlns:a16="http://schemas.microsoft.com/office/drawing/2014/main" id="{86911E8A-666D-4730-B2C6-0939FDC4448E}"/>
+              </a:ext>
+            </a:extLst>
+          </p:cNvPr>
+          <p:cNvPicPr>
+            <a:picLocks noChangeAspect="1" noChangeArrowheads="1"/>
+          </p:cNvPicPr>
+          <p:nvPr/>
+        </p:nvPicPr>
+        <p:blipFill>
+          <a:blip r:embed="rId16">
+            <a:extLst>
+              <a:ext uri="{28A0092B-C50C-407E-A947-70E740481C1C}">
+                <a14:useLocalDpi xmlns:a14="http://schemas.microsoft.com/office/drawing/2010/main" val="0"/>
+              </a:ext>
+            </a:extLst>
+          </a:blip>
+          <a:srcRect/>
+          <a:stretch>
+            <a:fillRect/>
+          </a:stretch>
+        </p:blipFill>
+        <p:spPr bwMode="auto">
+          <a:xfrm>
+            <a:off x="10492511" y="859237"/>
+            <a:ext cx="762000" cy="762000"/>
+          </a:xfrm>
+          <a:prstGeom prst="rect">
+            <a:avLst/>
+          </a:prstGeom>
+          <a:noFill/>
+          <a:ln>
+            <a:noFill/>
+          </a:ln>
+          <a:extLst>
+            <a:ext uri="{909E8E84-426E-40DD-AFC4-6F175D3DCCD1}">
+              <a14:hiddenFill xmlns:a14="http://schemas.microsoft.com/office/drawing/2010/main">
+                <a:solidFill>
+                  <a:srgbClr val="FFFFFF"/>
+                </a:solidFill>
+              </a14:hiddenFill>
+            </a:ext>
+            <a:ext uri="{91240B29-F687-4F45-9708-019B960494DF}">
+              <a14:hiddenLine xmlns:a14="http://schemas.microsoft.com/office/drawing/2010/main" w="9525">
+                <a:solidFill>
+                  <a:srgbClr val="000000"/>
+                </a:solidFill>
+                <a:miter lim="800000"/>
+                <a:headEnd/>
+                <a:tailEnd/>
+              </a14:hiddenLine>
+            </a:ext>
+          </a:extLst>
+        </p:spPr>
+      </p:pic>
+      <p:sp>
+        <p:nvSpPr>
+          <p:cNvPr id="161" name="TextBox 9">
+            <a:extLst>
+              <a:ext uri="{FF2B5EF4-FFF2-40B4-BE49-F238E27FC236}">
+                <a16:creationId xmlns:a16="http://schemas.microsoft.com/office/drawing/2014/main" id="{C8E2ABA0-CB5C-443C-A7CA-61F64F561C3D}"/>
+              </a:ext>
+            </a:extLst>
+          </p:cNvPr>
+          <p:cNvSpPr txBox="1">
+            <a:spLocks noChangeArrowheads="1"/>
+          </p:cNvSpPr>
+          <p:nvPr/>
+        </p:nvSpPr>
+        <p:spPr bwMode="auto">
+          <a:xfrm>
+            <a:off x="9768576" y="1700044"/>
+            <a:ext cx="2268537" cy="276999"/>
+          </a:xfrm>
+          <a:prstGeom prst="rect">
+            <a:avLst/>
+          </a:prstGeom>
+          <a:noFill/>
+          <a:ln>
+            <a:noFill/>
+          </a:ln>
+          <a:extLst>
+            <a:ext uri="{909E8E84-426E-40DD-AFC4-6F175D3DCCD1}">
+              <a14:hiddenFill xmlns:a14="http://schemas.microsoft.com/office/drawing/2010/main">
+                <a:solidFill>
+                  <a:srgbClr val="FFFFFF"/>
+                </a:solidFill>
+              </a14:hiddenFill>
+            </a:ext>
+            <a:ext uri="{91240B29-F687-4F45-9708-019B960494DF}">
+              <a14:hiddenLine xmlns:a14="http://schemas.microsoft.com/office/drawing/2010/main" w="9525">
+                <a:solidFill>
+                  <a:srgbClr val="000000"/>
+                </a:solidFill>
+                <a:miter lim="800000"/>
+                <a:headEnd/>
+                <a:tailEnd/>
+              </a14:hiddenLine>
+            </a:ext>
+          </a:extLst>
+        </p:spPr>
+        <p:txBody>
+          <a:bodyPr>
+            <a:spAutoFit/>
+          </a:bodyPr>
+          <a:lstStyle>
+            <a:lvl1pPr>
+              <a:defRPr>
+                <a:solidFill>
+                  <a:schemeClr val="tx1"/>
+                </a:solidFill>
+                <a:latin typeface="Calibri" panose="020F0502020204030204" pitchFamily="34" charset="0"/>
+              </a:defRPr>
+            </a:lvl1pPr>
+            <a:lvl2pPr marL="742950" indent="-285750">
+              <a:defRPr>
+                <a:solidFill>
+                  <a:schemeClr val="tx1"/>
+                </a:solidFill>
+                <a:latin typeface="Calibri" panose="020F0502020204030204" pitchFamily="34" charset="0"/>
+              </a:defRPr>
+            </a:lvl2pPr>
+            <a:lvl3pPr marL="1143000" indent="-228600">
+              <a:defRPr>
+                <a:solidFill>
+                  <a:schemeClr val="tx1"/>
+                </a:solidFill>
+                <a:latin typeface="Calibri" panose="020F0502020204030204" pitchFamily="34" charset="0"/>
+              </a:defRPr>
+            </a:lvl3pPr>
+            <a:lvl4pPr marL="1600200" indent="-228600">
+              <a:defRPr>
+                <a:solidFill>
+                  <a:schemeClr val="tx1"/>
+                </a:solidFill>
+                <a:latin typeface="Calibri" panose="020F0502020204030204" pitchFamily="34" charset="0"/>
+              </a:defRPr>
+            </a:lvl4pPr>
+            <a:lvl5pPr marL="2057400" indent="-228600">
+              <a:defRPr>
+                <a:solidFill>
+                  <a:schemeClr val="tx1"/>
+                </a:solidFill>
+                <a:latin typeface="Calibri" panose="020F0502020204030204" pitchFamily="34" charset="0"/>
+              </a:defRPr>
+            </a:lvl5pPr>
+            <a:lvl6pPr marL="2514600" indent="-228600" eaLnBrk="0" fontAlgn="base" hangingPunct="0">
+              <a:spcBef>
+                <a:spcPct val="0"/>
+              </a:spcBef>
+              <a:spcAft>
+                <a:spcPct val="0"/>
+              </a:spcAft>
+              <a:defRPr>
+                <a:solidFill>
+                  <a:schemeClr val="tx1"/>
+                </a:solidFill>
+                <a:latin typeface="Calibri" panose="020F0502020204030204" pitchFamily="34" charset="0"/>
+              </a:defRPr>
+            </a:lvl6pPr>
+            <a:lvl7pPr marL="2971800" indent="-228600" eaLnBrk="0" fontAlgn="base" hangingPunct="0">
+              <a:spcBef>
+                <a:spcPct val="0"/>
+              </a:spcBef>
+              <a:spcAft>
+                <a:spcPct val="0"/>
+              </a:spcAft>
+              <a:defRPr>
+                <a:solidFill>
+                  <a:schemeClr val="tx1"/>
+                </a:solidFill>
+                <a:latin typeface="Calibri" panose="020F0502020204030204" pitchFamily="34" charset="0"/>
+              </a:defRPr>
+            </a:lvl7pPr>
+            <a:lvl8pPr marL="3429000" indent="-228600" eaLnBrk="0" fontAlgn="base" hangingPunct="0">
+              <a:spcBef>
+                <a:spcPct val="0"/>
+              </a:spcBef>
+              <a:spcAft>
+                <a:spcPct val="0"/>
+              </a:spcAft>
+              <a:defRPr>
+                <a:solidFill>
+                  <a:schemeClr val="tx1"/>
+                </a:solidFill>
+                <a:latin typeface="Calibri" panose="020F0502020204030204" pitchFamily="34" charset="0"/>
+              </a:defRPr>
+            </a:lvl8pPr>
+            <a:lvl9pPr marL="3886200" indent="-228600" eaLnBrk="0" fontAlgn="base" hangingPunct="0">
+              <a:spcBef>
+                <a:spcPct val="0"/>
+              </a:spcBef>
+              <a:spcAft>
+                <a:spcPct val="0"/>
+              </a:spcAft>
+              <a:defRPr>
+                <a:solidFill>
+                  <a:schemeClr val="tx1"/>
+                </a:solidFill>
+                <a:latin typeface="Calibri" panose="020F0502020204030204" pitchFamily="34" charset="0"/>
+              </a:defRPr>
+            </a:lvl9pPr>
+          </a:lstStyle>
+          <a:p>
+            <a:pPr algn="ctr" eaLnBrk="1" hangingPunct="1"/>
+            <a:r>
+              <a:rPr lang="en-US" altLang="en-US" sz="1200" dirty="0">
+                <a:latin typeface="Arial" panose="020B0604020202020204" pitchFamily="34" charset="0"/>
+                <a:ea typeface="Amazon Ember" panose="020B0603020204020204" pitchFamily="34" charset="0"/>
+                <a:cs typeface="Arial" panose="020B0604020202020204" pitchFamily="34" charset="0"/>
+              </a:rPr>
+              <a:t>AWS Step Functions</a:t>
+            </a:r>
+          </a:p>
+        </p:txBody>
+      </p:sp>
+      <p:pic>
+        <p:nvPicPr>
+          <p:cNvPr id="162" name="Graphic 10">
+            <a:extLst>
+              <a:ext uri="{FF2B5EF4-FFF2-40B4-BE49-F238E27FC236}">
+                <a16:creationId xmlns:a16="http://schemas.microsoft.com/office/drawing/2014/main" id="{1CF8761D-622D-44A6-8F18-BB16F6459D17}"/>
+              </a:ext>
+            </a:extLst>
+          </p:cNvPr>
+          <p:cNvPicPr>
+            <a:picLocks noChangeAspect="1" noChangeArrowheads="1"/>
+          </p:cNvPicPr>
+          <p:nvPr/>
+        </p:nvPicPr>
+        <p:blipFill>
+          <a:blip r:embed="rId17">
+            <a:extLst>
+              <a:ext uri="{28A0092B-C50C-407E-A947-70E740481C1C}">
+                <a14:useLocalDpi xmlns:a14="http://schemas.microsoft.com/office/drawing/2010/main" val="0"/>
+              </a:ext>
+            </a:extLst>
+          </a:blip>
+          <a:srcRect/>
+          <a:stretch>
+            <a:fillRect/>
+          </a:stretch>
+        </p:blipFill>
+        <p:spPr bwMode="auto">
+          <a:xfrm>
+            <a:off x="10513186" y="4859031"/>
+            <a:ext cx="762000" cy="762000"/>
+          </a:xfrm>
+          <a:prstGeom prst="rect">
+            <a:avLst/>
+          </a:prstGeom>
+          <a:noFill/>
+          <a:ln>
+            <a:noFill/>
+          </a:ln>
+          <a:extLst>
+            <a:ext uri="{909E8E84-426E-40DD-AFC4-6F175D3DCCD1}">
+              <a14:hiddenFill xmlns:a14="http://schemas.microsoft.com/office/drawing/2010/main">
+                <a:solidFill>
+                  <a:srgbClr val="FFFFFF"/>
+                </a:solidFill>
+              </a14:hiddenFill>
+            </a:ext>
+            <a:ext uri="{91240B29-F687-4F45-9708-019B960494DF}">
+              <a14:hiddenLine xmlns:a14="http://schemas.microsoft.com/office/drawing/2010/main" w="9525">
+                <a:solidFill>
+                  <a:srgbClr val="000000"/>
+                </a:solidFill>
+                <a:miter lim="800000"/>
+                <a:headEnd/>
+                <a:tailEnd/>
+              </a14:hiddenLine>
+            </a:ext>
+          </a:extLst>
+        </p:spPr>
+      </p:pic>
+      <p:sp>
+        <p:nvSpPr>
+          <p:cNvPr id="165" name="TextBox 20">
+            <a:extLst>
+              <a:ext uri="{FF2B5EF4-FFF2-40B4-BE49-F238E27FC236}">
+                <a16:creationId xmlns:a16="http://schemas.microsoft.com/office/drawing/2014/main" id="{8D5F085C-BD65-46D8-850B-7156E7788A12}"/>
+              </a:ext>
+            </a:extLst>
+          </p:cNvPr>
+          <p:cNvSpPr txBox="1">
+            <a:spLocks noChangeArrowheads="1"/>
+          </p:cNvSpPr>
+          <p:nvPr/>
+        </p:nvSpPr>
+        <p:spPr bwMode="auto">
+          <a:xfrm>
+            <a:off x="9782342" y="5699026"/>
+            <a:ext cx="2292350" cy="276999"/>
+          </a:xfrm>
+          <a:prstGeom prst="rect">
+            <a:avLst/>
+          </a:prstGeom>
+          <a:noFill/>
+          <a:ln>
+            <a:noFill/>
+          </a:ln>
+          <a:extLst>
+            <a:ext uri="{909E8E84-426E-40DD-AFC4-6F175D3DCCD1}">
+              <a14:hiddenFill xmlns:a14="http://schemas.microsoft.com/office/drawing/2010/main">
+                <a:solidFill>
+                  <a:srgbClr val="FFFFFF"/>
+                </a:solidFill>
+              </a14:hiddenFill>
+            </a:ext>
+            <a:ext uri="{91240B29-F687-4F45-9708-019B960494DF}">
+              <a14:hiddenLine xmlns:a14="http://schemas.microsoft.com/office/drawing/2010/main" w="9525">
+                <a:solidFill>
+                  <a:srgbClr val="000000"/>
+                </a:solidFill>
+                <a:miter lim="800000"/>
+                <a:headEnd/>
+                <a:tailEnd/>
+              </a14:hiddenLine>
+            </a:ext>
+          </a:extLst>
+        </p:spPr>
+        <p:txBody>
+          <a:bodyPr>
+            <a:spAutoFit/>
+          </a:bodyPr>
+          <a:lstStyle>
+            <a:lvl1pPr>
+              <a:defRPr>
+                <a:solidFill>
+                  <a:schemeClr val="tx1"/>
+                </a:solidFill>
+                <a:latin typeface="Calibri" panose="020F0502020204030204" pitchFamily="34" charset="0"/>
+              </a:defRPr>
+            </a:lvl1pPr>
+            <a:lvl2pPr marL="742950" indent="-285750">
+              <a:defRPr>
+                <a:solidFill>
+                  <a:schemeClr val="tx1"/>
+                </a:solidFill>
+                <a:latin typeface="Calibri" panose="020F0502020204030204" pitchFamily="34" charset="0"/>
+              </a:defRPr>
+            </a:lvl2pPr>
+            <a:lvl3pPr marL="1143000" indent="-228600">
+              <a:defRPr>
+                <a:solidFill>
+                  <a:schemeClr val="tx1"/>
+                </a:solidFill>
+                <a:latin typeface="Calibri" panose="020F0502020204030204" pitchFamily="34" charset="0"/>
+              </a:defRPr>
+            </a:lvl3pPr>
+            <a:lvl4pPr marL="1600200" indent="-228600">
+              <a:defRPr>
+                <a:solidFill>
+                  <a:schemeClr val="tx1"/>
+                </a:solidFill>
+                <a:latin typeface="Calibri" panose="020F0502020204030204" pitchFamily="34" charset="0"/>
+              </a:defRPr>
+            </a:lvl4pPr>
+            <a:lvl5pPr marL="2057400" indent="-228600">
+              <a:defRPr>
+                <a:solidFill>
+                  <a:schemeClr val="tx1"/>
+                </a:solidFill>
+                <a:latin typeface="Calibri" panose="020F0502020204030204" pitchFamily="34" charset="0"/>
+              </a:defRPr>
+            </a:lvl5pPr>
+            <a:lvl6pPr marL="2514600" indent="-228600" eaLnBrk="0" fontAlgn="base" hangingPunct="0">
+              <a:spcBef>
+                <a:spcPct val="0"/>
+              </a:spcBef>
+              <a:spcAft>
+                <a:spcPct val="0"/>
+              </a:spcAft>
+              <a:defRPr>
+                <a:solidFill>
+                  <a:schemeClr val="tx1"/>
+                </a:solidFill>
+                <a:latin typeface="Calibri" panose="020F0502020204030204" pitchFamily="34" charset="0"/>
+              </a:defRPr>
+            </a:lvl6pPr>
+            <a:lvl7pPr marL="2971800" indent="-228600" eaLnBrk="0" fontAlgn="base" hangingPunct="0">
+              <a:spcBef>
+                <a:spcPct val="0"/>
+              </a:spcBef>
+              <a:spcAft>
+                <a:spcPct val="0"/>
+              </a:spcAft>
+              <a:defRPr>
+                <a:solidFill>
+                  <a:schemeClr val="tx1"/>
+                </a:solidFill>
+                <a:latin typeface="Calibri" panose="020F0502020204030204" pitchFamily="34" charset="0"/>
+              </a:defRPr>
+            </a:lvl7pPr>
+            <a:lvl8pPr marL="3429000" indent="-228600" eaLnBrk="0" fontAlgn="base" hangingPunct="0">
+              <a:spcBef>
+                <a:spcPct val="0"/>
+              </a:spcBef>
+              <a:spcAft>
+                <a:spcPct val="0"/>
+              </a:spcAft>
+              <a:defRPr>
+                <a:solidFill>
+                  <a:schemeClr val="tx1"/>
+                </a:solidFill>
+                <a:latin typeface="Calibri" panose="020F0502020204030204" pitchFamily="34" charset="0"/>
+              </a:defRPr>
+            </a:lvl8pPr>
+            <a:lvl9pPr marL="3886200" indent="-228600" eaLnBrk="0" fontAlgn="base" hangingPunct="0">
+              <a:spcBef>
+                <a:spcPct val="0"/>
+              </a:spcBef>
+              <a:spcAft>
+                <a:spcPct val="0"/>
+              </a:spcAft>
+              <a:defRPr>
+                <a:solidFill>
+                  <a:schemeClr val="tx1"/>
+                </a:solidFill>
+                <a:latin typeface="Calibri" panose="020F0502020204030204" pitchFamily="34" charset="0"/>
+              </a:defRPr>
+            </a:lvl9pPr>
+          </a:lstStyle>
+          <a:p>
+            <a:pPr algn="ctr" eaLnBrk="1" hangingPunct="1"/>
+            <a:r>
+              <a:rPr lang="en-US" altLang="en-US" sz="1200" dirty="0">
+                <a:latin typeface="Arial" panose="020B0604020202020204" pitchFamily="34" charset="0"/>
+                <a:ea typeface="Amazon Ember" panose="020B0603020204020204" pitchFamily="34" charset="0"/>
+                <a:cs typeface="Arial" panose="020B0604020202020204" pitchFamily="34" charset="0"/>
+              </a:rPr>
+              <a:t>AWS Lambda</a:t>
+            </a:r>
+          </a:p>
+        </p:txBody>
+      </p:sp>
+      <p:pic>
+        <p:nvPicPr>
+          <p:cNvPr id="190" name="Graphic 17">
+            <a:extLst>
+              <a:ext uri="{FF2B5EF4-FFF2-40B4-BE49-F238E27FC236}">
+                <a16:creationId xmlns:a16="http://schemas.microsoft.com/office/drawing/2014/main" id="{2D75DB13-3873-46DA-B759-7CF328C4CB70}"/>
+              </a:ext>
+            </a:extLst>
+          </p:cNvPr>
+          <p:cNvPicPr>
+            <a:picLocks noChangeAspect="1" noChangeArrowheads="1"/>
+          </p:cNvPicPr>
+          <p:nvPr/>
+        </p:nvPicPr>
+        <p:blipFill>
+          <a:blip r:embed="rId18">
+            <a:extLst>
+              <a:ext uri="{28A0092B-C50C-407E-A947-70E740481C1C}">
+                <a14:useLocalDpi xmlns:a14="http://schemas.microsoft.com/office/drawing/2010/main" val="0"/>
+              </a:ext>
+            </a:extLst>
+          </a:blip>
+          <a:srcRect/>
+          <a:stretch>
+            <a:fillRect/>
+          </a:stretch>
+        </p:blipFill>
+        <p:spPr bwMode="auto">
+          <a:xfrm>
+            <a:off x="10513186" y="3486090"/>
+            <a:ext cx="762000" cy="762000"/>
+          </a:xfrm>
+          <a:prstGeom prst="rect">
+            <a:avLst/>
+          </a:prstGeom>
+          <a:noFill/>
+          <a:ln>
+            <a:noFill/>
+          </a:ln>
+          <a:extLst>
+            <a:ext uri="{909E8E84-426E-40DD-AFC4-6F175D3DCCD1}">
+              <a14:hiddenFill xmlns:a14="http://schemas.microsoft.com/office/drawing/2010/main">
+                <a:solidFill>
+                  <a:srgbClr val="FFFFFF"/>
+                </a:solidFill>
+              </a14:hiddenFill>
+            </a:ext>
+            <a:ext uri="{91240B29-F687-4F45-9708-019B960494DF}">
+              <a14:hiddenLine xmlns:a14="http://schemas.microsoft.com/office/drawing/2010/main" w="9525">
+                <a:solidFill>
+                  <a:srgbClr val="000000"/>
+                </a:solidFill>
+                <a:miter lim="800000"/>
+                <a:headEnd/>
+                <a:tailEnd/>
+              </a14:hiddenLine>
+            </a:ext>
+          </a:extLst>
+        </p:spPr>
+      </p:pic>
+      <p:sp>
+        <p:nvSpPr>
+          <p:cNvPr id="192" name="TextBox 11">
+            <a:extLst>
+              <a:ext uri="{FF2B5EF4-FFF2-40B4-BE49-F238E27FC236}">
+                <a16:creationId xmlns:a16="http://schemas.microsoft.com/office/drawing/2014/main" id="{7EFD9ECE-EC39-4A10-A5CC-4F3ABEAD3A53}"/>
+              </a:ext>
+            </a:extLst>
+          </p:cNvPr>
+          <p:cNvSpPr txBox="1">
+            <a:spLocks noChangeArrowheads="1"/>
+          </p:cNvSpPr>
+          <p:nvPr/>
+        </p:nvSpPr>
+        <p:spPr bwMode="auto">
+          <a:xfrm>
+            <a:off x="9782342" y="4323354"/>
+            <a:ext cx="2292350" cy="276999"/>
+          </a:xfrm>
+          <a:prstGeom prst="rect">
+            <a:avLst/>
+          </a:prstGeom>
+          <a:noFill/>
+          <a:ln>
+            <a:noFill/>
+          </a:ln>
+          <a:extLst>
+            <a:ext uri="{909E8E84-426E-40DD-AFC4-6F175D3DCCD1}">
+              <a14:hiddenFill xmlns:a14="http://schemas.microsoft.com/office/drawing/2010/main">
+                <a:solidFill>
+                  <a:srgbClr val="FFFFFF"/>
+                </a:solidFill>
+              </a14:hiddenFill>
+            </a:ext>
+            <a:ext uri="{91240B29-F687-4F45-9708-019B960494DF}">
+              <a14:hiddenLine xmlns:a14="http://schemas.microsoft.com/office/drawing/2010/main" w="9525">
+                <a:solidFill>
+                  <a:srgbClr val="000000"/>
+                </a:solidFill>
+                <a:miter lim="800000"/>
+                <a:headEnd/>
+                <a:tailEnd/>
+              </a14:hiddenLine>
+            </a:ext>
+          </a:extLst>
+        </p:spPr>
+        <p:txBody>
+          <a:bodyPr>
+            <a:spAutoFit/>
+          </a:bodyPr>
+          <a:lstStyle>
+            <a:lvl1pPr>
+              <a:defRPr>
+                <a:solidFill>
+                  <a:schemeClr val="tx1"/>
+                </a:solidFill>
+                <a:latin typeface="Calibri" panose="020F0502020204030204" pitchFamily="34" charset="0"/>
+              </a:defRPr>
+            </a:lvl1pPr>
+            <a:lvl2pPr marL="742950" indent="-285750">
+              <a:defRPr>
+                <a:solidFill>
+                  <a:schemeClr val="tx1"/>
+                </a:solidFill>
+                <a:latin typeface="Calibri" panose="020F0502020204030204" pitchFamily="34" charset="0"/>
+              </a:defRPr>
+            </a:lvl2pPr>
+            <a:lvl3pPr marL="1143000" indent="-228600">
+              <a:defRPr>
+                <a:solidFill>
+                  <a:schemeClr val="tx1"/>
+                </a:solidFill>
+                <a:latin typeface="Calibri" panose="020F0502020204030204" pitchFamily="34" charset="0"/>
+              </a:defRPr>
+            </a:lvl3pPr>
+            <a:lvl4pPr marL="1600200" indent="-228600">
+              <a:defRPr>
+                <a:solidFill>
+                  <a:schemeClr val="tx1"/>
+                </a:solidFill>
+                <a:latin typeface="Calibri" panose="020F0502020204030204" pitchFamily="34" charset="0"/>
+              </a:defRPr>
+            </a:lvl4pPr>
+            <a:lvl5pPr marL="2057400" indent="-228600">
+              <a:defRPr>
+                <a:solidFill>
+                  <a:schemeClr val="tx1"/>
+                </a:solidFill>
+                <a:latin typeface="Calibri" panose="020F0502020204030204" pitchFamily="34" charset="0"/>
+              </a:defRPr>
+            </a:lvl5pPr>
+            <a:lvl6pPr marL="2514600" indent="-228600" eaLnBrk="0" fontAlgn="base" hangingPunct="0">
+              <a:spcBef>
+                <a:spcPct val="0"/>
+              </a:spcBef>
+              <a:spcAft>
+                <a:spcPct val="0"/>
+              </a:spcAft>
+              <a:defRPr>
+                <a:solidFill>
+                  <a:schemeClr val="tx1"/>
+                </a:solidFill>
+                <a:latin typeface="Calibri" panose="020F0502020204030204" pitchFamily="34" charset="0"/>
+              </a:defRPr>
+            </a:lvl6pPr>
+            <a:lvl7pPr marL="2971800" indent="-228600" eaLnBrk="0" fontAlgn="base" hangingPunct="0">
+              <a:spcBef>
+                <a:spcPct val="0"/>
+              </a:spcBef>
+              <a:spcAft>
+                <a:spcPct val="0"/>
+              </a:spcAft>
+              <a:defRPr>
+                <a:solidFill>
+                  <a:schemeClr val="tx1"/>
+                </a:solidFill>
+                <a:latin typeface="Calibri" panose="020F0502020204030204" pitchFamily="34" charset="0"/>
+              </a:defRPr>
+            </a:lvl7pPr>
+            <a:lvl8pPr marL="3429000" indent="-228600" eaLnBrk="0" fontAlgn="base" hangingPunct="0">
+              <a:spcBef>
+                <a:spcPct val="0"/>
+              </a:spcBef>
+              <a:spcAft>
+                <a:spcPct val="0"/>
+              </a:spcAft>
+              <a:defRPr>
+                <a:solidFill>
+                  <a:schemeClr val="tx1"/>
+                </a:solidFill>
+                <a:latin typeface="Calibri" panose="020F0502020204030204" pitchFamily="34" charset="0"/>
+              </a:defRPr>
+            </a:lvl8pPr>
+            <a:lvl9pPr marL="3886200" indent="-228600" eaLnBrk="0" fontAlgn="base" hangingPunct="0">
+              <a:spcBef>
+                <a:spcPct val="0"/>
+              </a:spcBef>
+              <a:spcAft>
+                <a:spcPct val="0"/>
+              </a:spcAft>
+              <a:defRPr>
+                <a:solidFill>
+                  <a:schemeClr val="tx1"/>
+                </a:solidFill>
+                <a:latin typeface="Calibri" panose="020F0502020204030204" pitchFamily="34" charset="0"/>
+              </a:defRPr>
+            </a:lvl9pPr>
+          </a:lstStyle>
+          <a:p>
+            <a:pPr algn="ctr" eaLnBrk="1" hangingPunct="1"/>
+            <a:r>
+              <a:rPr lang="en-US" altLang="en-US" sz="1200" dirty="0">
+                <a:latin typeface="Arial" panose="020B0604020202020204" pitchFamily="34" charset="0"/>
+                <a:ea typeface="Amazon Ember" panose="020B0603020204020204" pitchFamily="34" charset="0"/>
+                <a:cs typeface="Arial" panose="020B0604020202020204" pitchFamily="34" charset="0"/>
+              </a:rPr>
+              <a:t>AWS Secrets Manager</a:t>
+            </a:r>
+          </a:p>
+        </p:txBody>
+      </p:sp>
+      <p:sp>
+        <p:nvSpPr>
+          <p:cNvPr id="223" name="Rectangle 222">
+            <a:extLst>
+              <a:ext uri="{FF2B5EF4-FFF2-40B4-BE49-F238E27FC236}">
+                <a16:creationId xmlns:a16="http://schemas.microsoft.com/office/drawing/2014/main" id="{A2BBECFE-DF23-466E-ACC2-A9DE98D5AF35}"/>
+              </a:ext>
+            </a:extLst>
+          </p:cNvPr>
+          <p:cNvSpPr/>
+          <p:nvPr/>
+        </p:nvSpPr>
+        <p:spPr>
+          <a:xfrm>
+            <a:off x="7331727" y="1365097"/>
+            <a:ext cx="2533228" cy="2872061"/>
           </a:xfrm>
           <a:prstGeom prst="rect">
             <a:avLst/>
@@ -5034,17 +7159,17 @@
                 <a:latin typeface="Arial" panose="020B0604020202020204" pitchFamily="34" charset="0"/>
                 <a:cs typeface="Arial" panose="020B0604020202020204" pitchFamily="34" charset="0"/>
               </a:rPr>
-              <a:t>Workload VPC</a:t>
+              <a:t>Transit VPC</a:t>
             </a:r>
           </a:p>
         </p:txBody>
       </p:sp>
       <p:pic>
         <p:nvPicPr>
-          <p:cNvPr id="95" name="Graphic 94">
-            <a:extLst>
-              <a:ext uri="{FF2B5EF4-FFF2-40B4-BE49-F238E27FC236}">
-                <a16:creationId xmlns:a16="http://schemas.microsoft.com/office/drawing/2014/main" id="{D8C71995-A741-48AC-B09F-2EC68B2C2515}"/>
+          <p:cNvPr id="224" name="Graphic 223">
+            <a:extLst>
+              <a:ext uri="{FF2B5EF4-FFF2-40B4-BE49-F238E27FC236}">
+                <a16:creationId xmlns:a16="http://schemas.microsoft.com/office/drawing/2014/main" id="{DE56AF96-FCB7-4C43-94BB-F9C7106F02A6}"/>
               </a:ext>
             </a:extLst>
           </p:cNvPr>
@@ -5067,7 +7192,7 @@
         </p:blipFill>
         <p:spPr>
           <a:xfrm>
-            <a:off x="2462145" y="4439361"/>
+            <a:off x="7310029" y="1360813"/>
             <a:ext cx="381000" cy="381000"/>
           </a:xfrm>
           <a:prstGeom prst="rect">
@@ -5077,10 +7202,10 @@
       </p:pic>
       <p:sp>
         <p:nvSpPr>
-          <p:cNvPr id="107" name="Rectangle 106">
-            <a:extLst>
-              <a:ext uri="{FF2B5EF4-FFF2-40B4-BE49-F238E27FC236}">
-                <a16:creationId xmlns:a16="http://schemas.microsoft.com/office/drawing/2014/main" id="{AA18AF80-A3D0-483C-A331-F4042634D04E}"/>
+          <p:cNvPr id="227" name="Rectangle 226">
+            <a:extLst>
+              <a:ext uri="{FF2B5EF4-FFF2-40B4-BE49-F238E27FC236}">
+                <a16:creationId xmlns:a16="http://schemas.microsoft.com/office/drawing/2014/main" id="{EF9E9DB0-E586-4354-83DD-1110FD951D99}"/>
               </a:ext>
             </a:extLst>
           </p:cNvPr>
@@ -5089,7 +7214,7 @@
         </p:nvSpPr>
         <p:spPr>
           <a:xfrm>
-            <a:off x="2725605" y="1879193"/>
+            <a:off x="7567461" y="1840684"/>
             <a:ext cx="2037325" cy="1110297"/>
           </a:xfrm>
           <a:prstGeom prst="rect">
@@ -5147,452 +7272,10 @@
       </p:sp>
       <p:sp>
         <p:nvSpPr>
-          <p:cNvPr id="113" name="TextBox 15">
-            <a:extLst>
-              <a:ext uri="{FF2B5EF4-FFF2-40B4-BE49-F238E27FC236}">
-                <a16:creationId xmlns:a16="http://schemas.microsoft.com/office/drawing/2014/main" id="{3A8264A5-1E39-4FF3-8BA7-A722D31D0352}"/>
-              </a:ext>
-            </a:extLst>
-          </p:cNvPr>
-          <p:cNvSpPr txBox="1">
-            <a:spLocks noChangeArrowheads="1"/>
-          </p:cNvSpPr>
-          <p:nvPr/>
-        </p:nvSpPr>
-        <p:spPr bwMode="auto">
-          <a:xfrm>
-            <a:off x="5590964" y="2224585"/>
-            <a:ext cx="1462462" cy="276999"/>
-          </a:xfrm>
-          <a:prstGeom prst="rect">
-            <a:avLst/>
-          </a:prstGeom>
-          <a:noFill/>
-          <a:ln>
-            <a:noFill/>
-          </a:ln>
-          <a:extLst>
-            <a:ext uri="{909E8E84-426E-40DD-AFC4-6F175D3DCCD1}">
-              <a14:hiddenFill xmlns:a14="http://schemas.microsoft.com/office/drawing/2010/main">
-                <a:solidFill>
-                  <a:srgbClr val="FFFFFF"/>
-                </a:solidFill>
-              </a14:hiddenFill>
-            </a:ext>
-            <a:ext uri="{91240B29-F687-4F45-9708-019B960494DF}">
-              <a14:hiddenLine xmlns:a14="http://schemas.microsoft.com/office/drawing/2010/main" w="9525">
-                <a:solidFill>
-                  <a:srgbClr val="000000"/>
-                </a:solidFill>
-                <a:miter lim="800000"/>
-                <a:headEnd/>
-                <a:tailEnd/>
-              </a14:hiddenLine>
-            </a:ext>
-          </a:extLst>
-        </p:spPr>
-        <p:txBody>
-          <a:bodyPr wrap="square">
-            <a:spAutoFit/>
-          </a:bodyPr>
-          <a:lstStyle>
-            <a:lvl1pPr>
-              <a:defRPr>
-                <a:solidFill>
-                  <a:schemeClr val="tx1"/>
-                </a:solidFill>
-                <a:latin typeface="Calibri" panose="020F0502020204030204" pitchFamily="34" charset="0"/>
-              </a:defRPr>
-            </a:lvl1pPr>
-            <a:lvl2pPr marL="742950" indent="-285750">
-              <a:defRPr>
-                <a:solidFill>
-                  <a:schemeClr val="tx1"/>
-                </a:solidFill>
-                <a:latin typeface="Calibri" panose="020F0502020204030204" pitchFamily="34" charset="0"/>
-              </a:defRPr>
-            </a:lvl2pPr>
-            <a:lvl3pPr marL="1143000" indent="-228600">
-              <a:defRPr>
-                <a:solidFill>
-                  <a:schemeClr val="tx1"/>
-                </a:solidFill>
-                <a:latin typeface="Calibri" panose="020F0502020204030204" pitchFamily="34" charset="0"/>
-              </a:defRPr>
-            </a:lvl3pPr>
-            <a:lvl4pPr marL="1600200" indent="-228600">
-              <a:defRPr>
-                <a:solidFill>
-                  <a:schemeClr val="tx1"/>
-                </a:solidFill>
-                <a:latin typeface="Calibri" panose="020F0502020204030204" pitchFamily="34" charset="0"/>
-              </a:defRPr>
-            </a:lvl4pPr>
-            <a:lvl5pPr marL="2057400" indent="-228600">
-              <a:defRPr>
-                <a:solidFill>
-                  <a:schemeClr val="tx1"/>
-                </a:solidFill>
-                <a:latin typeface="Calibri" panose="020F0502020204030204" pitchFamily="34" charset="0"/>
-              </a:defRPr>
-            </a:lvl5pPr>
-            <a:lvl6pPr marL="2514600" indent="-228600" eaLnBrk="0" fontAlgn="base" hangingPunct="0">
-              <a:spcBef>
-                <a:spcPct val="0"/>
-              </a:spcBef>
-              <a:spcAft>
-                <a:spcPct val="0"/>
-              </a:spcAft>
-              <a:defRPr>
-                <a:solidFill>
-                  <a:schemeClr val="tx1"/>
-                </a:solidFill>
-                <a:latin typeface="Calibri" panose="020F0502020204030204" pitchFamily="34" charset="0"/>
-              </a:defRPr>
-            </a:lvl6pPr>
-            <a:lvl7pPr marL="2971800" indent="-228600" eaLnBrk="0" fontAlgn="base" hangingPunct="0">
-              <a:spcBef>
-                <a:spcPct val="0"/>
-              </a:spcBef>
-              <a:spcAft>
-                <a:spcPct val="0"/>
-              </a:spcAft>
-              <a:defRPr>
-                <a:solidFill>
-                  <a:schemeClr val="tx1"/>
-                </a:solidFill>
-                <a:latin typeface="Calibri" panose="020F0502020204030204" pitchFamily="34" charset="0"/>
-              </a:defRPr>
-            </a:lvl7pPr>
-            <a:lvl8pPr marL="3429000" indent="-228600" eaLnBrk="0" fontAlgn="base" hangingPunct="0">
-              <a:spcBef>
-                <a:spcPct val="0"/>
-              </a:spcBef>
-              <a:spcAft>
-                <a:spcPct val="0"/>
-              </a:spcAft>
-              <a:defRPr>
-                <a:solidFill>
-                  <a:schemeClr val="tx1"/>
-                </a:solidFill>
-                <a:latin typeface="Calibri" panose="020F0502020204030204" pitchFamily="34" charset="0"/>
-              </a:defRPr>
-            </a:lvl8pPr>
-            <a:lvl9pPr marL="3886200" indent="-228600" eaLnBrk="0" fontAlgn="base" hangingPunct="0">
-              <a:spcBef>
-                <a:spcPct val="0"/>
-              </a:spcBef>
-              <a:spcAft>
-                <a:spcPct val="0"/>
-              </a:spcAft>
-              <a:defRPr>
-                <a:solidFill>
-                  <a:schemeClr val="tx1"/>
-                </a:solidFill>
-                <a:latin typeface="Calibri" panose="020F0502020204030204" pitchFamily="34" charset="0"/>
-              </a:defRPr>
-            </a:lvl9pPr>
-          </a:lstStyle>
-          <a:p>
-            <a:pPr algn="ctr" eaLnBrk="1" hangingPunct="1"/>
-            <a:r>
-              <a:rPr lang="en-US" altLang="en-US" sz="1200" dirty="0">
-                <a:latin typeface="Arial" panose="020B0604020202020204" pitchFamily="34" charset="0"/>
-                <a:ea typeface="Amazon Ember" panose="020B0603020204020204" pitchFamily="34" charset="0"/>
-                <a:cs typeface="Arial" panose="020B0604020202020204" pitchFamily="34" charset="0"/>
-              </a:rPr>
-              <a:t>SD-WAN segment</a:t>
-            </a:r>
-          </a:p>
-        </p:txBody>
-      </p:sp>
-      <p:pic>
-        <p:nvPicPr>
-          <p:cNvPr id="114" name="Graphic 6">
-            <a:extLst>
-              <a:ext uri="{FF2B5EF4-FFF2-40B4-BE49-F238E27FC236}">
-                <a16:creationId xmlns:a16="http://schemas.microsoft.com/office/drawing/2014/main" id="{D8C29C14-CFD9-4BCA-AA17-2674533DEFAC}"/>
-              </a:ext>
-            </a:extLst>
-          </p:cNvPr>
-          <p:cNvPicPr>
-            <a:picLocks noChangeAspect="1" noChangeArrowheads="1"/>
-          </p:cNvPicPr>
-          <p:nvPr/>
-        </p:nvPicPr>
-        <p:blipFill>
-          <a:blip r:embed="rId9">
-            <a:extLst>
-              <a:ext uri="{96DAC541-7B7A-43D3-8B79-37D633B846F1}">
-                <asvg:svgBlip xmlns:asvg="http://schemas.microsoft.com/office/drawing/2016/SVG/main" r:embed="rId10"/>
-              </a:ext>
-            </a:extLst>
-          </a:blip>
-          <a:srcRect/>
-          <a:stretch/>
-        </p:blipFill>
-        <p:spPr bwMode="auto">
-          <a:xfrm>
-            <a:off x="6056543" y="1783140"/>
-            <a:ext cx="457200" cy="417219"/>
-          </a:xfrm>
-          <a:prstGeom prst="rect">
-            <a:avLst/>
-          </a:prstGeom>
-          <a:noFill/>
-          <a:ln>
-            <a:noFill/>
-          </a:ln>
-          <a:extLst>
-            <a:ext uri="{909E8E84-426E-40DD-AFC4-6F175D3DCCD1}">
-              <a14:hiddenFill xmlns:a14="http://schemas.microsoft.com/office/drawing/2010/main">
-                <a:solidFill>
-                  <a:srgbClr val="FFFFFF"/>
-                </a:solidFill>
-              </a14:hiddenFill>
-            </a:ext>
-            <a:ext uri="{91240B29-F687-4F45-9708-019B960494DF}">
-              <a14:hiddenLine xmlns:a14="http://schemas.microsoft.com/office/drawing/2010/main" w="9525">
-                <a:solidFill>
-                  <a:srgbClr val="000000"/>
-                </a:solidFill>
-                <a:miter lim="800000"/>
-                <a:headEnd/>
-                <a:tailEnd/>
-              </a14:hiddenLine>
-            </a:ext>
-          </a:extLst>
-        </p:spPr>
-      </p:pic>
-      <p:sp>
-        <p:nvSpPr>
-          <p:cNvPr id="119" name="TextBox 16">
-            <a:extLst>
-              <a:ext uri="{FF2B5EF4-FFF2-40B4-BE49-F238E27FC236}">
-                <a16:creationId xmlns:a16="http://schemas.microsoft.com/office/drawing/2014/main" id="{99D75873-B656-48A2-A4A8-44F3CDA85B3D}"/>
-              </a:ext>
-            </a:extLst>
-          </p:cNvPr>
-          <p:cNvSpPr txBox="1">
-            <a:spLocks noChangeArrowheads="1"/>
-          </p:cNvSpPr>
-          <p:nvPr/>
-        </p:nvSpPr>
-        <p:spPr bwMode="auto">
-          <a:xfrm>
-            <a:off x="5420123" y="3293451"/>
-            <a:ext cx="1675493" cy="276999"/>
-          </a:xfrm>
-          <a:prstGeom prst="rect">
-            <a:avLst/>
-          </a:prstGeom>
-          <a:noFill/>
-          <a:ln>
-            <a:noFill/>
-          </a:ln>
-          <a:extLst>
-            <a:ext uri="{909E8E84-426E-40DD-AFC4-6F175D3DCCD1}">
-              <a14:hiddenFill xmlns:a14="http://schemas.microsoft.com/office/drawing/2010/main">
-                <a:solidFill>
-                  <a:srgbClr val="FFFFFF"/>
-                </a:solidFill>
-              </a14:hiddenFill>
-            </a:ext>
-            <a:ext uri="{91240B29-F687-4F45-9708-019B960494DF}">
-              <a14:hiddenLine xmlns:a14="http://schemas.microsoft.com/office/drawing/2010/main" w="9525">
-                <a:solidFill>
-                  <a:srgbClr val="000000"/>
-                </a:solidFill>
-                <a:miter lim="800000"/>
-                <a:headEnd/>
-                <a:tailEnd/>
-              </a14:hiddenLine>
-            </a:ext>
-          </a:extLst>
-        </p:spPr>
-        <p:txBody>
-          <a:bodyPr wrap="square">
-            <a:spAutoFit/>
-          </a:bodyPr>
-          <a:lstStyle>
-            <a:lvl1pPr>
-              <a:defRPr>
-                <a:solidFill>
-                  <a:schemeClr val="tx1"/>
-                </a:solidFill>
-                <a:latin typeface="Calibri" panose="020F0502020204030204" pitchFamily="34" charset="0"/>
-              </a:defRPr>
-            </a:lvl1pPr>
-            <a:lvl2pPr marL="742950" indent="-285750">
-              <a:defRPr>
-                <a:solidFill>
-                  <a:schemeClr val="tx1"/>
-                </a:solidFill>
-                <a:latin typeface="Calibri" panose="020F0502020204030204" pitchFamily="34" charset="0"/>
-              </a:defRPr>
-            </a:lvl2pPr>
-            <a:lvl3pPr marL="1143000" indent="-228600">
-              <a:defRPr>
-                <a:solidFill>
-                  <a:schemeClr val="tx1"/>
-                </a:solidFill>
-                <a:latin typeface="Calibri" panose="020F0502020204030204" pitchFamily="34" charset="0"/>
-              </a:defRPr>
-            </a:lvl3pPr>
-            <a:lvl4pPr marL="1600200" indent="-228600">
-              <a:defRPr>
-                <a:solidFill>
-                  <a:schemeClr val="tx1"/>
-                </a:solidFill>
-                <a:latin typeface="Calibri" panose="020F0502020204030204" pitchFamily="34" charset="0"/>
-              </a:defRPr>
-            </a:lvl4pPr>
-            <a:lvl5pPr marL="2057400" indent="-228600">
-              <a:defRPr>
-                <a:solidFill>
-                  <a:schemeClr val="tx1"/>
-                </a:solidFill>
-                <a:latin typeface="Calibri" panose="020F0502020204030204" pitchFamily="34" charset="0"/>
-              </a:defRPr>
-            </a:lvl5pPr>
-            <a:lvl6pPr marL="2514600" indent="-228600" eaLnBrk="0" fontAlgn="base" hangingPunct="0">
-              <a:spcBef>
-                <a:spcPct val="0"/>
-              </a:spcBef>
-              <a:spcAft>
-                <a:spcPct val="0"/>
-              </a:spcAft>
-              <a:defRPr>
-                <a:solidFill>
-                  <a:schemeClr val="tx1"/>
-                </a:solidFill>
-                <a:latin typeface="Calibri" panose="020F0502020204030204" pitchFamily="34" charset="0"/>
-              </a:defRPr>
-            </a:lvl6pPr>
-            <a:lvl7pPr marL="2971800" indent="-228600" eaLnBrk="0" fontAlgn="base" hangingPunct="0">
-              <a:spcBef>
-                <a:spcPct val="0"/>
-              </a:spcBef>
-              <a:spcAft>
-                <a:spcPct val="0"/>
-              </a:spcAft>
-              <a:defRPr>
-                <a:solidFill>
-                  <a:schemeClr val="tx1"/>
-                </a:solidFill>
-                <a:latin typeface="Calibri" panose="020F0502020204030204" pitchFamily="34" charset="0"/>
-              </a:defRPr>
-            </a:lvl7pPr>
-            <a:lvl8pPr marL="3429000" indent="-228600" eaLnBrk="0" fontAlgn="base" hangingPunct="0">
-              <a:spcBef>
-                <a:spcPct val="0"/>
-              </a:spcBef>
-              <a:spcAft>
-                <a:spcPct val="0"/>
-              </a:spcAft>
-              <a:defRPr>
-                <a:solidFill>
-                  <a:schemeClr val="tx1"/>
-                </a:solidFill>
-                <a:latin typeface="Calibri" panose="020F0502020204030204" pitchFamily="34" charset="0"/>
-              </a:defRPr>
-            </a:lvl8pPr>
-            <a:lvl9pPr marL="3886200" indent="-228600" eaLnBrk="0" fontAlgn="base" hangingPunct="0">
-              <a:spcBef>
-                <a:spcPct val="0"/>
-              </a:spcBef>
-              <a:spcAft>
-                <a:spcPct val="0"/>
-              </a:spcAft>
-              <a:defRPr>
-                <a:solidFill>
-                  <a:schemeClr val="tx1"/>
-                </a:solidFill>
-                <a:latin typeface="Calibri" panose="020F0502020204030204" pitchFamily="34" charset="0"/>
-              </a:defRPr>
-            </a:lvl9pPr>
-          </a:lstStyle>
-          <a:p>
-            <a:pPr algn="ctr" eaLnBrk="1" hangingPunct="1"/>
-            <a:r>
-              <a:rPr lang="en-US" sz="1200" dirty="0">
-                <a:latin typeface="Arial" panose="020B0604020202020204" pitchFamily="34" charset="0"/>
-                <a:cs typeface="Arial" panose="020B0604020202020204" pitchFamily="34" charset="0"/>
-              </a:rPr>
-              <a:t>Core network edge</a:t>
-            </a:r>
-            <a:endParaRPr lang="en-US" altLang="en-US" sz="1200" dirty="0">
-              <a:latin typeface="Arial" panose="020B0604020202020204" pitchFamily="34" charset="0"/>
-              <a:ea typeface="Amazon Ember" panose="020B0603020204020204" pitchFamily="34" charset="0"/>
-              <a:cs typeface="Arial" panose="020B0604020202020204" pitchFamily="34" charset="0"/>
-            </a:endParaRPr>
-          </a:p>
-        </p:txBody>
-      </p:sp>
-      <p:pic>
-        <p:nvPicPr>
-          <p:cNvPr id="120" name="Graphic 14">
-            <a:extLst>
-              <a:ext uri="{FF2B5EF4-FFF2-40B4-BE49-F238E27FC236}">
-                <a16:creationId xmlns:a16="http://schemas.microsoft.com/office/drawing/2014/main" id="{8F00E202-17BE-431E-9653-0D6E4B0235CC}"/>
-              </a:ext>
-            </a:extLst>
-          </p:cNvPr>
-          <p:cNvPicPr>
-            <a:picLocks noChangeAspect="1" noChangeArrowheads="1"/>
-          </p:cNvPicPr>
-          <p:nvPr/>
-        </p:nvPicPr>
-        <p:blipFill>
-          <a:blip r:embed="rId11">
-            <a:extLst>
-              <a:ext uri="{96DAC541-7B7A-43D3-8B79-37D633B846F1}">
-                <asvg:svgBlip xmlns:asvg="http://schemas.microsoft.com/office/drawing/2016/SVG/main" r:embed="rId12"/>
-              </a:ext>
-            </a:extLst>
-          </a:blip>
-          <a:srcRect/>
-          <a:stretch/>
-        </p:blipFill>
-        <p:spPr bwMode="auto">
-          <a:xfrm>
-            <a:off x="6086862" y="2807417"/>
-            <a:ext cx="457200" cy="457200"/>
-          </a:xfrm>
-          <a:prstGeom prst="rect">
-            <a:avLst/>
-          </a:prstGeom>
-          <a:noFill/>
-          <a:ln>
-            <a:noFill/>
-          </a:ln>
-          <a:extLst>
-            <a:ext uri="{909E8E84-426E-40DD-AFC4-6F175D3DCCD1}">
-              <a14:hiddenFill xmlns:a14="http://schemas.microsoft.com/office/drawing/2010/main">
-                <a:solidFill>
-                  <a:srgbClr val="FFFFFF"/>
-                </a:solidFill>
-              </a14:hiddenFill>
-            </a:ext>
-            <a:ext uri="{91240B29-F687-4F45-9708-019B960494DF}">
-              <a14:hiddenLine xmlns:a14="http://schemas.microsoft.com/office/drawing/2010/main" w="9525">
-                <a:solidFill>
-                  <a:srgbClr val="000000"/>
-                </a:solidFill>
-                <a:miter lim="800000"/>
-                <a:headEnd/>
-                <a:tailEnd/>
-              </a14:hiddenLine>
-            </a:ext>
-          </a:extLst>
-        </p:spPr>
-      </p:pic>
-      <p:sp>
-        <p:nvSpPr>
-          <p:cNvPr id="123" name="Rectangle 122">
-            <a:extLst>
-              <a:ext uri="{FF2B5EF4-FFF2-40B4-BE49-F238E27FC236}">
-                <a16:creationId xmlns:a16="http://schemas.microsoft.com/office/drawing/2014/main" id="{FDE30BD0-41FD-4FDF-9AD1-1AB62C81307F}"/>
+          <p:cNvPr id="228" name="Rectangle 227">
+            <a:extLst>
+              <a:ext uri="{FF2B5EF4-FFF2-40B4-BE49-F238E27FC236}">
+                <a16:creationId xmlns:a16="http://schemas.microsoft.com/office/drawing/2014/main" id="{1E206E9E-AA75-4E2F-B689-CE50FA820E9E}"/>
               </a:ext>
             </a:extLst>
           </p:cNvPr>
@@ -5601,7 +7284,7 @@
         </p:nvSpPr>
         <p:spPr>
           <a:xfrm>
-            <a:off x="2725605" y="3093365"/>
+            <a:off x="7567460" y="3055882"/>
             <a:ext cx="2037325" cy="1106424"/>
           </a:xfrm>
           <a:prstGeom prst="rect">
@@ -5659,10 +7342,10 @@
       </p:sp>
       <p:pic>
         <p:nvPicPr>
-          <p:cNvPr id="124" name="Graphic 60">
-            <a:extLst>
-              <a:ext uri="{FF2B5EF4-FFF2-40B4-BE49-F238E27FC236}">
-                <a16:creationId xmlns:a16="http://schemas.microsoft.com/office/drawing/2014/main" id="{3718850A-C327-4535-B78E-741464D5A21C}"/>
+          <p:cNvPr id="229" name="Graphic 60">
+            <a:extLst>
+              <a:ext uri="{FF2B5EF4-FFF2-40B4-BE49-F238E27FC236}">
+                <a16:creationId xmlns:a16="http://schemas.microsoft.com/office/drawing/2014/main" id="{319E7BBD-39FB-4B97-995E-A2F938DAA4C3}"/>
               </a:ext>
             </a:extLst>
           </p:cNvPr>
@@ -5686,7 +7369,7 @@
         </p:blipFill>
         <p:spPr bwMode="auto">
           <a:xfrm>
-            <a:off x="3553695" y="2220139"/>
+            <a:off x="8395551" y="2181630"/>
             <a:ext cx="457200" cy="457200"/>
           </a:xfrm>
           <a:prstGeom prst="rect">
@@ -5719,10 +7402,10 @@
       </p:pic>
       <p:pic>
         <p:nvPicPr>
-          <p:cNvPr id="125" name="Graphic 60">
-            <a:extLst>
-              <a:ext uri="{FF2B5EF4-FFF2-40B4-BE49-F238E27FC236}">
-                <a16:creationId xmlns:a16="http://schemas.microsoft.com/office/drawing/2014/main" id="{EF9694B2-DDC3-45BD-87CF-199A5EAD0A58}"/>
+          <p:cNvPr id="230" name="Graphic 60">
+            <a:extLst>
+              <a:ext uri="{FF2B5EF4-FFF2-40B4-BE49-F238E27FC236}">
+                <a16:creationId xmlns:a16="http://schemas.microsoft.com/office/drawing/2014/main" id="{86F22948-147F-4CD6-A46A-37CCB1DD13C4}"/>
               </a:ext>
             </a:extLst>
           </p:cNvPr>
@@ -5746,7 +7429,7 @@
         </p:blipFill>
         <p:spPr bwMode="auto">
           <a:xfrm>
-            <a:off x="3553695" y="3456486"/>
+            <a:off x="8395551" y="3417977"/>
             <a:ext cx="457200" cy="457200"/>
           </a:xfrm>
           <a:prstGeom prst="rect">
@@ -5779,10 +7462,10 @@
       </p:pic>
       <p:sp>
         <p:nvSpPr>
-          <p:cNvPr id="130" name="TextBox 20">
-            <a:extLst>
-              <a:ext uri="{FF2B5EF4-FFF2-40B4-BE49-F238E27FC236}">
-                <a16:creationId xmlns:a16="http://schemas.microsoft.com/office/drawing/2014/main" id="{F484C7C6-F902-4EAF-85F5-984D6059663A}"/>
+          <p:cNvPr id="231" name="TextBox 20">
+            <a:extLst>
+              <a:ext uri="{FF2B5EF4-FFF2-40B4-BE49-F238E27FC236}">
+                <a16:creationId xmlns:a16="http://schemas.microsoft.com/office/drawing/2014/main" id="{28C17D3A-AD67-48D6-8EA8-87ACE923297F}"/>
               </a:ext>
             </a:extLst>
           </p:cNvPr>
@@ -5793,7 +7476,7 @@
         </p:nvSpPr>
         <p:spPr bwMode="auto">
           <a:xfrm>
-            <a:off x="3018218" y="2677339"/>
+            <a:off x="7860074" y="2638830"/>
             <a:ext cx="1528154" cy="276999"/>
           </a:xfrm>
           <a:prstGeom prst="rect">
@@ -5940,10 +7623,10 @@
       </p:sp>
       <p:sp>
         <p:nvSpPr>
-          <p:cNvPr id="131" name="TextBox 20">
-            <a:extLst>
-              <a:ext uri="{FF2B5EF4-FFF2-40B4-BE49-F238E27FC236}">
-                <a16:creationId xmlns:a16="http://schemas.microsoft.com/office/drawing/2014/main" id="{03031F4B-E132-4549-A496-9562AB38B05E}"/>
+          <p:cNvPr id="232" name="TextBox 20">
+            <a:extLst>
+              <a:ext uri="{FF2B5EF4-FFF2-40B4-BE49-F238E27FC236}">
+                <a16:creationId xmlns:a16="http://schemas.microsoft.com/office/drawing/2014/main" id="{3B515FDA-17A7-4F20-918F-B3109390AA67}"/>
               </a:ext>
             </a:extLst>
           </p:cNvPr>
@@ -5954,7 +7637,7 @@
         </p:nvSpPr>
         <p:spPr bwMode="auto">
           <a:xfrm>
-            <a:off x="3018218" y="3874055"/>
+            <a:off x="7860074" y="3835546"/>
             <a:ext cx="1528154" cy="276999"/>
           </a:xfrm>
           <a:prstGeom prst="rect">
@@ -6099,2127 +7782,6 @@
           </a:p>
         </p:txBody>
       </p:sp>
-      <p:sp>
-        <p:nvSpPr>
-          <p:cNvPr id="144" name="Rounded Rectangle 39">
-            <a:extLst>
-              <a:ext uri="{FF2B5EF4-FFF2-40B4-BE49-F238E27FC236}">
-                <a16:creationId xmlns:a16="http://schemas.microsoft.com/office/drawing/2014/main" id="{BDF26F39-47E8-4006-9B25-4E60FAF56BDA}"/>
-              </a:ext>
-            </a:extLst>
-          </p:cNvPr>
-          <p:cNvSpPr/>
-          <p:nvPr/>
-        </p:nvSpPr>
-        <p:spPr>
-          <a:xfrm>
-            <a:off x="-2800981" y="2966097"/>
-            <a:ext cx="1995541" cy="411480"/>
-          </a:xfrm>
-          <a:prstGeom prst="roundRect">
-            <a:avLst/>
-          </a:prstGeom>
-          <a:solidFill>
-            <a:srgbClr val="92D050"/>
-          </a:solidFill>
-          <a:ln>
-            <a:noFill/>
-          </a:ln>
-        </p:spPr>
-        <p:style>
-          <a:lnRef idx="0">
-            <a:scrgbClr r="0" g="0" b="0"/>
-          </a:lnRef>
-          <a:fillRef idx="0">
-            <a:scrgbClr r="0" g="0" b="0"/>
-          </a:fillRef>
-          <a:effectRef idx="0">
-            <a:scrgbClr r="0" g="0" b="0"/>
-          </a:effectRef>
-          <a:fontRef idx="minor">
-            <a:schemeClr val="lt1"/>
-          </a:fontRef>
-        </p:style>
-        <p:txBody>
-          <a:bodyPr lIns="91440" tIns="45720" rIns="91440" bIns="45720" rtlCol="0" anchor="ctr"/>
-          <a:lstStyle/>
-          <a:p>
-            <a:pPr marL="50800"/>
-            <a:r>
-              <a:rPr lang="en-US" sz="1200" dirty="0"/>
-              <a:t>       Workload segment</a:t>
-            </a:r>
-          </a:p>
-        </p:txBody>
-      </p:sp>
-      <p:sp>
-        <p:nvSpPr>
-          <p:cNvPr id="145" name="Rounded Rectangle 41">
-            <a:extLst>
-              <a:ext uri="{FF2B5EF4-FFF2-40B4-BE49-F238E27FC236}">
-                <a16:creationId xmlns:a16="http://schemas.microsoft.com/office/drawing/2014/main" id="{56D8AB45-2BA0-4F3F-AD1C-BE2ABC00BE4C}"/>
-              </a:ext>
-            </a:extLst>
-          </p:cNvPr>
-          <p:cNvSpPr/>
-          <p:nvPr/>
-        </p:nvSpPr>
-        <p:spPr>
-          <a:xfrm>
-            <a:off x="-2842185" y="2270151"/>
-            <a:ext cx="1995964" cy="407483"/>
-          </a:xfrm>
-          <a:prstGeom prst="roundRect">
-            <a:avLst/>
-          </a:prstGeom>
-          <a:solidFill>
-            <a:srgbClr val="00B0F0"/>
-          </a:solidFill>
-          <a:ln>
-            <a:noFill/>
-          </a:ln>
-        </p:spPr>
-        <p:style>
-          <a:lnRef idx="0">
-            <a:scrgbClr r="0" g="0" b="0"/>
-          </a:lnRef>
-          <a:fillRef idx="0">
-            <a:scrgbClr r="0" g="0" b="0"/>
-          </a:fillRef>
-          <a:effectRef idx="0">
-            <a:scrgbClr r="0" g="0" b="0"/>
-          </a:effectRef>
-          <a:fontRef idx="minor">
-            <a:schemeClr val="lt1"/>
-          </a:fontRef>
-        </p:style>
-        <p:txBody>
-          <a:bodyPr lIns="91440" tIns="45720" rIns="91440" bIns="45720" rtlCol="0" anchor="ctr"/>
-          <a:lstStyle/>
-          <a:p>
-            <a:pPr marL="50800"/>
-            <a:r>
-              <a:rPr lang="en-US" sz="1200" dirty="0"/>
-              <a:t>       SDWAN segment</a:t>
-            </a:r>
-          </a:p>
-        </p:txBody>
-      </p:sp>
-      <p:sp>
-        <p:nvSpPr>
-          <p:cNvPr id="156" name="TextBox 15">
-            <a:extLst>
-              <a:ext uri="{FF2B5EF4-FFF2-40B4-BE49-F238E27FC236}">
-                <a16:creationId xmlns:a16="http://schemas.microsoft.com/office/drawing/2014/main" id="{CD9CDE4E-9F10-4A27-BBCB-063123438AAB}"/>
-              </a:ext>
-            </a:extLst>
-          </p:cNvPr>
-          <p:cNvSpPr txBox="1">
-            <a:spLocks noChangeArrowheads="1"/>
-          </p:cNvSpPr>
-          <p:nvPr/>
-        </p:nvSpPr>
-        <p:spPr bwMode="auto">
-          <a:xfrm>
-            <a:off x="5412818" y="5371298"/>
-            <a:ext cx="1520229" cy="276999"/>
-          </a:xfrm>
-          <a:prstGeom prst="rect">
-            <a:avLst/>
-          </a:prstGeom>
-          <a:noFill/>
-          <a:ln>
-            <a:noFill/>
-          </a:ln>
-          <a:extLst>
-            <a:ext uri="{909E8E84-426E-40DD-AFC4-6F175D3DCCD1}">
-              <a14:hiddenFill xmlns:a14="http://schemas.microsoft.com/office/drawing/2010/main">
-                <a:solidFill>
-                  <a:srgbClr val="FFFFFF"/>
-                </a:solidFill>
-              </a14:hiddenFill>
-            </a:ext>
-            <a:ext uri="{91240B29-F687-4F45-9708-019B960494DF}">
-              <a14:hiddenLine xmlns:a14="http://schemas.microsoft.com/office/drawing/2010/main" w="9525">
-                <a:solidFill>
-                  <a:srgbClr val="000000"/>
-                </a:solidFill>
-                <a:miter lim="800000"/>
-                <a:headEnd/>
-                <a:tailEnd/>
-              </a14:hiddenLine>
-            </a:ext>
-          </a:extLst>
-        </p:spPr>
-        <p:txBody>
-          <a:bodyPr wrap="square">
-            <a:spAutoFit/>
-          </a:bodyPr>
-          <a:lstStyle>
-            <a:lvl1pPr>
-              <a:defRPr>
-                <a:solidFill>
-                  <a:schemeClr val="tx1"/>
-                </a:solidFill>
-                <a:latin typeface="Calibri" panose="020F0502020204030204" pitchFamily="34" charset="0"/>
-              </a:defRPr>
-            </a:lvl1pPr>
-            <a:lvl2pPr marL="742950" indent="-285750">
-              <a:defRPr>
-                <a:solidFill>
-                  <a:schemeClr val="tx1"/>
-                </a:solidFill>
-                <a:latin typeface="Calibri" panose="020F0502020204030204" pitchFamily="34" charset="0"/>
-              </a:defRPr>
-            </a:lvl2pPr>
-            <a:lvl3pPr marL="1143000" indent="-228600">
-              <a:defRPr>
-                <a:solidFill>
-                  <a:schemeClr val="tx1"/>
-                </a:solidFill>
-                <a:latin typeface="Calibri" panose="020F0502020204030204" pitchFamily="34" charset="0"/>
-              </a:defRPr>
-            </a:lvl3pPr>
-            <a:lvl4pPr marL="1600200" indent="-228600">
-              <a:defRPr>
-                <a:solidFill>
-                  <a:schemeClr val="tx1"/>
-                </a:solidFill>
-                <a:latin typeface="Calibri" panose="020F0502020204030204" pitchFamily="34" charset="0"/>
-              </a:defRPr>
-            </a:lvl4pPr>
-            <a:lvl5pPr marL="2057400" indent="-228600">
-              <a:defRPr>
-                <a:solidFill>
-                  <a:schemeClr val="tx1"/>
-                </a:solidFill>
-                <a:latin typeface="Calibri" panose="020F0502020204030204" pitchFamily="34" charset="0"/>
-              </a:defRPr>
-            </a:lvl5pPr>
-            <a:lvl6pPr marL="2514600" indent="-228600" eaLnBrk="0" fontAlgn="base" hangingPunct="0">
-              <a:spcBef>
-                <a:spcPct val="0"/>
-              </a:spcBef>
-              <a:spcAft>
-                <a:spcPct val="0"/>
-              </a:spcAft>
-              <a:defRPr>
-                <a:solidFill>
-                  <a:schemeClr val="tx1"/>
-                </a:solidFill>
-                <a:latin typeface="Calibri" panose="020F0502020204030204" pitchFamily="34" charset="0"/>
-              </a:defRPr>
-            </a:lvl6pPr>
-            <a:lvl7pPr marL="2971800" indent="-228600" eaLnBrk="0" fontAlgn="base" hangingPunct="0">
-              <a:spcBef>
-                <a:spcPct val="0"/>
-              </a:spcBef>
-              <a:spcAft>
-                <a:spcPct val="0"/>
-              </a:spcAft>
-              <a:defRPr>
-                <a:solidFill>
-                  <a:schemeClr val="tx1"/>
-                </a:solidFill>
-                <a:latin typeface="Calibri" panose="020F0502020204030204" pitchFamily="34" charset="0"/>
-              </a:defRPr>
-            </a:lvl7pPr>
-            <a:lvl8pPr marL="3429000" indent="-228600" eaLnBrk="0" fontAlgn="base" hangingPunct="0">
-              <a:spcBef>
-                <a:spcPct val="0"/>
-              </a:spcBef>
-              <a:spcAft>
-                <a:spcPct val="0"/>
-              </a:spcAft>
-              <a:defRPr>
-                <a:solidFill>
-                  <a:schemeClr val="tx1"/>
-                </a:solidFill>
-                <a:latin typeface="Calibri" panose="020F0502020204030204" pitchFamily="34" charset="0"/>
-              </a:defRPr>
-            </a:lvl8pPr>
-            <a:lvl9pPr marL="3886200" indent="-228600" eaLnBrk="0" fontAlgn="base" hangingPunct="0">
-              <a:spcBef>
-                <a:spcPct val="0"/>
-              </a:spcBef>
-              <a:spcAft>
-                <a:spcPct val="0"/>
-              </a:spcAft>
-              <a:defRPr>
-                <a:solidFill>
-                  <a:schemeClr val="tx1"/>
-                </a:solidFill>
-                <a:latin typeface="Calibri" panose="020F0502020204030204" pitchFamily="34" charset="0"/>
-              </a:defRPr>
-            </a:lvl9pPr>
-          </a:lstStyle>
-          <a:p>
-            <a:pPr algn="ctr" eaLnBrk="1" hangingPunct="1"/>
-            <a:r>
-              <a:rPr lang="en-US" altLang="en-US" sz="1200" dirty="0">
-                <a:latin typeface="Arial" panose="020B0604020202020204" pitchFamily="34" charset="0"/>
-                <a:ea typeface="Amazon Ember" panose="020B0603020204020204" pitchFamily="34" charset="0"/>
-                <a:cs typeface="Arial" panose="020B0604020202020204" pitchFamily="34" charset="0"/>
-              </a:rPr>
-              <a:t>Workload segment</a:t>
-            </a:r>
-          </a:p>
-        </p:txBody>
-      </p:sp>
-      <p:pic>
-        <p:nvPicPr>
-          <p:cNvPr id="157" name="Graphic 6">
-            <a:extLst>
-              <a:ext uri="{FF2B5EF4-FFF2-40B4-BE49-F238E27FC236}">
-                <a16:creationId xmlns:a16="http://schemas.microsoft.com/office/drawing/2014/main" id="{8D4CB6D2-CE2B-46DF-94BC-AACA51F5AF62}"/>
-              </a:ext>
-            </a:extLst>
-          </p:cNvPr>
-          <p:cNvPicPr>
-            <a:picLocks noChangeAspect="1" noChangeArrowheads="1"/>
-          </p:cNvPicPr>
-          <p:nvPr/>
-        </p:nvPicPr>
-        <p:blipFill>
-          <a:blip r:embed="rId9">
-            <a:extLst>
-              <a:ext uri="{96DAC541-7B7A-43D3-8B79-37D633B846F1}">
-                <asvg:svgBlip xmlns:asvg="http://schemas.microsoft.com/office/drawing/2016/SVG/main" r:embed="rId10"/>
-              </a:ext>
-            </a:extLst>
-          </a:blip>
-          <a:srcRect/>
-          <a:stretch/>
-        </p:blipFill>
-        <p:spPr bwMode="auto">
-          <a:xfrm>
-            <a:off x="5953581" y="4964604"/>
-            <a:ext cx="457200" cy="417219"/>
-          </a:xfrm>
-          <a:prstGeom prst="rect">
-            <a:avLst/>
-          </a:prstGeom>
-          <a:noFill/>
-          <a:ln>
-            <a:noFill/>
-          </a:ln>
-          <a:extLst>
-            <a:ext uri="{909E8E84-426E-40DD-AFC4-6F175D3DCCD1}">
-              <a14:hiddenFill xmlns:a14="http://schemas.microsoft.com/office/drawing/2010/main">
-                <a:solidFill>
-                  <a:srgbClr val="FFFFFF"/>
-                </a:solidFill>
-              </a14:hiddenFill>
-            </a:ext>
-            <a:ext uri="{91240B29-F687-4F45-9708-019B960494DF}">
-              <a14:hiddenLine xmlns:a14="http://schemas.microsoft.com/office/drawing/2010/main" w="9525">
-                <a:solidFill>
-                  <a:srgbClr val="000000"/>
-                </a:solidFill>
-                <a:miter lim="800000"/>
-                <a:headEnd/>
-                <a:tailEnd/>
-              </a14:hiddenLine>
-            </a:ext>
-          </a:extLst>
-        </p:spPr>
-      </p:pic>
-      <p:pic>
-        <p:nvPicPr>
-          <p:cNvPr id="158" name="Graphic 19">
-            <a:extLst>
-              <a:ext uri="{FF2B5EF4-FFF2-40B4-BE49-F238E27FC236}">
-                <a16:creationId xmlns:a16="http://schemas.microsoft.com/office/drawing/2014/main" id="{652EC221-93E1-47DA-96D7-16B801E2D902}"/>
-              </a:ext>
-            </a:extLst>
-          </p:cNvPr>
-          <p:cNvPicPr>
-            <a:picLocks noChangeAspect="1" noChangeArrowheads="1"/>
-          </p:cNvPicPr>
-          <p:nvPr/>
-        </p:nvPicPr>
-        <p:blipFill>
-          <a:blip r:embed="rId14">
-            <a:extLst>
-              <a:ext uri="{96DAC541-7B7A-43D3-8B79-37D633B846F1}">
-                <asvg:svgBlip xmlns:asvg="http://schemas.microsoft.com/office/drawing/2016/SVG/main" r:embed="rId15"/>
-              </a:ext>
-            </a:extLst>
-          </a:blip>
-          <a:srcRect/>
-          <a:stretch/>
-        </p:blipFill>
-        <p:spPr bwMode="auto">
-          <a:xfrm>
-            <a:off x="10513186" y="2205246"/>
-            <a:ext cx="762000" cy="762000"/>
-          </a:xfrm>
-          <a:prstGeom prst="rect">
-            <a:avLst/>
-          </a:prstGeom>
-          <a:noFill/>
-          <a:ln>
-            <a:noFill/>
-          </a:ln>
-          <a:extLst>
-            <a:ext uri="{909E8E84-426E-40DD-AFC4-6F175D3DCCD1}">
-              <a14:hiddenFill xmlns:a14="http://schemas.microsoft.com/office/drawing/2010/main">
-                <a:solidFill>
-                  <a:srgbClr val="FFFFFF"/>
-                </a:solidFill>
-              </a14:hiddenFill>
-            </a:ext>
-            <a:ext uri="{91240B29-F687-4F45-9708-019B960494DF}">
-              <a14:hiddenLine xmlns:a14="http://schemas.microsoft.com/office/drawing/2010/main" w="9525">
-                <a:solidFill>
-                  <a:srgbClr val="000000"/>
-                </a:solidFill>
-                <a:miter lim="800000"/>
-                <a:headEnd/>
-                <a:tailEnd/>
-              </a14:hiddenLine>
-            </a:ext>
-          </a:extLst>
-        </p:spPr>
-      </p:pic>
-      <p:sp>
-        <p:nvSpPr>
-          <p:cNvPr id="159" name="TextBox 11">
-            <a:extLst>
-              <a:ext uri="{FF2B5EF4-FFF2-40B4-BE49-F238E27FC236}">
-                <a16:creationId xmlns:a16="http://schemas.microsoft.com/office/drawing/2014/main" id="{532DEAB5-8665-49B5-9AC4-6893718DAC19}"/>
-              </a:ext>
-            </a:extLst>
-          </p:cNvPr>
-          <p:cNvSpPr txBox="1">
-            <a:spLocks noChangeArrowheads="1"/>
-          </p:cNvSpPr>
-          <p:nvPr/>
-        </p:nvSpPr>
-        <p:spPr bwMode="auto">
-          <a:xfrm>
-            <a:off x="9752706" y="3017458"/>
-            <a:ext cx="2292350" cy="276999"/>
-          </a:xfrm>
-          <a:prstGeom prst="rect">
-            <a:avLst/>
-          </a:prstGeom>
-          <a:noFill/>
-          <a:ln>
-            <a:noFill/>
-          </a:ln>
-          <a:extLst>
-            <a:ext uri="{909E8E84-426E-40DD-AFC4-6F175D3DCCD1}">
-              <a14:hiddenFill xmlns:a14="http://schemas.microsoft.com/office/drawing/2010/main">
-                <a:solidFill>
-                  <a:srgbClr val="FFFFFF"/>
-                </a:solidFill>
-              </a14:hiddenFill>
-            </a:ext>
-            <a:ext uri="{91240B29-F687-4F45-9708-019B960494DF}">
-              <a14:hiddenLine xmlns:a14="http://schemas.microsoft.com/office/drawing/2010/main" w="9525">
-                <a:solidFill>
-                  <a:srgbClr val="000000"/>
-                </a:solidFill>
-                <a:miter lim="800000"/>
-                <a:headEnd/>
-                <a:tailEnd/>
-              </a14:hiddenLine>
-            </a:ext>
-          </a:extLst>
-        </p:spPr>
-        <p:txBody>
-          <a:bodyPr>
-            <a:spAutoFit/>
-          </a:bodyPr>
-          <a:lstStyle>
-            <a:lvl1pPr>
-              <a:defRPr>
-                <a:solidFill>
-                  <a:schemeClr val="tx1"/>
-                </a:solidFill>
-                <a:latin typeface="Calibri" panose="020F0502020204030204" pitchFamily="34" charset="0"/>
-              </a:defRPr>
-            </a:lvl1pPr>
-            <a:lvl2pPr marL="742950" indent="-285750">
-              <a:defRPr>
-                <a:solidFill>
-                  <a:schemeClr val="tx1"/>
-                </a:solidFill>
-                <a:latin typeface="Calibri" panose="020F0502020204030204" pitchFamily="34" charset="0"/>
-              </a:defRPr>
-            </a:lvl2pPr>
-            <a:lvl3pPr marL="1143000" indent="-228600">
-              <a:defRPr>
-                <a:solidFill>
-                  <a:schemeClr val="tx1"/>
-                </a:solidFill>
-                <a:latin typeface="Calibri" panose="020F0502020204030204" pitchFamily="34" charset="0"/>
-              </a:defRPr>
-            </a:lvl3pPr>
-            <a:lvl4pPr marL="1600200" indent="-228600">
-              <a:defRPr>
-                <a:solidFill>
-                  <a:schemeClr val="tx1"/>
-                </a:solidFill>
-                <a:latin typeface="Calibri" panose="020F0502020204030204" pitchFamily="34" charset="0"/>
-              </a:defRPr>
-            </a:lvl4pPr>
-            <a:lvl5pPr marL="2057400" indent="-228600">
-              <a:defRPr>
-                <a:solidFill>
-                  <a:schemeClr val="tx1"/>
-                </a:solidFill>
-                <a:latin typeface="Calibri" panose="020F0502020204030204" pitchFamily="34" charset="0"/>
-              </a:defRPr>
-            </a:lvl5pPr>
-            <a:lvl6pPr marL="2514600" indent="-228600" eaLnBrk="0" fontAlgn="base" hangingPunct="0">
-              <a:spcBef>
-                <a:spcPct val="0"/>
-              </a:spcBef>
-              <a:spcAft>
-                <a:spcPct val="0"/>
-              </a:spcAft>
-              <a:defRPr>
-                <a:solidFill>
-                  <a:schemeClr val="tx1"/>
-                </a:solidFill>
-                <a:latin typeface="Calibri" panose="020F0502020204030204" pitchFamily="34" charset="0"/>
-              </a:defRPr>
-            </a:lvl6pPr>
-            <a:lvl7pPr marL="2971800" indent="-228600" eaLnBrk="0" fontAlgn="base" hangingPunct="0">
-              <a:spcBef>
-                <a:spcPct val="0"/>
-              </a:spcBef>
-              <a:spcAft>
-                <a:spcPct val="0"/>
-              </a:spcAft>
-              <a:defRPr>
-                <a:solidFill>
-                  <a:schemeClr val="tx1"/>
-                </a:solidFill>
-                <a:latin typeface="Calibri" panose="020F0502020204030204" pitchFamily="34" charset="0"/>
-              </a:defRPr>
-            </a:lvl7pPr>
-            <a:lvl8pPr marL="3429000" indent="-228600" eaLnBrk="0" fontAlgn="base" hangingPunct="0">
-              <a:spcBef>
-                <a:spcPct val="0"/>
-              </a:spcBef>
-              <a:spcAft>
-                <a:spcPct val="0"/>
-              </a:spcAft>
-              <a:defRPr>
-                <a:solidFill>
-                  <a:schemeClr val="tx1"/>
-                </a:solidFill>
-                <a:latin typeface="Calibri" panose="020F0502020204030204" pitchFamily="34" charset="0"/>
-              </a:defRPr>
-            </a:lvl8pPr>
-            <a:lvl9pPr marL="3886200" indent="-228600" eaLnBrk="0" fontAlgn="base" hangingPunct="0">
-              <a:spcBef>
-                <a:spcPct val="0"/>
-              </a:spcBef>
-              <a:spcAft>
-                <a:spcPct val="0"/>
-              </a:spcAft>
-              <a:defRPr>
-                <a:solidFill>
-                  <a:schemeClr val="tx1"/>
-                </a:solidFill>
-                <a:latin typeface="Calibri" panose="020F0502020204030204" pitchFamily="34" charset="0"/>
-              </a:defRPr>
-            </a:lvl9pPr>
-          </a:lstStyle>
-          <a:p>
-            <a:pPr algn="ctr" eaLnBrk="1" hangingPunct="1"/>
-            <a:r>
-              <a:rPr lang="en-US" altLang="en-US" sz="1200" dirty="0">
-                <a:latin typeface="Arial" panose="020B0604020202020204" pitchFamily="34" charset="0"/>
-                <a:ea typeface="Amazon Ember" panose="020B0603020204020204" pitchFamily="34" charset="0"/>
-                <a:cs typeface="Arial" panose="020B0604020202020204" pitchFamily="34" charset="0"/>
-              </a:rPr>
-              <a:t>Amazon EventBridge</a:t>
-            </a:r>
-          </a:p>
-        </p:txBody>
-      </p:sp>
-      <p:pic>
-        <p:nvPicPr>
-          <p:cNvPr id="160" name="Graphic 17">
-            <a:extLst>
-              <a:ext uri="{FF2B5EF4-FFF2-40B4-BE49-F238E27FC236}">
-                <a16:creationId xmlns:a16="http://schemas.microsoft.com/office/drawing/2014/main" id="{86911E8A-666D-4730-B2C6-0939FDC4448E}"/>
-              </a:ext>
-            </a:extLst>
-          </p:cNvPr>
-          <p:cNvPicPr>
-            <a:picLocks noChangeAspect="1" noChangeArrowheads="1"/>
-          </p:cNvPicPr>
-          <p:nvPr/>
-        </p:nvPicPr>
-        <p:blipFill>
-          <a:blip r:embed="rId16">
-            <a:extLst>
-              <a:ext uri="{28A0092B-C50C-407E-A947-70E740481C1C}">
-                <a14:useLocalDpi xmlns:a14="http://schemas.microsoft.com/office/drawing/2010/main" val="0"/>
-              </a:ext>
-            </a:extLst>
-          </a:blip>
-          <a:srcRect/>
-          <a:stretch>
-            <a:fillRect/>
-          </a:stretch>
-        </p:blipFill>
-        <p:spPr bwMode="auto">
-          <a:xfrm>
-            <a:off x="10492511" y="859237"/>
-            <a:ext cx="762000" cy="762000"/>
-          </a:xfrm>
-          <a:prstGeom prst="rect">
-            <a:avLst/>
-          </a:prstGeom>
-          <a:noFill/>
-          <a:ln>
-            <a:noFill/>
-          </a:ln>
-          <a:extLst>
-            <a:ext uri="{909E8E84-426E-40DD-AFC4-6F175D3DCCD1}">
-              <a14:hiddenFill xmlns:a14="http://schemas.microsoft.com/office/drawing/2010/main">
-                <a:solidFill>
-                  <a:srgbClr val="FFFFFF"/>
-                </a:solidFill>
-              </a14:hiddenFill>
-            </a:ext>
-            <a:ext uri="{91240B29-F687-4F45-9708-019B960494DF}">
-              <a14:hiddenLine xmlns:a14="http://schemas.microsoft.com/office/drawing/2010/main" w="9525">
-                <a:solidFill>
-                  <a:srgbClr val="000000"/>
-                </a:solidFill>
-                <a:miter lim="800000"/>
-                <a:headEnd/>
-                <a:tailEnd/>
-              </a14:hiddenLine>
-            </a:ext>
-          </a:extLst>
-        </p:spPr>
-      </p:pic>
-      <p:sp>
-        <p:nvSpPr>
-          <p:cNvPr id="161" name="TextBox 9">
-            <a:extLst>
-              <a:ext uri="{FF2B5EF4-FFF2-40B4-BE49-F238E27FC236}">
-                <a16:creationId xmlns:a16="http://schemas.microsoft.com/office/drawing/2014/main" id="{C8E2ABA0-CB5C-443C-A7CA-61F64F561C3D}"/>
-              </a:ext>
-            </a:extLst>
-          </p:cNvPr>
-          <p:cNvSpPr txBox="1">
-            <a:spLocks noChangeArrowheads="1"/>
-          </p:cNvSpPr>
-          <p:nvPr/>
-        </p:nvSpPr>
-        <p:spPr bwMode="auto">
-          <a:xfrm>
-            <a:off x="9768576" y="1700044"/>
-            <a:ext cx="2268537" cy="276999"/>
-          </a:xfrm>
-          <a:prstGeom prst="rect">
-            <a:avLst/>
-          </a:prstGeom>
-          <a:noFill/>
-          <a:ln>
-            <a:noFill/>
-          </a:ln>
-          <a:extLst>
-            <a:ext uri="{909E8E84-426E-40DD-AFC4-6F175D3DCCD1}">
-              <a14:hiddenFill xmlns:a14="http://schemas.microsoft.com/office/drawing/2010/main">
-                <a:solidFill>
-                  <a:srgbClr val="FFFFFF"/>
-                </a:solidFill>
-              </a14:hiddenFill>
-            </a:ext>
-            <a:ext uri="{91240B29-F687-4F45-9708-019B960494DF}">
-              <a14:hiddenLine xmlns:a14="http://schemas.microsoft.com/office/drawing/2010/main" w="9525">
-                <a:solidFill>
-                  <a:srgbClr val="000000"/>
-                </a:solidFill>
-                <a:miter lim="800000"/>
-                <a:headEnd/>
-                <a:tailEnd/>
-              </a14:hiddenLine>
-            </a:ext>
-          </a:extLst>
-        </p:spPr>
-        <p:txBody>
-          <a:bodyPr>
-            <a:spAutoFit/>
-          </a:bodyPr>
-          <a:lstStyle>
-            <a:lvl1pPr>
-              <a:defRPr>
-                <a:solidFill>
-                  <a:schemeClr val="tx1"/>
-                </a:solidFill>
-                <a:latin typeface="Calibri" panose="020F0502020204030204" pitchFamily="34" charset="0"/>
-              </a:defRPr>
-            </a:lvl1pPr>
-            <a:lvl2pPr marL="742950" indent="-285750">
-              <a:defRPr>
-                <a:solidFill>
-                  <a:schemeClr val="tx1"/>
-                </a:solidFill>
-                <a:latin typeface="Calibri" panose="020F0502020204030204" pitchFamily="34" charset="0"/>
-              </a:defRPr>
-            </a:lvl2pPr>
-            <a:lvl3pPr marL="1143000" indent="-228600">
-              <a:defRPr>
-                <a:solidFill>
-                  <a:schemeClr val="tx1"/>
-                </a:solidFill>
-                <a:latin typeface="Calibri" panose="020F0502020204030204" pitchFamily="34" charset="0"/>
-              </a:defRPr>
-            </a:lvl3pPr>
-            <a:lvl4pPr marL="1600200" indent="-228600">
-              <a:defRPr>
-                <a:solidFill>
-                  <a:schemeClr val="tx1"/>
-                </a:solidFill>
-                <a:latin typeface="Calibri" panose="020F0502020204030204" pitchFamily="34" charset="0"/>
-              </a:defRPr>
-            </a:lvl4pPr>
-            <a:lvl5pPr marL="2057400" indent="-228600">
-              <a:defRPr>
-                <a:solidFill>
-                  <a:schemeClr val="tx1"/>
-                </a:solidFill>
-                <a:latin typeface="Calibri" panose="020F0502020204030204" pitchFamily="34" charset="0"/>
-              </a:defRPr>
-            </a:lvl5pPr>
-            <a:lvl6pPr marL="2514600" indent="-228600" eaLnBrk="0" fontAlgn="base" hangingPunct="0">
-              <a:spcBef>
-                <a:spcPct val="0"/>
-              </a:spcBef>
-              <a:spcAft>
-                <a:spcPct val="0"/>
-              </a:spcAft>
-              <a:defRPr>
-                <a:solidFill>
-                  <a:schemeClr val="tx1"/>
-                </a:solidFill>
-                <a:latin typeface="Calibri" panose="020F0502020204030204" pitchFamily="34" charset="0"/>
-              </a:defRPr>
-            </a:lvl6pPr>
-            <a:lvl7pPr marL="2971800" indent="-228600" eaLnBrk="0" fontAlgn="base" hangingPunct="0">
-              <a:spcBef>
-                <a:spcPct val="0"/>
-              </a:spcBef>
-              <a:spcAft>
-                <a:spcPct val="0"/>
-              </a:spcAft>
-              <a:defRPr>
-                <a:solidFill>
-                  <a:schemeClr val="tx1"/>
-                </a:solidFill>
-                <a:latin typeface="Calibri" panose="020F0502020204030204" pitchFamily="34" charset="0"/>
-              </a:defRPr>
-            </a:lvl7pPr>
-            <a:lvl8pPr marL="3429000" indent="-228600" eaLnBrk="0" fontAlgn="base" hangingPunct="0">
-              <a:spcBef>
-                <a:spcPct val="0"/>
-              </a:spcBef>
-              <a:spcAft>
-                <a:spcPct val="0"/>
-              </a:spcAft>
-              <a:defRPr>
-                <a:solidFill>
-                  <a:schemeClr val="tx1"/>
-                </a:solidFill>
-                <a:latin typeface="Calibri" panose="020F0502020204030204" pitchFamily="34" charset="0"/>
-              </a:defRPr>
-            </a:lvl8pPr>
-            <a:lvl9pPr marL="3886200" indent="-228600" eaLnBrk="0" fontAlgn="base" hangingPunct="0">
-              <a:spcBef>
-                <a:spcPct val="0"/>
-              </a:spcBef>
-              <a:spcAft>
-                <a:spcPct val="0"/>
-              </a:spcAft>
-              <a:defRPr>
-                <a:solidFill>
-                  <a:schemeClr val="tx1"/>
-                </a:solidFill>
-                <a:latin typeface="Calibri" panose="020F0502020204030204" pitchFamily="34" charset="0"/>
-              </a:defRPr>
-            </a:lvl9pPr>
-          </a:lstStyle>
-          <a:p>
-            <a:pPr algn="ctr" eaLnBrk="1" hangingPunct="1"/>
-            <a:r>
-              <a:rPr lang="en-US" altLang="en-US" sz="1200" dirty="0">
-                <a:latin typeface="Arial" panose="020B0604020202020204" pitchFamily="34" charset="0"/>
-                <a:ea typeface="Amazon Ember" panose="020B0603020204020204" pitchFamily="34" charset="0"/>
-                <a:cs typeface="Arial" panose="020B0604020202020204" pitchFamily="34" charset="0"/>
-              </a:rPr>
-              <a:t>AWS Step Functions</a:t>
-            </a:r>
-          </a:p>
-        </p:txBody>
-      </p:sp>
-      <p:pic>
-        <p:nvPicPr>
-          <p:cNvPr id="162" name="Graphic 10">
-            <a:extLst>
-              <a:ext uri="{FF2B5EF4-FFF2-40B4-BE49-F238E27FC236}">
-                <a16:creationId xmlns:a16="http://schemas.microsoft.com/office/drawing/2014/main" id="{1CF8761D-622D-44A6-8F18-BB16F6459D17}"/>
-              </a:ext>
-            </a:extLst>
-          </p:cNvPr>
-          <p:cNvPicPr>
-            <a:picLocks noChangeAspect="1" noChangeArrowheads="1"/>
-          </p:cNvPicPr>
-          <p:nvPr/>
-        </p:nvPicPr>
-        <p:blipFill>
-          <a:blip r:embed="rId17">
-            <a:extLst>
-              <a:ext uri="{28A0092B-C50C-407E-A947-70E740481C1C}">
-                <a14:useLocalDpi xmlns:a14="http://schemas.microsoft.com/office/drawing/2010/main" val="0"/>
-              </a:ext>
-            </a:extLst>
-          </a:blip>
-          <a:srcRect/>
-          <a:stretch>
-            <a:fillRect/>
-          </a:stretch>
-        </p:blipFill>
-        <p:spPr bwMode="auto">
-          <a:xfrm>
-            <a:off x="10513186" y="4859031"/>
-            <a:ext cx="762000" cy="762000"/>
-          </a:xfrm>
-          <a:prstGeom prst="rect">
-            <a:avLst/>
-          </a:prstGeom>
-          <a:noFill/>
-          <a:ln>
-            <a:noFill/>
-          </a:ln>
-          <a:extLst>
-            <a:ext uri="{909E8E84-426E-40DD-AFC4-6F175D3DCCD1}">
-              <a14:hiddenFill xmlns:a14="http://schemas.microsoft.com/office/drawing/2010/main">
-                <a:solidFill>
-                  <a:srgbClr val="FFFFFF"/>
-                </a:solidFill>
-              </a14:hiddenFill>
-            </a:ext>
-            <a:ext uri="{91240B29-F687-4F45-9708-019B960494DF}">
-              <a14:hiddenLine xmlns:a14="http://schemas.microsoft.com/office/drawing/2010/main" w="9525">
-                <a:solidFill>
-                  <a:srgbClr val="000000"/>
-                </a:solidFill>
-                <a:miter lim="800000"/>
-                <a:headEnd/>
-                <a:tailEnd/>
-              </a14:hiddenLine>
-            </a:ext>
-          </a:extLst>
-        </p:spPr>
-      </p:pic>
-      <p:sp>
-        <p:nvSpPr>
-          <p:cNvPr id="165" name="TextBox 20">
-            <a:extLst>
-              <a:ext uri="{FF2B5EF4-FFF2-40B4-BE49-F238E27FC236}">
-                <a16:creationId xmlns:a16="http://schemas.microsoft.com/office/drawing/2014/main" id="{8D5F085C-BD65-46D8-850B-7156E7788A12}"/>
-              </a:ext>
-            </a:extLst>
-          </p:cNvPr>
-          <p:cNvSpPr txBox="1">
-            <a:spLocks noChangeArrowheads="1"/>
-          </p:cNvSpPr>
-          <p:nvPr/>
-        </p:nvSpPr>
-        <p:spPr bwMode="auto">
-          <a:xfrm>
-            <a:off x="9782342" y="5699026"/>
-            <a:ext cx="2292350" cy="276999"/>
-          </a:xfrm>
-          <a:prstGeom prst="rect">
-            <a:avLst/>
-          </a:prstGeom>
-          <a:noFill/>
-          <a:ln>
-            <a:noFill/>
-          </a:ln>
-          <a:extLst>
-            <a:ext uri="{909E8E84-426E-40DD-AFC4-6F175D3DCCD1}">
-              <a14:hiddenFill xmlns:a14="http://schemas.microsoft.com/office/drawing/2010/main">
-                <a:solidFill>
-                  <a:srgbClr val="FFFFFF"/>
-                </a:solidFill>
-              </a14:hiddenFill>
-            </a:ext>
-            <a:ext uri="{91240B29-F687-4F45-9708-019B960494DF}">
-              <a14:hiddenLine xmlns:a14="http://schemas.microsoft.com/office/drawing/2010/main" w="9525">
-                <a:solidFill>
-                  <a:srgbClr val="000000"/>
-                </a:solidFill>
-                <a:miter lim="800000"/>
-                <a:headEnd/>
-                <a:tailEnd/>
-              </a14:hiddenLine>
-            </a:ext>
-          </a:extLst>
-        </p:spPr>
-        <p:txBody>
-          <a:bodyPr>
-            <a:spAutoFit/>
-          </a:bodyPr>
-          <a:lstStyle>
-            <a:lvl1pPr>
-              <a:defRPr>
-                <a:solidFill>
-                  <a:schemeClr val="tx1"/>
-                </a:solidFill>
-                <a:latin typeface="Calibri" panose="020F0502020204030204" pitchFamily="34" charset="0"/>
-              </a:defRPr>
-            </a:lvl1pPr>
-            <a:lvl2pPr marL="742950" indent="-285750">
-              <a:defRPr>
-                <a:solidFill>
-                  <a:schemeClr val="tx1"/>
-                </a:solidFill>
-                <a:latin typeface="Calibri" panose="020F0502020204030204" pitchFamily="34" charset="0"/>
-              </a:defRPr>
-            </a:lvl2pPr>
-            <a:lvl3pPr marL="1143000" indent="-228600">
-              <a:defRPr>
-                <a:solidFill>
-                  <a:schemeClr val="tx1"/>
-                </a:solidFill>
-                <a:latin typeface="Calibri" panose="020F0502020204030204" pitchFamily="34" charset="0"/>
-              </a:defRPr>
-            </a:lvl3pPr>
-            <a:lvl4pPr marL="1600200" indent="-228600">
-              <a:defRPr>
-                <a:solidFill>
-                  <a:schemeClr val="tx1"/>
-                </a:solidFill>
-                <a:latin typeface="Calibri" panose="020F0502020204030204" pitchFamily="34" charset="0"/>
-              </a:defRPr>
-            </a:lvl4pPr>
-            <a:lvl5pPr marL="2057400" indent="-228600">
-              <a:defRPr>
-                <a:solidFill>
-                  <a:schemeClr val="tx1"/>
-                </a:solidFill>
-                <a:latin typeface="Calibri" panose="020F0502020204030204" pitchFamily="34" charset="0"/>
-              </a:defRPr>
-            </a:lvl5pPr>
-            <a:lvl6pPr marL="2514600" indent="-228600" eaLnBrk="0" fontAlgn="base" hangingPunct="0">
-              <a:spcBef>
-                <a:spcPct val="0"/>
-              </a:spcBef>
-              <a:spcAft>
-                <a:spcPct val="0"/>
-              </a:spcAft>
-              <a:defRPr>
-                <a:solidFill>
-                  <a:schemeClr val="tx1"/>
-                </a:solidFill>
-                <a:latin typeface="Calibri" panose="020F0502020204030204" pitchFamily="34" charset="0"/>
-              </a:defRPr>
-            </a:lvl6pPr>
-            <a:lvl7pPr marL="2971800" indent="-228600" eaLnBrk="0" fontAlgn="base" hangingPunct="0">
-              <a:spcBef>
-                <a:spcPct val="0"/>
-              </a:spcBef>
-              <a:spcAft>
-                <a:spcPct val="0"/>
-              </a:spcAft>
-              <a:defRPr>
-                <a:solidFill>
-                  <a:schemeClr val="tx1"/>
-                </a:solidFill>
-                <a:latin typeface="Calibri" panose="020F0502020204030204" pitchFamily="34" charset="0"/>
-              </a:defRPr>
-            </a:lvl7pPr>
-            <a:lvl8pPr marL="3429000" indent="-228600" eaLnBrk="0" fontAlgn="base" hangingPunct="0">
-              <a:spcBef>
-                <a:spcPct val="0"/>
-              </a:spcBef>
-              <a:spcAft>
-                <a:spcPct val="0"/>
-              </a:spcAft>
-              <a:defRPr>
-                <a:solidFill>
-                  <a:schemeClr val="tx1"/>
-                </a:solidFill>
-                <a:latin typeface="Calibri" panose="020F0502020204030204" pitchFamily="34" charset="0"/>
-              </a:defRPr>
-            </a:lvl8pPr>
-            <a:lvl9pPr marL="3886200" indent="-228600" eaLnBrk="0" fontAlgn="base" hangingPunct="0">
-              <a:spcBef>
-                <a:spcPct val="0"/>
-              </a:spcBef>
-              <a:spcAft>
-                <a:spcPct val="0"/>
-              </a:spcAft>
-              <a:defRPr>
-                <a:solidFill>
-                  <a:schemeClr val="tx1"/>
-                </a:solidFill>
-                <a:latin typeface="Calibri" panose="020F0502020204030204" pitchFamily="34" charset="0"/>
-              </a:defRPr>
-            </a:lvl9pPr>
-          </a:lstStyle>
-          <a:p>
-            <a:pPr algn="ctr" eaLnBrk="1" hangingPunct="1"/>
-            <a:r>
-              <a:rPr lang="en-US" altLang="en-US" sz="1200" dirty="0">
-                <a:latin typeface="Arial" panose="020B0604020202020204" pitchFamily="34" charset="0"/>
-                <a:ea typeface="Amazon Ember" panose="020B0603020204020204" pitchFamily="34" charset="0"/>
-                <a:cs typeface="Arial" panose="020B0604020202020204" pitchFamily="34" charset="0"/>
-              </a:rPr>
-              <a:t>AWS Lambda</a:t>
-            </a:r>
-          </a:p>
-        </p:txBody>
-      </p:sp>
-      <p:pic>
-        <p:nvPicPr>
-          <p:cNvPr id="190" name="Graphic 17">
-            <a:extLst>
-              <a:ext uri="{FF2B5EF4-FFF2-40B4-BE49-F238E27FC236}">
-                <a16:creationId xmlns:a16="http://schemas.microsoft.com/office/drawing/2014/main" id="{2D75DB13-3873-46DA-B759-7CF328C4CB70}"/>
-              </a:ext>
-            </a:extLst>
-          </p:cNvPr>
-          <p:cNvPicPr>
-            <a:picLocks noChangeAspect="1" noChangeArrowheads="1"/>
-          </p:cNvPicPr>
-          <p:nvPr/>
-        </p:nvPicPr>
-        <p:blipFill>
-          <a:blip r:embed="rId18">
-            <a:extLst>
-              <a:ext uri="{28A0092B-C50C-407E-A947-70E740481C1C}">
-                <a14:useLocalDpi xmlns:a14="http://schemas.microsoft.com/office/drawing/2010/main" val="0"/>
-              </a:ext>
-            </a:extLst>
-          </a:blip>
-          <a:srcRect/>
-          <a:stretch>
-            <a:fillRect/>
-          </a:stretch>
-        </p:blipFill>
-        <p:spPr bwMode="auto">
-          <a:xfrm>
-            <a:off x="10513186" y="3486090"/>
-            <a:ext cx="762000" cy="762000"/>
-          </a:xfrm>
-          <a:prstGeom prst="rect">
-            <a:avLst/>
-          </a:prstGeom>
-          <a:noFill/>
-          <a:ln>
-            <a:noFill/>
-          </a:ln>
-          <a:extLst>
-            <a:ext uri="{909E8E84-426E-40DD-AFC4-6F175D3DCCD1}">
-              <a14:hiddenFill xmlns:a14="http://schemas.microsoft.com/office/drawing/2010/main">
-                <a:solidFill>
-                  <a:srgbClr val="FFFFFF"/>
-                </a:solidFill>
-              </a14:hiddenFill>
-            </a:ext>
-            <a:ext uri="{91240B29-F687-4F45-9708-019B960494DF}">
-              <a14:hiddenLine xmlns:a14="http://schemas.microsoft.com/office/drawing/2010/main" w="9525">
-                <a:solidFill>
-                  <a:srgbClr val="000000"/>
-                </a:solidFill>
-                <a:miter lim="800000"/>
-                <a:headEnd/>
-                <a:tailEnd/>
-              </a14:hiddenLine>
-            </a:ext>
-          </a:extLst>
-        </p:spPr>
-      </p:pic>
-      <p:sp>
-        <p:nvSpPr>
-          <p:cNvPr id="192" name="TextBox 11">
-            <a:extLst>
-              <a:ext uri="{FF2B5EF4-FFF2-40B4-BE49-F238E27FC236}">
-                <a16:creationId xmlns:a16="http://schemas.microsoft.com/office/drawing/2014/main" id="{7EFD9ECE-EC39-4A10-A5CC-4F3ABEAD3A53}"/>
-              </a:ext>
-            </a:extLst>
-          </p:cNvPr>
-          <p:cNvSpPr txBox="1">
-            <a:spLocks noChangeArrowheads="1"/>
-          </p:cNvSpPr>
-          <p:nvPr/>
-        </p:nvSpPr>
-        <p:spPr bwMode="auto">
-          <a:xfrm>
-            <a:off x="9782342" y="4323354"/>
-            <a:ext cx="2292350" cy="276999"/>
-          </a:xfrm>
-          <a:prstGeom prst="rect">
-            <a:avLst/>
-          </a:prstGeom>
-          <a:noFill/>
-          <a:ln>
-            <a:noFill/>
-          </a:ln>
-          <a:extLst>
-            <a:ext uri="{909E8E84-426E-40DD-AFC4-6F175D3DCCD1}">
-              <a14:hiddenFill xmlns:a14="http://schemas.microsoft.com/office/drawing/2010/main">
-                <a:solidFill>
-                  <a:srgbClr val="FFFFFF"/>
-                </a:solidFill>
-              </a14:hiddenFill>
-            </a:ext>
-            <a:ext uri="{91240B29-F687-4F45-9708-019B960494DF}">
-              <a14:hiddenLine xmlns:a14="http://schemas.microsoft.com/office/drawing/2010/main" w="9525">
-                <a:solidFill>
-                  <a:srgbClr val="000000"/>
-                </a:solidFill>
-                <a:miter lim="800000"/>
-                <a:headEnd/>
-                <a:tailEnd/>
-              </a14:hiddenLine>
-            </a:ext>
-          </a:extLst>
-        </p:spPr>
-        <p:txBody>
-          <a:bodyPr>
-            <a:spAutoFit/>
-          </a:bodyPr>
-          <a:lstStyle>
-            <a:lvl1pPr>
-              <a:defRPr>
-                <a:solidFill>
-                  <a:schemeClr val="tx1"/>
-                </a:solidFill>
-                <a:latin typeface="Calibri" panose="020F0502020204030204" pitchFamily="34" charset="0"/>
-              </a:defRPr>
-            </a:lvl1pPr>
-            <a:lvl2pPr marL="742950" indent="-285750">
-              <a:defRPr>
-                <a:solidFill>
-                  <a:schemeClr val="tx1"/>
-                </a:solidFill>
-                <a:latin typeface="Calibri" panose="020F0502020204030204" pitchFamily="34" charset="0"/>
-              </a:defRPr>
-            </a:lvl2pPr>
-            <a:lvl3pPr marL="1143000" indent="-228600">
-              <a:defRPr>
-                <a:solidFill>
-                  <a:schemeClr val="tx1"/>
-                </a:solidFill>
-                <a:latin typeface="Calibri" panose="020F0502020204030204" pitchFamily="34" charset="0"/>
-              </a:defRPr>
-            </a:lvl3pPr>
-            <a:lvl4pPr marL="1600200" indent="-228600">
-              <a:defRPr>
-                <a:solidFill>
-                  <a:schemeClr val="tx1"/>
-                </a:solidFill>
-                <a:latin typeface="Calibri" panose="020F0502020204030204" pitchFamily="34" charset="0"/>
-              </a:defRPr>
-            </a:lvl4pPr>
-            <a:lvl5pPr marL="2057400" indent="-228600">
-              <a:defRPr>
-                <a:solidFill>
-                  <a:schemeClr val="tx1"/>
-                </a:solidFill>
-                <a:latin typeface="Calibri" panose="020F0502020204030204" pitchFamily="34" charset="0"/>
-              </a:defRPr>
-            </a:lvl5pPr>
-            <a:lvl6pPr marL="2514600" indent="-228600" eaLnBrk="0" fontAlgn="base" hangingPunct="0">
-              <a:spcBef>
-                <a:spcPct val="0"/>
-              </a:spcBef>
-              <a:spcAft>
-                <a:spcPct val="0"/>
-              </a:spcAft>
-              <a:defRPr>
-                <a:solidFill>
-                  <a:schemeClr val="tx1"/>
-                </a:solidFill>
-                <a:latin typeface="Calibri" panose="020F0502020204030204" pitchFamily="34" charset="0"/>
-              </a:defRPr>
-            </a:lvl6pPr>
-            <a:lvl7pPr marL="2971800" indent="-228600" eaLnBrk="0" fontAlgn="base" hangingPunct="0">
-              <a:spcBef>
-                <a:spcPct val="0"/>
-              </a:spcBef>
-              <a:spcAft>
-                <a:spcPct val="0"/>
-              </a:spcAft>
-              <a:defRPr>
-                <a:solidFill>
-                  <a:schemeClr val="tx1"/>
-                </a:solidFill>
-                <a:latin typeface="Calibri" panose="020F0502020204030204" pitchFamily="34" charset="0"/>
-              </a:defRPr>
-            </a:lvl7pPr>
-            <a:lvl8pPr marL="3429000" indent="-228600" eaLnBrk="0" fontAlgn="base" hangingPunct="0">
-              <a:spcBef>
-                <a:spcPct val="0"/>
-              </a:spcBef>
-              <a:spcAft>
-                <a:spcPct val="0"/>
-              </a:spcAft>
-              <a:defRPr>
-                <a:solidFill>
-                  <a:schemeClr val="tx1"/>
-                </a:solidFill>
-                <a:latin typeface="Calibri" panose="020F0502020204030204" pitchFamily="34" charset="0"/>
-              </a:defRPr>
-            </a:lvl8pPr>
-            <a:lvl9pPr marL="3886200" indent="-228600" eaLnBrk="0" fontAlgn="base" hangingPunct="0">
-              <a:spcBef>
-                <a:spcPct val="0"/>
-              </a:spcBef>
-              <a:spcAft>
-                <a:spcPct val="0"/>
-              </a:spcAft>
-              <a:defRPr>
-                <a:solidFill>
-                  <a:schemeClr val="tx1"/>
-                </a:solidFill>
-                <a:latin typeface="Calibri" panose="020F0502020204030204" pitchFamily="34" charset="0"/>
-              </a:defRPr>
-            </a:lvl9pPr>
-          </a:lstStyle>
-          <a:p>
-            <a:pPr algn="ctr" eaLnBrk="1" hangingPunct="1"/>
-            <a:r>
-              <a:rPr lang="en-US" altLang="en-US" sz="1200" dirty="0">
-                <a:latin typeface="Arial" panose="020B0604020202020204" pitchFamily="34" charset="0"/>
-                <a:ea typeface="Amazon Ember" panose="020B0603020204020204" pitchFamily="34" charset="0"/>
-                <a:cs typeface="Arial" panose="020B0604020202020204" pitchFamily="34" charset="0"/>
-              </a:rPr>
-              <a:t>AWS Secrets Manager</a:t>
-            </a:r>
-          </a:p>
-        </p:txBody>
-      </p:sp>
-      <p:pic>
-        <p:nvPicPr>
-          <p:cNvPr id="199" name="Graphic 62">
-            <a:extLst>
-              <a:ext uri="{FF2B5EF4-FFF2-40B4-BE49-F238E27FC236}">
-                <a16:creationId xmlns:a16="http://schemas.microsoft.com/office/drawing/2014/main" id="{E1F53F0F-75D7-46C2-8FD5-BD3C909587D0}"/>
-              </a:ext>
-            </a:extLst>
-          </p:cNvPr>
-          <p:cNvPicPr>
-            <a:picLocks noChangeAspect="1" noChangeArrowheads="1"/>
-          </p:cNvPicPr>
-          <p:nvPr/>
-        </p:nvPicPr>
-        <p:blipFill>
-          <a:blip r:embed="rId19">
-            <a:extLst>
-              <a:ext uri="{28A0092B-C50C-407E-A947-70E740481C1C}">
-                <a14:useLocalDpi xmlns:a14="http://schemas.microsoft.com/office/drawing/2010/main" val="0"/>
-              </a:ext>
-            </a:extLst>
-          </a:blip>
-          <a:srcRect/>
-          <a:stretch>
-            <a:fillRect/>
-          </a:stretch>
-        </p:blipFill>
-        <p:spPr bwMode="auto">
-          <a:xfrm>
-            <a:off x="3405463" y="4914098"/>
-            <a:ext cx="457200" cy="457200"/>
-          </a:xfrm>
-          <a:prstGeom prst="rect">
-            <a:avLst/>
-          </a:prstGeom>
-          <a:noFill/>
-          <a:ln>
-            <a:noFill/>
-          </a:ln>
-          <a:extLst>
-            <a:ext uri="{909E8E84-426E-40DD-AFC4-6F175D3DCCD1}">
-              <a14:hiddenFill xmlns:a14="http://schemas.microsoft.com/office/drawing/2010/main">
-                <a:solidFill>
-                  <a:srgbClr val="FFFFFF"/>
-                </a:solidFill>
-              </a14:hiddenFill>
-            </a:ext>
-            <a:ext uri="{91240B29-F687-4F45-9708-019B960494DF}">
-              <a14:hiddenLine xmlns:a14="http://schemas.microsoft.com/office/drawing/2010/main" w="9525">
-                <a:solidFill>
-                  <a:srgbClr val="000000"/>
-                </a:solidFill>
-                <a:miter lim="800000"/>
-                <a:headEnd/>
-                <a:tailEnd/>
-              </a14:hiddenLine>
-            </a:ext>
-          </a:extLst>
-        </p:spPr>
-      </p:pic>
-      <p:sp>
-        <p:nvSpPr>
-          <p:cNvPr id="223" name="Rectangle 222">
-            <a:extLst>
-              <a:ext uri="{FF2B5EF4-FFF2-40B4-BE49-F238E27FC236}">
-                <a16:creationId xmlns:a16="http://schemas.microsoft.com/office/drawing/2014/main" id="{A2BBECFE-DF23-466E-ACC2-A9DE98D5AF35}"/>
-              </a:ext>
-            </a:extLst>
-          </p:cNvPr>
-          <p:cNvSpPr/>
-          <p:nvPr/>
-        </p:nvSpPr>
-        <p:spPr>
-          <a:xfrm>
-            <a:off x="7331727" y="1365097"/>
-            <a:ext cx="2533228" cy="2872061"/>
-          </a:xfrm>
-          <a:prstGeom prst="rect">
-            <a:avLst/>
-          </a:prstGeom>
-          <a:noFill/>
-          <a:ln w="12700">
-            <a:solidFill>
-              <a:srgbClr val="1E8900"/>
-            </a:solidFill>
-          </a:ln>
-        </p:spPr>
-        <p:style>
-          <a:lnRef idx="2">
-            <a:schemeClr val="accent1">
-              <a:shade val="50000"/>
-            </a:schemeClr>
-          </a:lnRef>
-          <a:fillRef idx="1">
-            <a:schemeClr val="accent1"/>
-          </a:fillRef>
-          <a:effectRef idx="0">
-            <a:schemeClr val="accent1"/>
-          </a:effectRef>
-          <a:fontRef idx="minor">
-            <a:schemeClr val="lt1"/>
-          </a:fontRef>
-        </p:style>
-        <p:txBody>
-          <a:bodyPr lIns="502920" tIns="91440"/>
-          <a:lstStyle/>
-          <a:p>
-            <a:pPr eaLnBrk="1" fontAlgn="auto" hangingPunct="1">
-              <a:spcBef>
-                <a:spcPts val="0"/>
-              </a:spcBef>
-              <a:spcAft>
-                <a:spcPts val="0"/>
-              </a:spcAft>
-              <a:defRPr/>
-            </a:pPr>
-            <a:r>
-              <a:rPr lang="en-US" sz="1200" dirty="0">
-                <a:ln w="0"/>
-                <a:solidFill>
-                  <a:srgbClr val="1E8900"/>
-                </a:solidFill>
-                <a:latin typeface="Arial" panose="020B0604020202020204" pitchFamily="34" charset="0"/>
-                <a:cs typeface="Arial" panose="020B0604020202020204" pitchFamily="34" charset="0"/>
-              </a:rPr>
-              <a:t>Transit VPC</a:t>
-            </a:r>
-          </a:p>
-        </p:txBody>
-      </p:sp>
-      <p:pic>
-        <p:nvPicPr>
-          <p:cNvPr id="224" name="Graphic 223">
-            <a:extLst>
-              <a:ext uri="{FF2B5EF4-FFF2-40B4-BE49-F238E27FC236}">
-                <a16:creationId xmlns:a16="http://schemas.microsoft.com/office/drawing/2014/main" id="{DE56AF96-FCB7-4C43-94BB-F9C7106F02A6}"/>
-              </a:ext>
-            </a:extLst>
-          </p:cNvPr>
-          <p:cNvPicPr>
-            <a:picLocks noChangeAspect="1"/>
-          </p:cNvPicPr>
-          <p:nvPr/>
-        </p:nvPicPr>
-        <p:blipFill>
-          <a:blip r:embed="rId7">
-            <a:extLst>
-              <a:ext uri="{96DAC541-7B7A-43D3-8B79-37D633B846F1}">
-                <asvg:svgBlip xmlns:asvg="http://schemas.microsoft.com/office/drawing/2016/SVG/main" r:embed="rId8"/>
-              </a:ext>
-            </a:extLst>
-          </a:blip>
-          <a:stretch>
-            <a:fillRect/>
-          </a:stretch>
-        </p:blipFill>
-        <p:spPr>
-          <a:xfrm>
-            <a:off x="7310029" y="1360813"/>
-            <a:ext cx="381000" cy="381000"/>
-          </a:xfrm>
-          <a:prstGeom prst="rect">
-            <a:avLst/>
-          </a:prstGeom>
-        </p:spPr>
-      </p:pic>
-      <p:sp>
-        <p:nvSpPr>
-          <p:cNvPr id="225" name="Rectangle 224">
-            <a:extLst>
-              <a:ext uri="{FF2B5EF4-FFF2-40B4-BE49-F238E27FC236}">
-                <a16:creationId xmlns:a16="http://schemas.microsoft.com/office/drawing/2014/main" id="{990A32C3-C347-4924-AEE2-D97BCA5776BE}"/>
-              </a:ext>
-            </a:extLst>
-          </p:cNvPr>
-          <p:cNvSpPr/>
-          <p:nvPr/>
-        </p:nvSpPr>
-        <p:spPr>
-          <a:xfrm>
-            <a:off x="7338273" y="4442934"/>
-            <a:ext cx="2533228" cy="1413511"/>
-          </a:xfrm>
-          <a:prstGeom prst="rect">
-            <a:avLst/>
-          </a:prstGeom>
-          <a:noFill/>
-          <a:ln w="12700">
-            <a:solidFill>
-              <a:srgbClr val="1E8900"/>
-            </a:solidFill>
-          </a:ln>
-        </p:spPr>
-        <p:style>
-          <a:lnRef idx="2">
-            <a:schemeClr val="accent1">
-              <a:shade val="50000"/>
-            </a:schemeClr>
-          </a:lnRef>
-          <a:fillRef idx="1">
-            <a:schemeClr val="accent1"/>
-          </a:fillRef>
-          <a:effectRef idx="0">
-            <a:schemeClr val="accent1"/>
-          </a:effectRef>
-          <a:fontRef idx="minor">
-            <a:schemeClr val="lt1"/>
-          </a:fontRef>
-        </p:style>
-        <p:txBody>
-          <a:bodyPr lIns="502920" tIns="91440"/>
-          <a:lstStyle/>
-          <a:p>
-            <a:pPr eaLnBrk="1" fontAlgn="auto" hangingPunct="1">
-              <a:spcBef>
-                <a:spcPts val="0"/>
-              </a:spcBef>
-              <a:spcAft>
-                <a:spcPts val="0"/>
-              </a:spcAft>
-              <a:defRPr/>
-            </a:pPr>
-            <a:r>
-              <a:rPr lang="en-US" sz="1200" dirty="0">
-                <a:ln w="0"/>
-                <a:solidFill>
-                  <a:srgbClr val="1E8900"/>
-                </a:solidFill>
-                <a:latin typeface="Arial" panose="020B0604020202020204" pitchFamily="34" charset="0"/>
-                <a:cs typeface="Arial" panose="020B0604020202020204" pitchFamily="34" charset="0"/>
-              </a:rPr>
-              <a:t>Workload VPC</a:t>
-            </a:r>
-          </a:p>
-        </p:txBody>
-      </p:sp>
-      <p:pic>
-        <p:nvPicPr>
-          <p:cNvPr id="226" name="Graphic 225">
-            <a:extLst>
-              <a:ext uri="{FF2B5EF4-FFF2-40B4-BE49-F238E27FC236}">
-                <a16:creationId xmlns:a16="http://schemas.microsoft.com/office/drawing/2014/main" id="{1D7067AC-2784-4F97-9773-8533DB7A482A}"/>
-              </a:ext>
-            </a:extLst>
-          </p:cNvPr>
-          <p:cNvPicPr>
-            <a:picLocks noChangeAspect="1"/>
-          </p:cNvPicPr>
-          <p:nvPr/>
-        </p:nvPicPr>
-        <p:blipFill>
-          <a:blip r:embed="rId7">
-            <a:extLst>
-              <a:ext uri="{96DAC541-7B7A-43D3-8B79-37D633B846F1}">
-                <asvg:svgBlip xmlns:asvg="http://schemas.microsoft.com/office/drawing/2016/SVG/main" r:embed="rId8"/>
-              </a:ext>
-            </a:extLst>
-          </a:blip>
-          <a:stretch>
-            <a:fillRect/>
-          </a:stretch>
-        </p:blipFill>
-        <p:spPr>
-          <a:xfrm>
-            <a:off x="7315487" y="4452633"/>
-            <a:ext cx="381000" cy="381000"/>
-          </a:xfrm>
-          <a:prstGeom prst="rect">
-            <a:avLst/>
-          </a:prstGeom>
-        </p:spPr>
-      </p:pic>
-      <p:sp>
-        <p:nvSpPr>
-          <p:cNvPr id="227" name="Rectangle 226">
-            <a:extLst>
-              <a:ext uri="{FF2B5EF4-FFF2-40B4-BE49-F238E27FC236}">
-                <a16:creationId xmlns:a16="http://schemas.microsoft.com/office/drawing/2014/main" id="{EF9E9DB0-E586-4354-83DD-1110FD951D99}"/>
-              </a:ext>
-            </a:extLst>
-          </p:cNvPr>
-          <p:cNvSpPr/>
-          <p:nvPr/>
-        </p:nvSpPr>
-        <p:spPr>
-          <a:xfrm>
-            <a:off x="7567461" y="1840684"/>
-            <a:ext cx="2037325" cy="1110297"/>
-          </a:xfrm>
-          <a:prstGeom prst="rect">
-            <a:avLst/>
-          </a:prstGeom>
-          <a:noFill/>
-          <a:ln w="12700">
-            <a:solidFill>
-              <a:srgbClr val="5B9CD5"/>
-            </a:solidFill>
-            <a:prstDash val="dash"/>
-          </a:ln>
-        </p:spPr>
-        <p:style>
-          <a:lnRef idx="2">
-            <a:schemeClr val="accent1">
-              <a:shade val="50000"/>
-            </a:schemeClr>
-          </a:lnRef>
-          <a:fillRef idx="1">
-            <a:schemeClr val="accent1"/>
-          </a:fillRef>
-          <a:effectRef idx="0">
-            <a:schemeClr val="accent1"/>
-          </a:effectRef>
-          <a:fontRef idx="minor">
-            <a:schemeClr val="lt1"/>
-          </a:fontRef>
-        </p:style>
-        <p:txBody>
-          <a:bodyPr tIns="91440"/>
-          <a:lstStyle/>
-          <a:p>
-            <a:pPr algn="ctr" eaLnBrk="1" fontAlgn="auto" hangingPunct="1">
-              <a:spcBef>
-                <a:spcPts val="0"/>
-              </a:spcBef>
-              <a:spcAft>
-                <a:spcPts val="0"/>
-              </a:spcAft>
-              <a:defRPr/>
-            </a:pPr>
-            <a:r>
-              <a:rPr lang="en-US" sz="1200" dirty="0">
-                <a:solidFill>
-                  <a:srgbClr val="5B9CD5"/>
-                </a:solidFill>
-                <a:latin typeface="Arial" panose="020B0604020202020204" pitchFamily="34" charset="0"/>
-                <a:cs typeface="Arial" panose="020B0604020202020204" pitchFamily="34" charset="0"/>
-              </a:rPr>
-              <a:t>Availability Zone</a:t>
-            </a:r>
-          </a:p>
-        </p:txBody>
-      </p:sp>
-      <p:sp>
-        <p:nvSpPr>
-          <p:cNvPr id="228" name="Rectangle 227">
-            <a:extLst>
-              <a:ext uri="{FF2B5EF4-FFF2-40B4-BE49-F238E27FC236}">
-                <a16:creationId xmlns:a16="http://schemas.microsoft.com/office/drawing/2014/main" id="{1E206E9E-AA75-4E2F-B689-CE50FA820E9E}"/>
-              </a:ext>
-            </a:extLst>
-          </p:cNvPr>
-          <p:cNvSpPr/>
-          <p:nvPr/>
-        </p:nvSpPr>
-        <p:spPr>
-          <a:xfrm>
-            <a:off x="7567460" y="3055882"/>
-            <a:ext cx="2037325" cy="1106424"/>
-          </a:xfrm>
-          <a:prstGeom prst="rect">
-            <a:avLst/>
-          </a:prstGeom>
-          <a:noFill/>
-          <a:ln w="12700">
-            <a:solidFill>
-              <a:srgbClr val="5B9CD5"/>
-            </a:solidFill>
-            <a:prstDash val="dash"/>
-          </a:ln>
-        </p:spPr>
-        <p:style>
-          <a:lnRef idx="2">
-            <a:schemeClr val="accent1">
-              <a:shade val="50000"/>
-            </a:schemeClr>
-          </a:lnRef>
-          <a:fillRef idx="1">
-            <a:schemeClr val="accent1"/>
-          </a:fillRef>
-          <a:effectRef idx="0">
-            <a:schemeClr val="accent1"/>
-          </a:effectRef>
-          <a:fontRef idx="minor">
-            <a:schemeClr val="lt1"/>
-          </a:fontRef>
-        </p:style>
-        <p:txBody>
-          <a:bodyPr tIns="91440"/>
-          <a:lstStyle/>
-          <a:p>
-            <a:pPr algn="ctr" eaLnBrk="1" fontAlgn="auto" hangingPunct="1">
-              <a:spcBef>
-                <a:spcPts val="0"/>
-              </a:spcBef>
-              <a:spcAft>
-                <a:spcPts val="0"/>
-              </a:spcAft>
-              <a:defRPr/>
-            </a:pPr>
-            <a:r>
-              <a:rPr lang="en-US" sz="1200" dirty="0">
-                <a:solidFill>
-                  <a:srgbClr val="5B9CD5"/>
-                </a:solidFill>
-                <a:latin typeface="Arial" panose="020B0604020202020204" pitchFamily="34" charset="0"/>
-                <a:cs typeface="Arial" panose="020B0604020202020204" pitchFamily="34" charset="0"/>
-              </a:rPr>
-              <a:t>Availability Zone</a:t>
-            </a:r>
-          </a:p>
-        </p:txBody>
-      </p:sp>
-      <p:pic>
-        <p:nvPicPr>
-          <p:cNvPr id="229" name="Graphic 60">
-            <a:extLst>
-              <a:ext uri="{FF2B5EF4-FFF2-40B4-BE49-F238E27FC236}">
-                <a16:creationId xmlns:a16="http://schemas.microsoft.com/office/drawing/2014/main" id="{319E7BBD-39FB-4B97-995E-A2F938DAA4C3}"/>
-              </a:ext>
-            </a:extLst>
-          </p:cNvPr>
-          <p:cNvPicPr>
-            <a:picLocks noChangeAspect="1" noChangeArrowheads="1"/>
-          </p:cNvPicPr>
-          <p:nvPr/>
-        </p:nvPicPr>
-        <p:blipFill>
-          <a:blip r:embed="rId13">
-            <a:extLst>
-              <a:ext uri="{28A0092B-C50C-407E-A947-70E740481C1C}">
-                <a14:useLocalDpi xmlns:a14="http://schemas.microsoft.com/office/drawing/2010/main" val="0"/>
-              </a:ext>
-            </a:extLst>
-          </a:blip>
-          <a:srcRect/>
-          <a:stretch>
-            <a:fillRect/>
-          </a:stretch>
-        </p:blipFill>
-        <p:spPr bwMode="auto">
-          <a:xfrm>
-            <a:off x="8395551" y="2181630"/>
-            <a:ext cx="457200" cy="457200"/>
-          </a:xfrm>
-          <a:prstGeom prst="rect">
-            <a:avLst/>
-          </a:prstGeom>
-          <a:noFill/>
-          <a:ln>
-            <a:noFill/>
-          </a:ln>
-          <a:extLst>
-            <a:ext uri="{909E8E84-426E-40DD-AFC4-6F175D3DCCD1}">
-              <a14:hiddenFill xmlns:a14="http://schemas.microsoft.com/office/drawing/2010/main">
-                <a:solidFill>
-                  <a:srgbClr val="FFFFFF"/>
-                </a:solidFill>
-              </a14:hiddenFill>
-            </a:ext>
-            <a:ext uri="{91240B29-F687-4F45-9708-019B960494DF}">
-              <a14:hiddenLine xmlns:a14="http://schemas.microsoft.com/office/drawing/2010/main" w="9525">
-                <a:solidFill>
-                  <a:srgbClr val="000000"/>
-                </a:solidFill>
-                <a:miter lim="800000"/>
-                <a:headEnd/>
-                <a:tailEnd/>
-              </a14:hiddenLine>
-            </a:ext>
-          </a:extLst>
-        </p:spPr>
-      </p:pic>
-      <p:pic>
-        <p:nvPicPr>
-          <p:cNvPr id="230" name="Graphic 60">
-            <a:extLst>
-              <a:ext uri="{FF2B5EF4-FFF2-40B4-BE49-F238E27FC236}">
-                <a16:creationId xmlns:a16="http://schemas.microsoft.com/office/drawing/2014/main" id="{86F22948-147F-4CD6-A46A-37CCB1DD13C4}"/>
-              </a:ext>
-            </a:extLst>
-          </p:cNvPr>
-          <p:cNvPicPr>
-            <a:picLocks noChangeAspect="1" noChangeArrowheads="1"/>
-          </p:cNvPicPr>
-          <p:nvPr/>
-        </p:nvPicPr>
-        <p:blipFill>
-          <a:blip r:embed="rId13">
-            <a:extLst>
-              <a:ext uri="{28A0092B-C50C-407E-A947-70E740481C1C}">
-                <a14:useLocalDpi xmlns:a14="http://schemas.microsoft.com/office/drawing/2010/main" val="0"/>
-              </a:ext>
-            </a:extLst>
-          </a:blip>
-          <a:srcRect/>
-          <a:stretch>
-            <a:fillRect/>
-          </a:stretch>
-        </p:blipFill>
-        <p:spPr bwMode="auto">
-          <a:xfrm>
-            <a:off x="8395551" y="3417977"/>
-            <a:ext cx="457200" cy="457200"/>
-          </a:xfrm>
-          <a:prstGeom prst="rect">
-            <a:avLst/>
-          </a:prstGeom>
-          <a:noFill/>
-          <a:ln>
-            <a:noFill/>
-          </a:ln>
-          <a:extLst>
-            <a:ext uri="{909E8E84-426E-40DD-AFC4-6F175D3DCCD1}">
-              <a14:hiddenFill xmlns:a14="http://schemas.microsoft.com/office/drawing/2010/main">
-                <a:solidFill>
-                  <a:srgbClr val="FFFFFF"/>
-                </a:solidFill>
-              </a14:hiddenFill>
-            </a:ext>
-            <a:ext uri="{91240B29-F687-4F45-9708-019B960494DF}">
-              <a14:hiddenLine xmlns:a14="http://schemas.microsoft.com/office/drawing/2010/main" w="9525">
-                <a:solidFill>
-                  <a:srgbClr val="000000"/>
-                </a:solidFill>
-                <a:miter lim="800000"/>
-                <a:headEnd/>
-                <a:tailEnd/>
-              </a14:hiddenLine>
-            </a:ext>
-          </a:extLst>
-        </p:spPr>
-      </p:pic>
-      <p:sp>
-        <p:nvSpPr>
-          <p:cNvPr id="231" name="TextBox 20">
-            <a:extLst>
-              <a:ext uri="{FF2B5EF4-FFF2-40B4-BE49-F238E27FC236}">
-                <a16:creationId xmlns:a16="http://schemas.microsoft.com/office/drawing/2014/main" id="{28C17D3A-AD67-48D6-8EA8-87ACE923297F}"/>
-              </a:ext>
-            </a:extLst>
-          </p:cNvPr>
-          <p:cNvSpPr txBox="1">
-            <a:spLocks noChangeArrowheads="1"/>
-          </p:cNvSpPr>
-          <p:nvPr/>
-        </p:nvSpPr>
-        <p:spPr bwMode="auto">
-          <a:xfrm>
-            <a:off x="7860074" y="2638830"/>
-            <a:ext cx="1528154" cy="276999"/>
-          </a:xfrm>
-          <a:prstGeom prst="rect">
-            <a:avLst/>
-          </a:prstGeom>
-          <a:noFill/>
-          <a:ln>
-            <a:noFill/>
-          </a:ln>
-          <a:extLst>
-            <a:ext uri="{909E8E84-426E-40DD-AFC4-6F175D3DCCD1}">
-              <a14:hiddenFill xmlns:a14="http://schemas.microsoft.com/office/drawing/2010/main">
-                <a:solidFill>
-                  <a:srgbClr val="FFFFFF"/>
-                </a:solidFill>
-              </a14:hiddenFill>
-            </a:ext>
-            <a:ext uri="{91240B29-F687-4F45-9708-019B960494DF}">
-              <a14:hiddenLine xmlns:a14="http://schemas.microsoft.com/office/drawing/2010/main" w="9525">
-                <a:solidFill>
-                  <a:srgbClr val="000000"/>
-                </a:solidFill>
-                <a:miter lim="800000"/>
-                <a:headEnd/>
-                <a:tailEnd/>
-              </a14:hiddenLine>
-            </a:ext>
-          </a:extLst>
-        </p:spPr>
-        <p:txBody>
-          <a:bodyPr wrap="square">
-            <a:spAutoFit/>
-          </a:bodyPr>
-          <a:lstStyle>
-            <a:lvl1pPr>
-              <a:defRPr>
-                <a:solidFill>
-                  <a:schemeClr val="tx1"/>
-                </a:solidFill>
-                <a:latin typeface="Calibri" panose="020F0502020204030204" pitchFamily="34" charset="0"/>
-              </a:defRPr>
-            </a:lvl1pPr>
-            <a:lvl2pPr marL="742950" indent="-285750">
-              <a:defRPr>
-                <a:solidFill>
-                  <a:schemeClr val="tx1"/>
-                </a:solidFill>
-                <a:latin typeface="Calibri" panose="020F0502020204030204" pitchFamily="34" charset="0"/>
-              </a:defRPr>
-            </a:lvl2pPr>
-            <a:lvl3pPr marL="1143000" indent="-228600">
-              <a:defRPr>
-                <a:solidFill>
-                  <a:schemeClr val="tx1"/>
-                </a:solidFill>
-                <a:latin typeface="Calibri" panose="020F0502020204030204" pitchFamily="34" charset="0"/>
-              </a:defRPr>
-            </a:lvl3pPr>
-            <a:lvl4pPr marL="1600200" indent="-228600">
-              <a:defRPr>
-                <a:solidFill>
-                  <a:schemeClr val="tx1"/>
-                </a:solidFill>
-                <a:latin typeface="Calibri" panose="020F0502020204030204" pitchFamily="34" charset="0"/>
-              </a:defRPr>
-            </a:lvl4pPr>
-            <a:lvl5pPr marL="2057400" indent="-228600">
-              <a:defRPr>
-                <a:solidFill>
-                  <a:schemeClr val="tx1"/>
-                </a:solidFill>
-                <a:latin typeface="Calibri" panose="020F0502020204030204" pitchFamily="34" charset="0"/>
-              </a:defRPr>
-            </a:lvl5pPr>
-            <a:lvl6pPr marL="2514600" indent="-228600" eaLnBrk="0" fontAlgn="base" hangingPunct="0">
-              <a:spcBef>
-                <a:spcPct val="0"/>
-              </a:spcBef>
-              <a:spcAft>
-                <a:spcPct val="0"/>
-              </a:spcAft>
-              <a:defRPr>
-                <a:solidFill>
-                  <a:schemeClr val="tx1"/>
-                </a:solidFill>
-                <a:latin typeface="Calibri" panose="020F0502020204030204" pitchFamily="34" charset="0"/>
-              </a:defRPr>
-            </a:lvl6pPr>
-            <a:lvl7pPr marL="2971800" indent="-228600" eaLnBrk="0" fontAlgn="base" hangingPunct="0">
-              <a:spcBef>
-                <a:spcPct val="0"/>
-              </a:spcBef>
-              <a:spcAft>
-                <a:spcPct val="0"/>
-              </a:spcAft>
-              <a:defRPr>
-                <a:solidFill>
-                  <a:schemeClr val="tx1"/>
-                </a:solidFill>
-                <a:latin typeface="Calibri" panose="020F0502020204030204" pitchFamily="34" charset="0"/>
-              </a:defRPr>
-            </a:lvl7pPr>
-            <a:lvl8pPr marL="3429000" indent="-228600" eaLnBrk="0" fontAlgn="base" hangingPunct="0">
-              <a:spcBef>
-                <a:spcPct val="0"/>
-              </a:spcBef>
-              <a:spcAft>
-                <a:spcPct val="0"/>
-              </a:spcAft>
-              <a:defRPr>
-                <a:solidFill>
-                  <a:schemeClr val="tx1"/>
-                </a:solidFill>
-                <a:latin typeface="Calibri" panose="020F0502020204030204" pitchFamily="34" charset="0"/>
-              </a:defRPr>
-            </a:lvl8pPr>
-            <a:lvl9pPr marL="3886200" indent="-228600" eaLnBrk="0" fontAlgn="base" hangingPunct="0">
-              <a:spcBef>
-                <a:spcPct val="0"/>
-              </a:spcBef>
-              <a:spcAft>
-                <a:spcPct val="0"/>
-              </a:spcAft>
-              <a:defRPr>
-                <a:solidFill>
-                  <a:schemeClr val="tx1"/>
-                </a:solidFill>
-                <a:latin typeface="Calibri" panose="020F0502020204030204" pitchFamily="34" charset="0"/>
-              </a:defRPr>
-            </a:lvl9pPr>
-          </a:lstStyle>
-          <a:p>
-            <a:pPr algn="ctr" eaLnBrk="1" hangingPunct="1"/>
-            <a:r>
-              <a:rPr lang="en-US" altLang="en-US" sz="1200" dirty="0">
-                <a:latin typeface="Arial" panose="020B0604020202020204" pitchFamily="34" charset="0"/>
-                <a:ea typeface="Amazon Ember" panose="020B0603020204020204" pitchFamily="34" charset="0"/>
-                <a:cs typeface="Arial" panose="020B0604020202020204" pitchFamily="34" charset="0"/>
-              </a:rPr>
-              <a:t>Meraki vMX</a:t>
-            </a:r>
-          </a:p>
-        </p:txBody>
-      </p:sp>
-      <p:sp>
-        <p:nvSpPr>
-          <p:cNvPr id="232" name="TextBox 20">
-            <a:extLst>
-              <a:ext uri="{FF2B5EF4-FFF2-40B4-BE49-F238E27FC236}">
-                <a16:creationId xmlns:a16="http://schemas.microsoft.com/office/drawing/2014/main" id="{3B515FDA-17A7-4F20-918F-B3109390AA67}"/>
-              </a:ext>
-            </a:extLst>
-          </p:cNvPr>
-          <p:cNvSpPr txBox="1">
-            <a:spLocks noChangeArrowheads="1"/>
-          </p:cNvSpPr>
-          <p:nvPr/>
-        </p:nvSpPr>
-        <p:spPr bwMode="auto">
-          <a:xfrm>
-            <a:off x="7860074" y="3835546"/>
-            <a:ext cx="1528154" cy="276999"/>
-          </a:xfrm>
-          <a:prstGeom prst="rect">
-            <a:avLst/>
-          </a:prstGeom>
-          <a:noFill/>
-          <a:ln>
-            <a:noFill/>
-          </a:ln>
-          <a:extLst>
-            <a:ext uri="{909E8E84-426E-40DD-AFC4-6F175D3DCCD1}">
-              <a14:hiddenFill xmlns:a14="http://schemas.microsoft.com/office/drawing/2010/main">
-                <a:solidFill>
-                  <a:srgbClr val="FFFFFF"/>
-                </a:solidFill>
-              </a14:hiddenFill>
-            </a:ext>
-            <a:ext uri="{91240B29-F687-4F45-9708-019B960494DF}">
-              <a14:hiddenLine xmlns:a14="http://schemas.microsoft.com/office/drawing/2010/main" w="9525">
-                <a:solidFill>
-                  <a:srgbClr val="000000"/>
-                </a:solidFill>
-                <a:miter lim="800000"/>
-                <a:headEnd/>
-                <a:tailEnd/>
-              </a14:hiddenLine>
-            </a:ext>
-          </a:extLst>
-        </p:spPr>
-        <p:txBody>
-          <a:bodyPr wrap="square">
-            <a:spAutoFit/>
-          </a:bodyPr>
-          <a:lstStyle>
-            <a:lvl1pPr>
-              <a:defRPr>
-                <a:solidFill>
-                  <a:schemeClr val="tx1"/>
-                </a:solidFill>
-                <a:latin typeface="Calibri" panose="020F0502020204030204" pitchFamily="34" charset="0"/>
-              </a:defRPr>
-            </a:lvl1pPr>
-            <a:lvl2pPr marL="742950" indent="-285750">
-              <a:defRPr>
-                <a:solidFill>
-                  <a:schemeClr val="tx1"/>
-                </a:solidFill>
-                <a:latin typeface="Calibri" panose="020F0502020204030204" pitchFamily="34" charset="0"/>
-              </a:defRPr>
-            </a:lvl2pPr>
-            <a:lvl3pPr marL="1143000" indent="-228600">
-              <a:defRPr>
-                <a:solidFill>
-                  <a:schemeClr val="tx1"/>
-                </a:solidFill>
-                <a:latin typeface="Calibri" panose="020F0502020204030204" pitchFamily="34" charset="0"/>
-              </a:defRPr>
-            </a:lvl3pPr>
-            <a:lvl4pPr marL="1600200" indent="-228600">
-              <a:defRPr>
-                <a:solidFill>
-                  <a:schemeClr val="tx1"/>
-                </a:solidFill>
-                <a:latin typeface="Calibri" panose="020F0502020204030204" pitchFamily="34" charset="0"/>
-              </a:defRPr>
-            </a:lvl4pPr>
-            <a:lvl5pPr marL="2057400" indent="-228600">
-              <a:defRPr>
-                <a:solidFill>
-                  <a:schemeClr val="tx1"/>
-                </a:solidFill>
-                <a:latin typeface="Calibri" panose="020F0502020204030204" pitchFamily="34" charset="0"/>
-              </a:defRPr>
-            </a:lvl5pPr>
-            <a:lvl6pPr marL="2514600" indent="-228600" eaLnBrk="0" fontAlgn="base" hangingPunct="0">
-              <a:spcBef>
-                <a:spcPct val="0"/>
-              </a:spcBef>
-              <a:spcAft>
-                <a:spcPct val="0"/>
-              </a:spcAft>
-              <a:defRPr>
-                <a:solidFill>
-                  <a:schemeClr val="tx1"/>
-                </a:solidFill>
-                <a:latin typeface="Calibri" panose="020F0502020204030204" pitchFamily="34" charset="0"/>
-              </a:defRPr>
-            </a:lvl6pPr>
-            <a:lvl7pPr marL="2971800" indent="-228600" eaLnBrk="0" fontAlgn="base" hangingPunct="0">
-              <a:spcBef>
-                <a:spcPct val="0"/>
-              </a:spcBef>
-              <a:spcAft>
-                <a:spcPct val="0"/>
-              </a:spcAft>
-              <a:defRPr>
-                <a:solidFill>
-                  <a:schemeClr val="tx1"/>
-                </a:solidFill>
-                <a:latin typeface="Calibri" panose="020F0502020204030204" pitchFamily="34" charset="0"/>
-              </a:defRPr>
-            </a:lvl7pPr>
-            <a:lvl8pPr marL="3429000" indent="-228600" eaLnBrk="0" fontAlgn="base" hangingPunct="0">
-              <a:spcBef>
-                <a:spcPct val="0"/>
-              </a:spcBef>
-              <a:spcAft>
-                <a:spcPct val="0"/>
-              </a:spcAft>
-              <a:defRPr>
-                <a:solidFill>
-                  <a:schemeClr val="tx1"/>
-                </a:solidFill>
-                <a:latin typeface="Calibri" panose="020F0502020204030204" pitchFamily="34" charset="0"/>
-              </a:defRPr>
-            </a:lvl8pPr>
-            <a:lvl9pPr marL="3886200" indent="-228600" eaLnBrk="0" fontAlgn="base" hangingPunct="0">
-              <a:spcBef>
-                <a:spcPct val="0"/>
-              </a:spcBef>
-              <a:spcAft>
-                <a:spcPct val="0"/>
-              </a:spcAft>
-              <a:defRPr>
-                <a:solidFill>
-                  <a:schemeClr val="tx1"/>
-                </a:solidFill>
-                <a:latin typeface="Calibri" panose="020F0502020204030204" pitchFamily="34" charset="0"/>
-              </a:defRPr>
-            </a:lvl9pPr>
-          </a:lstStyle>
-          <a:p>
-            <a:pPr algn="ctr" eaLnBrk="1" hangingPunct="1"/>
-            <a:r>
-              <a:rPr lang="en-US" altLang="en-US" sz="1200" dirty="0">
-                <a:latin typeface="Arial" panose="020B0604020202020204" pitchFamily="34" charset="0"/>
-                <a:ea typeface="Amazon Ember" panose="020B0603020204020204" pitchFamily="34" charset="0"/>
-                <a:cs typeface="Arial" panose="020B0604020202020204" pitchFamily="34" charset="0"/>
-              </a:rPr>
-              <a:t>Meraki vMX</a:t>
-            </a:r>
-          </a:p>
-        </p:txBody>
-      </p:sp>
-      <p:pic>
-        <p:nvPicPr>
-          <p:cNvPr id="233" name="Graphic 62">
-            <a:extLst>
-              <a:ext uri="{FF2B5EF4-FFF2-40B4-BE49-F238E27FC236}">
-                <a16:creationId xmlns:a16="http://schemas.microsoft.com/office/drawing/2014/main" id="{EFDDBD4B-6405-44EA-AC39-4D48F2D7ACA0}"/>
-              </a:ext>
-            </a:extLst>
-          </p:cNvPr>
-          <p:cNvPicPr>
-            <a:picLocks noChangeAspect="1" noChangeArrowheads="1"/>
-          </p:cNvPicPr>
-          <p:nvPr/>
-        </p:nvPicPr>
-        <p:blipFill>
-          <a:blip r:embed="rId19">
-            <a:extLst>
-              <a:ext uri="{28A0092B-C50C-407E-A947-70E740481C1C}">
-                <a14:useLocalDpi xmlns:a14="http://schemas.microsoft.com/office/drawing/2010/main" val="0"/>
-              </a:ext>
-            </a:extLst>
-          </a:blip>
-          <a:srcRect/>
-          <a:stretch>
-            <a:fillRect/>
-          </a:stretch>
-        </p:blipFill>
-        <p:spPr bwMode="auto">
-          <a:xfrm>
-            <a:off x="8247319" y="4875589"/>
-            <a:ext cx="457200" cy="457200"/>
-          </a:xfrm>
-          <a:prstGeom prst="rect">
-            <a:avLst/>
-          </a:prstGeom>
-          <a:noFill/>
-          <a:ln>
-            <a:noFill/>
-          </a:ln>
-          <a:extLst>
-            <a:ext uri="{909E8E84-426E-40DD-AFC4-6F175D3DCCD1}">
-              <a14:hiddenFill xmlns:a14="http://schemas.microsoft.com/office/drawing/2010/main">
-                <a:solidFill>
-                  <a:srgbClr val="FFFFFF"/>
-                </a:solidFill>
-              </a14:hiddenFill>
-            </a:ext>
-            <a:ext uri="{91240B29-F687-4F45-9708-019B960494DF}">
-              <a14:hiddenLine xmlns:a14="http://schemas.microsoft.com/office/drawing/2010/main" w="9525">
-                <a:solidFill>
-                  <a:srgbClr val="000000"/>
-                </a:solidFill>
-                <a:miter lim="800000"/>
-                <a:headEnd/>
-                <a:tailEnd/>
-              </a14:hiddenLine>
-            </a:ext>
-          </a:extLst>
-        </p:spPr>
-      </p:pic>
       <p:cxnSp>
         <p:nvCxnSpPr>
           <p:cNvPr id="234" name="Straight Arrow Connector 233">
@@ -8320,8 +7882,8 @@
         </p:nvCxnSpPr>
         <p:spPr>
           <a:xfrm>
-            <a:off x="5001401" y="5138320"/>
-            <a:ext cx="914400" cy="0"/>
+            <a:off x="4018899" y="4931744"/>
+            <a:ext cx="2011680" cy="0"/>
           </a:xfrm>
           <a:prstGeom prst="straightConnector1">
             <a:avLst/>
@@ -8365,8 +7927,8 @@
         </p:nvCxnSpPr>
         <p:spPr>
           <a:xfrm>
-            <a:off x="6470066" y="1961064"/>
-            <a:ext cx="822960" cy="0"/>
+            <a:off x="6431357" y="1961064"/>
+            <a:ext cx="914400" cy="0"/>
           </a:xfrm>
           <a:prstGeom prst="straightConnector1">
             <a:avLst/>
@@ -8410,8 +7972,8 @@
         </p:nvCxnSpPr>
         <p:spPr>
           <a:xfrm>
-            <a:off x="6563998" y="3036267"/>
-            <a:ext cx="731520" cy="0"/>
+            <a:off x="6416463" y="3017458"/>
+            <a:ext cx="914400" cy="0"/>
           </a:xfrm>
           <a:prstGeom prst="straightConnector1">
             <a:avLst/>
@@ -8455,8 +8017,8 @@
         </p:nvCxnSpPr>
         <p:spPr>
           <a:xfrm>
-            <a:off x="6417327" y="5149689"/>
-            <a:ext cx="914400" cy="0"/>
+            <a:off x="6470066" y="4931744"/>
+            <a:ext cx="1920240" cy="0"/>
           </a:xfrm>
           <a:prstGeom prst="straightConnector1">
             <a:avLst/>
@@ -8484,6 +8046,388 @@
           </a:fontRef>
         </p:style>
       </p:cxnSp>
+      <p:pic>
+        <p:nvPicPr>
+          <p:cNvPr id="52" name="Picture 51">
+            <a:extLst>
+              <a:ext uri="{FF2B5EF4-FFF2-40B4-BE49-F238E27FC236}">
+                <a16:creationId xmlns:a16="http://schemas.microsoft.com/office/drawing/2014/main" id="{4FFFE7BB-CE73-41F9-8F23-0FB94B0479D0}"/>
+              </a:ext>
+            </a:extLst>
+          </p:cNvPr>
+          <p:cNvPicPr>
+            <a:picLocks noChangeAspect="1"/>
+          </p:cNvPicPr>
+          <p:nvPr/>
+        </p:nvPicPr>
+        <p:blipFill>
+          <a:blip r:embed="rId19"/>
+          <a:stretch>
+            <a:fillRect/>
+          </a:stretch>
+        </p:blipFill>
+        <p:spPr>
+          <a:xfrm>
+            <a:off x="3553733" y="4712306"/>
+            <a:ext cx="457162" cy="438876"/>
+          </a:xfrm>
+          <a:prstGeom prst="rect">
+            <a:avLst/>
+          </a:prstGeom>
+        </p:spPr>
+      </p:pic>
+      <p:sp>
+        <p:nvSpPr>
+          <p:cNvPr id="53" name="TextBox 15">
+            <a:extLst>
+              <a:ext uri="{FF2B5EF4-FFF2-40B4-BE49-F238E27FC236}">
+                <a16:creationId xmlns:a16="http://schemas.microsoft.com/office/drawing/2014/main" id="{8F63FEE8-691C-473E-9188-13E6B6AF1C5B}"/>
+              </a:ext>
+            </a:extLst>
+          </p:cNvPr>
+          <p:cNvSpPr txBox="1">
+            <a:spLocks noChangeArrowheads="1"/>
+          </p:cNvSpPr>
+          <p:nvPr/>
+        </p:nvSpPr>
+        <p:spPr bwMode="auto">
+          <a:xfrm>
+            <a:off x="2984152" y="5182623"/>
+            <a:ext cx="1520229" cy="276999"/>
+          </a:xfrm>
+          <a:prstGeom prst="rect">
+            <a:avLst/>
+          </a:prstGeom>
+          <a:noFill/>
+          <a:ln>
+            <a:noFill/>
+          </a:ln>
+          <a:extLst>
+            <a:ext uri="{909E8E84-426E-40DD-AFC4-6F175D3DCCD1}">
+              <a14:hiddenFill xmlns:a14="http://schemas.microsoft.com/office/drawing/2010/main">
+                <a:solidFill>
+                  <a:srgbClr val="FFFFFF"/>
+                </a:solidFill>
+              </a14:hiddenFill>
+            </a:ext>
+            <a:ext uri="{91240B29-F687-4F45-9708-019B960494DF}">
+              <a14:hiddenLine xmlns:a14="http://schemas.microsoft.com/office/drawing/2010/main" w="9525">
+                <a:solidFill>
+                  <a:srgbClr val="000000"/>
+                </a:solidFill>
+                <a:miter lim="800000"/>
+                <a:headEnd/>
+                <a:tailEnd/>
+              </a14:hiddenLine>
+            </a:ext>
+          </a:extLst>
+        </p:spPr>
+        <p:txBody>
+          <a:bodyPr wrap="square">
+            <a:spAutoFit/>
+          </a:bodyPr>
+          <a:lstStyle>
+            <a:lvl1pPr>
+              <a:defRPr>
+                <a:solidFill>
+                  <a:schemeClr val="tx1"/>
+                </a:solidFill>
+                <a:latin typeface="Calibri" panose="020F0502020204030204" pitchFamily="34" charset="0"/>
+              </a:defRPr>
+            </a:lvl1pPr>
+            <a:lvl2pPr marL="742950" indent="-285750">
+              <a:defRPr>
+                <a:solidFill>
+                  <a:schemeClr val="tx1"/>
+                </a:solidFill>
+                <a:latin typeface="Calibri" panose="020F0502020204030204" pitchFamily="34" charset="0"/>
+              </a:defRPr>
+            </a:lvl2pPr>
+            <a:lvl3pPr marL="1143000" indent="-228600">
+              <a:defRPr>
+                <a:solidFill>
+                  <a:schemeClr val="tx1"/>
+                </a:solidFill>
+                <a:latin typeface="Calibri" panose="020F0502020204030204" pitchFamily="34" charset="0"/>
+              </a:defRPr>
+            </a:lvl3pPr>
+            <a:lvl4pPr marL="1600200" indent="-228600">
+              <a:defRPr>
+                <a:solidFill>
+                  <a:schemeClr val="tx1"/>
+                </a:solidFill>
+                <a:latin typeface="Calibri" panose="020F0502020204030204" pitchFamily="34" charset="0"/>
+              </a:defRPr>
+            </a:lvl4pPr>
+            <a:lvl5pPr marL="2057400" indent="-228600">
+              <a:defRPr>
+                <a:solidFill>
+                  <a:schemeClr val="tx1"/>
+                </a:solidFill>
+                <a:latin typeface="Calibri" panose="020F0502020204030204" pitchFamily="34" charset="0"/>
+              </a:defRPr>
+            </a:lvl5pPr>
+            <a:lvl6pPr marL="2514600" indent="-228600" eaLnBrk="0" fontAlgn="base" hangingPunct="0">
+              <a:spcBef>
+                <a:spcPct val="0"/>
+              </a:spcBef>
+              <a:spcAft>
+                <a:spcPct val="0"/>
+              </a:spcAft>
+              <a:defRPr>
+                <a:solidFill>
+                  <a:schemeClr val="tx1"/>
+                </a:solidFill>
+                <a:latin typeface="Calibri" panose="020F0502020204030204" pitchFamily="34" charset="0"/>
+              </a:defRPr>
+            </a:lvl6pPr>
+            <a:lvl7pPr marL="2971800" indent="-228600" eaLnBrk="0" fontAlgn="base" hangingPunct="0">
+              <a:spcBef>
+                <a:spcPct val="0"/>
+              </a:spcBef>
+              <a:spcAft>
+                <a:spcPct val="0"/>
+              </a:spcAft>
+              <a:defRPr>
+                <a:solidFill>
+                  <a:schemeClr val="tx1"/>
+                </a:solidFill>
+                <a:latin typeface="Calibri" panose="020F0502020204030204" pitchFamily="34" charset="0"/>
+              </a:defRPr>
+            </a:lvl7pPr>
+            <a:lvl8pPr marL="3429000" indent="-228600" eaLnBrk="0" fontAlgn="base" hangingPunct="0">
+              <a:spcBef>
+                <a:spcPct val="0"/>
+              </a:spcBef>
+              <a:spcAft>
+                <a:spcPct val="0"/>
+              </a:spcAft>
+              <a:defRPr>
+                <a:solidFill>
+                  <a:schemeClr val="tx1"/>
+                </a:solidFill>
+                <a:latin typeface="Calibri" panose="020F0502020204030204" pitchFamily="34" charset="0"/>
+              </a:defRPr>
+            </a:lvl8pPr>
+            <a:lvl9pPr marL="3886200" indent="-228600" eaLnBrk="0" fontAlgn="base" hangingPunct="0">
+              <a:spcBef>
+                <a:spcPct val="0"/>
+              </a:spcBef>
+              <a:spcAft>
+                <a:spcPct val="0"/>
+              </a:spcAft>
+              <a:defRPr>
+                <a:solidFill>
+                  <a:schemeClr val="tx1"/>
+                </a:solidFill>
+                <a:latin typeface="Calibri" panose="020F0502020204030204" pitchFamily="34" charset="0"/>
+              </a:defRPr>
+            </a:lvl9pPr>
+          </a:lstStyle>
+          <a:p>
+            <a:pPr algn="ctr" eaLnBrk="1" hangingPunct="1"/>
+            <a:r>
+              <a:rPr lang="en-US" altLang="en-US" sz="1200" dirty="0">
+                <a:latin typeface="Arial" panose="020B0604020202020204" pitchFamily="34" charset="0"/>
+                <a:ea typeface="Amazon Ember" panose="020B0603020204020204" pitchFamily="34" charset="0"/>
+                <a:cs typeface="Arial" panose="020B0604020202020204" pitchFamily="34" charset="0"/>
+              </a:rPr>
+              <a:t>Workload VPC</a:t>
+            </a:r>
+          </a:p>
+        </p:txBody>
+      </p:sp>
+      <p:pic>
+        <p:nvPicPr>
+          <p:cNvPr id="54" name="Picture 53">
+            <a:extLst>
+              <a:ext uri="{FF2B5EF4-FFF2-40B4-BE49-F238E27FC236}">
+                <a16:creationId xmlns:a16="http://schemas.microsoft.com/office/drawing/2014/main" id="{9303FD5B-945B-45AA-BDFB-C748E43321BB}"/>
+              </a:ext>
+            </a:extLst>
+          </p:cNvPr>
+          <p:cNvPicPr>
+            <a:picLocks noChangeAspect="1"/>
+          </p:cNvPicPr>
+          <p:nvPr/>
+        </p:nvPicPr>
+        <p:blipFill>
+          <a:blip r:embed="rId19"/>
+          <a:stretch>
+            <a:fillRect/>
+          </a:stretch>
+        </p:blipFill>
+        <p:spPr>
+          <a:xfrm>
+            <a:off x="8395589" y="4712854"/>
+            <a:ext cx="457162" cy="438876"/>
+          </a:xfrm>
+          <a:prstGeom prst="rect">
+            <a:avLst/>
+          </a:prstGeom>
+        </p:spPr>
+      </p:pic>
+      <p:sp>
+        <p:nvSpPr>
+          <p:cNvPr id="55" name="TextBox 15">
+            <a:extLst>
+              <a:ext uri="{FF2B5EF4-FFF2-40B4-BE49-F238E27FC236}">
+                <a16:creationId xmlns:a16="http://schemas.microsoft.com/office/drawing/2014/main" id="{CFCA6220-56EE-43DD-9A8E-FA6B34F37B03}"/>
+              </a:ext>
+            </a:extLst>
+          </p:cNvPr>
+          <p:cNvSpPr txBox="1">
+            <a:spLocks noChangeArrowheads="1"/>
+          </p:cNvSpPr>
+          <p:nvPr/>
+        </p:nvSpPr>
+        <p:spPr bwMode="auto">
+          <a:xfrm>
+            <a:off x="7867999" y="5182897"/>
+            <a:ext cx="1520229" cy="276999"/>
+          </a:xfrm>
+          <a:prstGeom prst="rect">
+            <a:avLst/>
+          </a:prstGeom>
+          <a:noFill/>
+          <a:ln>
+            <a:noFill/>
+          </a:ln>
+          <a:extLst>
+            <a:ext uri="{909E8E84-426E-40DD-AFC4-6F175D3DCCD1}">
+              <a14:hiddenFill xmlns:a14="http://schemas.microsoft.com/office/drawing/2010/main">
+                <a:solidFill>
+                  <a:srgbClr val="FFFFFF"/>
+                </a:solidFill>
+              </a14:hiddenFill>
+            </a:ext>
+            <a:ext uri="{91240B29-F687-4F45-9708-019B960494DF}">
+              <a14:hiddenLine xmlns:a14="http://schemas.microsoft.com/office/drawing/2010/main" w="9525">
+                <a:solidFill>
+                  <a:srgbClr val="000000"/>
+                </a:solidFill>
+                <a:miter lim="800000"/>
+                <a:headEnd/>
+                <a:tailEnd/>
+              </a14:hiddenLine>
+            </a:ext>
+          </a:extLst>
+        </p:spPr>
+        <p:txBody>
+          <a:bodyPr wrap="square">
+            <a:spAutoFit/>
+          </a:bodyPr>
+          <a:lstStyle>
+            <a:lvl1pPr>
+              <a:defRPr>
+                <a:solidFill>
+                  <a:schemeClr val="tx1"/>
+                </a:solidFill>
+                <a:latin typeface="Calibri" panose="020F0502020204030204" pitchFamily="34" charset="0"/>
+              </a:defRPr>
+            </a:lvl1pPr>
+            <a:lvl2pPr marL="742950" indent="-285750">
+              <a:defRPr>
+                <a:solidFill>
+                  <a:schemeClr val="tx1"/>
+                </a:solidFill>
+                <a:latin typeface="Calibri" panose="020F0502020204030204" pitchFamily="34" charset="0"/>
+              </a:defRPr>
+            </a:lvl2pPr>
+            <a:lvl3pPr marL="1143000" indent="-228600">
+              <a:defRPr>
+                <a:solidFill>
+                  <a:schemeClr val="tx1"/>
+                </a:solidFill>
+                <a:latin typeface="Calibri" panose="020F0502020204030204" pitchFamily="34" charset="0"/>
+              </a:defRPr>
+            </a:lvl3pPr>
+            <a:lvl4pPr marL="1600200" indent="-228600">
+              <a:defRPr>
+                <a:solidFill>
+                  <a:schemeClr val="tx1"/>
+                </a:solidFill>
+                <a:latin typeface="Calibri" panose="020F0502020204030204" pitchFamily="34" charset="0"/>
+              </a:defRPr>
+            </a:lvl4pPr>
+            <a:lvl5pPr marL="2057400" indent="-228600">
+              <a:defRPr>
+                <a:solidFill>
+                  <a:schemeClr val="tx1"/>
+                </a:solidFill>
+                <a:latin typeface="Calibri" panose="020F0502020204030204" pitchFamily="34" charset="0"/>
+              </a:defRPr>
+            </a:lvl5pPr>
+            <a:lvl6pPr marL="2514600" indent="-228600" eaLnBrk="0" fontAlgn="base" hangingPunct="0">
+              <a:spcBef>
+                <a:spcPct val="0"/>
+              </a:spcBef>
+              <a:spcAft>
+                <a:spcPct val="0"/>
+              </a:spcAft>
+              <a:defRPr>
+                <a:solidFill>
+                  <a:schemeClr val="tx1"/>
+                </a:solidFill>
+                <a:latin typeface="Calibri" panose="020F0502020204030204" pitchFamily="34" charset="0"/>
+              </a:defRPr>
+            </a:lvl6pPr>
+            <a:lvl7pPr marL="2971800" indent="-228600" eaLnBrk="0" fontAlgn="base" hangingPunct="0">
+              <a:spcBef>
+                <a:spcPct val="0"/>
+              </a:spcBef>
+              <a:spcAft>
+                <a:spcPct val="0"/>
+              </a:spcAft>
+              <a:defRPr>
+                <a:solidFill>
+                  <a:schemeClr val="tx1"/>
+                </a:solidFill>
+                <a:latin typeface="Calibri" panose="020F0502020204030204" pitchFamily="34" charset="0"/>
+              </a:defRPr>
+            </a:lvl7pPr>
+            <a:lvl8pPr marL="3429000" indent="-228600" eaLnBrk="0" fontAlgn="base" hangingPunct="0">
+              <a:spcBef>
+                <a:spcPct val="0"/>
+              </a:spcBef>
+              <a:spcAft>
+                <a:spcPct val="0"/>
+              </a:spcAft>
+              <a:defRPr>
+                <a:solidFill>
+                  <a:schemeClr val="tx1"/>
+                </a:solidFill>
+                <a:latin typeface="Calibri" panose="020F0502020204030204" pitchFamily="34" charset="0"/>
+              </a:defRPr>
+            </a:lvl8pPr>
+            <a:lvl9pPr marL="3886200" indent="-228600" eaLnBrk="0" fontAlgn="base" hangingPunct="0">
+              <a:spcBef>
+                <a:spcPct val="0"/>
+              </a:spcBef>
+              <a:spcAft>
+                <a:spcPct val="0"/>
+              </a:spcAft>
+              <a:defRPr>
+                <a:solidFill>
+                  <a:schemeClr val="tx1"/>
+                </a:solidFill>
+                <a:latin typeface="Calibri" panose="020F0502020204030204" pitchFamily="34" charset="0"/>
+              </a:defRPr>
+            </a:lvl9pPr>
+          </a:lstStyle>
+          <a:p>
+            <a:pPr algn="ctr" eaLnBrk="1" hangingPunct="1"/>
+            <a:r>
+              <a:rPr lang="en-US" altLang="en-US" sz="1200" dirty="0">
+                <a:latin typeface="Arial" panose="020B0604020202020204" pitchFamily="34" charset="0"/>
+                <a:ea typeface="Amazon Ember" panose="020B0603020204020204" pitchFamily="34" charset="0"/>
+                <a:cs typeface="Arial" panose="020B0604020202020204" pitchFamily="34" charset="0"/>
+              </a:rPr>
+              <a:t>Workload VPC</a:t>
+            </a:r>
+          </a:p>
+        </p:txBody>
+      </p:sp>
     </p:spTree>
     <p:extLst>
       <p:ext uri="{BB962C8B-B14F-4D97-AF65-F5344CB8AC3E}">
